--- a/IKT_GitHub_prezentácio.pptx
+++ b/IKT_GitHub_prezentácio.pptx
@@ -2,18 +2,19 @@
 <file path=ppt/presentation.xml><?xml version="1.0" encoding="utf-8"?>
 <p:presentation xmlns:a="http://schemas.openxmlformats.org/drawingml/2006/main" xmlns:r="http://schemas.openxmlformats.org/officeDocument/2006/relationships" xmlns:p="http://schemas.openxmlformats.org/presentationml/2006/main" saveSubsetFonts="1">
   <p:sldMasterIdLst>
-    <p:sldMasterId id="2147483648" r:id="rId1"/>
+    <p:sldMasterId id="2147483732" r:id="rId1"/>
   </p:sldMasterIdLst>
   <p:sldIdLst>
     <p:sldId id="256" r:id="rId2"/>
+    <p:sldId id="257" r:id="rId3"/>
   </p:sldIdLst>
   <p:sldSz cx="12192000" cy="6858000"/>
   <p:notesSz cx="6858000" cy="9144000"/>
   <p:defaultTextStyle>
     <a:defPPr>
-      <a:defRPr lang="hu-HU"/>
+      <a:defRPr lang="en-US"/>
     </a:defPPr>
-    <a:lvl1pPr marL="0" algn="l" defTabSz="914400" rtl="0" eaLnBrk="1" latinLnBrk="0" hangingPunct="1">
+    <a:lvl1pPr marL="0" algn="l" defTabSz="457200" rtl="0" eaLnBrk="1" latinLnBrk="0" hangingPunct="1">
       <a:defRPr sz="1800" kern="1200">
         <a:solidFill>
           <a:schemeClr val="tx1"/>
@@ -23,7 +24,7 @@
         <a:cs typeface="+mn-cs"/>
       </a:defRPr>
     </a:lvl1pPr>
-    <a:lvl2pPr marL="457200" algn="l" defTabSz="914400" rtl="0" eaLnBrk="1" latinLnBrk="0" hangingPunct="1">
+    <a:lvl2pPr marL="457200" algn="l" defTabSz="457200" rtl="0" eaLnBrk="1" latinLnBrk="0" hangingPunct="1">
       <a:defRPr sz="1800" kern="1200">
         <a:solidFill>
           <a:schemeClr val="tx1"/>
@@ -33,7 +34,7 @@
         <a:cs typeface="+mn-cs"/>
       </a:defRPr>
     </a:lvl2pPr>
-    <a:lvl3pPr marL="914400" algn="l" defTabSz="914400" rtl="0" eaLnBrk="1" latinLnBrk="0" hangingPunct="1">
+    <a:lvl3pPr marL="914400" algn="l" defTabSz="457200" rtl="0" eaLnBrk="1" latinLnBrk="0" hangingPunct="1">
       <a:defRPr sz="1800" kern="1200">
         <a:solidFill>
           <a:schemeClr val="tx1"/>
@@ -43,7 +44,7 @@
         <a:cs typeface="+mn-cs"/>
       </a:defRPr>
     </a:lvl3pPr>
-    <a:lvl4pPr marL="1371600" algn="l" defTabSz="914400" rtl="0" eaLnBrk="1" latinLnBrk="0" hangingPunct="1">
+    <a:lvl4pPr marL="1371600" algn="l" defTabSz="457200" rtl="0" eaLnBrk="1" latinLnBrk="0" hangingPunct="1">
       <a:defRPr sz="1800" kern="1200">
         <a:solidFill>
           <a:schemeClr val="tx1"/>
@@ -53,7 +54,7 @@
         <a:cs typeface="+mn-cs"/>
       </a:defRPr>
     </a:lvl4pPr>
-    <a:lvl5pPr marL="1828800" algn="l" defTabSz="914400" rtl="0" eaLnBrk="1" latinLnBrk="0" hangingPunct="1">
+    <a:lvl5pPr marL="1828800" algn="l" defTabSz="457200" rtl="0" eaLnBrk="1" latinLnBrk="0" hangingPunct="1">
       <a:defRPr sz="1800" kern="1200">
         <a:solidFill>
           <a:schemeClr val="tx1"/>
@@ -63,7 +64,7 @@
         <a:cs typeface="+mn-cs"/>
       </a:defRPr>
     </a:lvl5pPr>
-    <a:lvl6pPr marL="2286000" algn="l" defTabSz="914400" rtl="0" eaLnBrk="1" latinLnBrk="0" hangingPunct="1">
+    <a:lvl6pPr marL="2286000" algn="l" defTabSz="457200" rtl="0" eaLnBrk="1" latinLnBrk="0" hangingPunct="1">
       <a:defRPr sz="1800" kern="1200">
         <a:solidFill>
           <a:schemeClr val="tx1"/>
@@ -73,7 +74,7 @@
         <a:cs typeface="+mn-cs"/>
       </a:defRPr>
     </a:lvl6pPr>
-    <a:lvl7pPr marL="2743200" algn="l" defTabSz="914400" rtl="0" eaLnBrk="1" latinLnBrk="0" hangingPunct="1">
+    <a:lvl7pPr marL="2743200" algn="l" defTabSz="457200" rtl="0" eaLnBrk="1" latinLnBrk="0" hangingPunct="1">
       <a:defRPr sz="1800" kern="1200">
         <a:solidFill>
           <a:schemeClr val="tx1"/>
@@ -83,7 +84,7 @@
         <a:cs typeface="+mn-cs"/>
       </a:defRPr>
     </a:lvl7pPr>
-    <a:lvl8pPr marL="3200400" algn="l" defTabSz="914400" rtl="0" eaLnBrk="1" latinLnBrk="0" hangingPunct="1">
+    <a:lvl8pPr marL="3200400" algn="l" defTabSz="457200" rtl="0" eaLnBrk="1" latinLnBrk="0" hangingPunct="1">
       <a:defRPr sz="1800" kern="1200">
         <a:solidFill>
           <a:schemeClr val="tx1"/>
@@ -93,7 +94,7 @@
         <a:cs typeface="+mn-cs"/>
       </a:defRPr>
     </a:lvl8pPr>
-    <a:lvl9pPr marL="3657600" algn="l" defTabSz="914400" rtl="0" eaLnBrk="1" latinLnBrk="0" hangingPunct="1">
+    <a:lvl9pPr marL="3657600" algn="l" defTabSz="457200" rtl="0" eaLnBrk="1" latinLnBrk="0" hangingPunct="1">
       <a:defRPr sz="1800" kern="1200">
         <a:solidFill>
           <a:schemeClr val="tx1"/>
@@ -104,6 +105,11 @@
       </a:defRPr>
     </a:lvl9pPr>
   </p:defaultTextStyle>
+  <p:extLst>
+    <p:ext uri="{EFAFB233-063F-42B5-8137-9DF3F51BA10A}">
+      <p15:sldGuideLst xmlns:p15="http://schemas.microsoft.com/office/powerpoint/2012/main"/>
+    </p:ext>
+  </p:extLst>
 </p:presentation>
 </file>
 
@@ -126,13 +132,7 @@
       </p:grpSpPr>
       <p:sp>
         <p:nvSpPr>
-          <p:cNvPr id="2" name="Cím 1">
-            <a:extLst>
-              <a:ext uri="{FF2B5EF4-FFF2-40B4-BE49-F238E27FC236}">
-                <a16:creationId xmlns:a16="http://schemas.microsoft.com/office/drawing/2014/main" id="{AC6C0309-7431-4834-A16D-EE73385FB795}"/>
-              </a:ext>
-            </a:extLst>
-          </p:cNvPr>
+          <p:cNvPr id="2" name="Title 1"/>
           <p:cNvSpPr>
             <a:spLocks noGrp="1"/>
           </p:cNvSpPr>
@@ -142,15 +142,15 @@
         </p:nvSpPr>
         <p:spPr>
           <a:xfrm>
-            <a:off x="1524000" y="1122363"/>
-            <a:ext cx="9144000" cy="2387600"/>
+            <a:off x="1154955" y="1447800"/>
+            <a:ext cx="8825658" cy="3329581"/>
           </a:xfrm>
         </p:spPr>
         <p:txBody>
           <a:bodyPr anchor="b"/>
           <a:lstStyle>
-            <a:lvl1pPr algn="ctr">
-              <a:defRPr sz="6000"/>
+            <a:lvl1pPr>
+              <a:defRPr sz="7200"/>
             </a:lvl1pPr>
           </a:lstStyle>
           <a:p>
@@ -158,18 +158,13 @@
               <a:rPr lang="hu-HU"/>
               <a:t>Mintacím szerkesztése</a:t>
             </a:r>
-          </a:p>
-        </p:txBody>
-      </p:sp>
-      <p:sp>
-        <p:nvSpPr>
-          <p:cNvPr id="3" name="Alcím 2">
-            <a:extLst>
-              <a:ext uri="{FF2B5EF4-FFF2-40B4-BE49-F238E27FC236}">
-                <a16:creationId xmlns:a16="http://schemas.microsoft.com/office/drawing/2014/main" id="{386D76FE-7CD9-4200-866B-AC24D7095467}"/>
-              </a:ext>
-            </a:extLst>
-          </p:cNvPr>
+            <a:endParaRPr lang="en-US" dirty="0"/>
+          </a:p>
+        </p:txBody>
+      </p:sp>
+      <p:sp>
+        <p:nvSpPr>
+          <p:cNvPr id="3" name="Subtitle 2"/>
           <p:cNvSpPr>
             <a:spLocks noGrp="1"/>
           </p:cNvSpPr>
@@ -179,48 +174,103 @@
         </p:nvSpPr>
         <p:spPr>
           <a:xfrm>
-            <a:off x="1524000" y="3602038"/>
-            <a:ext cx="9144000" cy="1655762"/>
+            <a:off x="1154955" y="4777380"/>
+            <a:ext cx="8825658" cy="861420"/>
           </a:xfrm>
         </p:spPr>
         <p:txBody>
-          <a:bodyPr/>
+          <a:bodyPr anchor="t"/>
           <a:lstStyle>
-            <a:lvl1pPr marL="0" indent="0" algn="ctr">
-              <a:buNone/>
-              <a:defRPr sz="2400"/>
+            <a:lvl1pPr marL="0" indent="0" algn="l">
+              <a:buNone/>
+              <a:defRPr cap="all">
+                <a:solidFill>
+                  <a:schemeClr val="bg2">
+                    <a:lumMod val="40000"/>
+                    <a:lumOff val="60000"/>
+                  </a:schemeClr>
+                </a:solidFill>
+              </a:defRPr>
             </a:lvl1pPr>
             <a:lvl2pPr marL="457200" indent="0" algn="ctr">
               <a:buNone/>
-              <a:defRPr sz="2000"/>
+              <a:defRPr>
+                <a:solidFill>
+                  <a:schemeClr val="tx1">
+                    <a:tint val="75000"/>
+                  </a:schemeClr>
+                </a:solidFill>
+              </a:defRPr>
             </a:lvl2pPr>
             <a:lvl3pPr marL="914400" indent="0" algn="ctr">
               <a:buNone/>
-              <a:defRPr sz="1800"/>
+              <a:defRPr>
+                <a:solidFill>
+                  <a:schemeClr val="tx1">
+                    <a:tint val="75000"/>
+                  </a:schemeClr>
+                </a:solidFill>
+              </a:defRPr>
             </a:lvl3pPr>
             <a:lvl4pPr marL="1371600" indent="0" algn="ctr">
               <a:buNone/>
-              <a:defRPr sz="1600"/>
+              <a:defRPr>
+                <a:solidFill>
+                  <a:schemeClr val="tx1">
+                    <a:tint val="75000"/>
+                  </a:schemeClr>
+                </a:solidFill>
+              </a:defRPr>
             </a:lvl4pPr>
             <a:lvl5pPr marL="1828800" indent="0" algn="ctr">
               <a:buNone/>
-              <a:defRPr sz="1600"/>
+              <a:defRPr>
+                <a:solidFill>
+                  <a:schemeClr val="tx1">
+                    <a:tint val="75000"/>
+                  </a:schemeClr>
+                </a:solidFill>
+              </a:defRPr>
             </a:lvl5pPr>
             <a:lvl6pPr marL="2286000" indent="0" algn="ctr">
               <a:buNone/>
-              <a:defRPr sz="1600"/>
+              <a:defRPr>
+                <a:solidFill>
+                  <a:schemeClr val="tx1">
+                    <a:tint val="75000"/>
+                  </a:schemeClr>
+                </a:solidFill>
+              </a:defRPr>
             </a:lvl6pPr>
             <a:lvl7pPr marL="2743200" indent="0" algn="ctr">
               <a:buNone/>
-              <a:defRPr sz="1600"/>
+              <a:defRPr>
+                <a:solidFill>
+                  <a:schemeClr val="tx1">
+                    <a:tint val="75000"/>
+                  </a:schemeClr>
+                </a:solidFill>
+              </a:defRPr>
             </a:lvl7pPr>
             <a:lvl8pPr marL="3200400" indent="0" algn="ctr">
               <a:buNone/>
-              <a:defRPr sz="1600"/>
+              <a:defRPr>
+                <a:solidFill>
+                  <a:schemeClr val="tx1">
+                    <a:tint val="75000"/>
+                  </a:schemeClr>
+                </a:solidFill>
+              </a:defRPr>
             </a:lvl8pPr>
             <a:lvl9pPr marL="3657600" indent="0" algn="ctr">
               <a:buNone/>
-              <a:defRPr sz="1600"/>
+              <a:defRPr>
+                <a:solidFill>
+                  <a:schemeClr val="tx1">
+                    <a:tint val="75000"/>
+                  </a:schemeClr>
+                </a:solidFill>
+              </a:defRPr>
             </a:lvl9pPr>
           </a:lstStyle>
           <a:p>
@@ -228,18 +278,13 @@
               <a:rPr lang="hu-HU"/>
               <a:t>Kattintson ide az alcím mintájának szerkesztéséhez</a:t>
             </a:r>
-          </a:p>
-        </p:txBody>
-      </p:sp>
-      <p:sp>
-        <p:nvSpPr>
-          <p:cNvPr id="4" name="Dátum helye 3">
-            <a:extLst>
-              <a:ext uri="{FF2B5EF4-FFF2-40B4-BE49-F238E27FC236}">
-                <a16:creationId xmlns:a16="http://schemas.microsoft.com/office/drawing/2014/main" id="{A46EC1A9-BED8-4445-B255-1B8B0AE85F43}"/>
-              </a:ext>
-            </a:extLst>
-          </p:cNvPr>
+            <a:endParaRPr lang="en-US" dirty="0"/>
+          </a:p>
+        </p:txBody>
+      </p:sp>
+      <p:sp>
+        <p:nvSpPr>
+          <p:cNvPr id="4" name="Date Placeholder 3"/>
           <p:cNvSpPr>
             <a:spLocks noGrp="1"/>
           </p:cNvSpPr>
@@ -262,13 +307,7 @@
       </p:sp>
       <p:sp>
         <p:nvSpPr>
-          <p:cNvPr id="5" name="Élőláb helye 4">
-            <a:extLst>
-              <a:ext uri="{FF2B5EF4-FFF2-40B4-BE49-F238E27FC236}">
-                <a16:creationId xmlns:a16="http://schemas.microsoft.com/office/drawing/2014/main" id="{11BD16C0-5B0C-471B-A168-1B2C5E4A51D6}"/>
-              </a:ext>
-            </a:extLst>
-          </p:cNvPr>
+          <p:cNvPr id="5" name="Footer Placeholder 4"/>
           <p:cNvSpPr>
             <a:spLocks noGrp="1"/>
           </p:cNvSpPr>
@@ -287,13 +326,7 @@
       </p:sp>
       <p:sp>
         <p:nvSpPr>
-          <p:cNvPr id="6" name="Dia számának helye 5">
-            <a:extLst>
-              <a:ext uri="{FF2B5EF4-FFF2-40B4-BE49-F238E27FC236}">
-                <a16:creationId xmlns:a16="http://schemas.microsoft.com/office/drawing/2014/main" id="{6E7EC88A-2323-45D1-9CC2-3CC09882BA80}"/>
-              </a:ext>
-            </a:extLst>
-          </p:cNvPr>
+          <p:cNvPr id="6" name="Slide Number Placeholder 5"/>
           <p:cNvSpPr>
             <a:spLocks noGrp="1"/>
           </p:cNvSpPr>
@@ -317,7 +350,7 @@
     </p:spTree>
     <p:extLst>
       <p:ext uri="{BB962C8B-B14F-4D97-AF65-F5344CB8AC3E}">
-        <p14:creationId xmlns:p14="http://schemas.microsoft.com/office/powerpoint/2010/main" val="2801640127"/>
+        <p14:creationId xmlns:p14="http://schemas.microsoft.com/office/powerpoint/2010/main" val="659043400"/>
       </p:ext>
     </p:extLst>
   </p:cSld>
@@ -328,6 +361,2572 @@
 </file>
 
 <file path=ppt/slideLayouts/slideLayout10.xml><?xml version="1.0" encoding="utf-8"?>
+<p:sldLayout xmlns:a="http://schemas.openxmlformats.org/drawingml/2006/main" xmlns:r="http://schemas.openxmlformats.org/officeDocument/2006/relationships" xmlns:p="http://schemas.openxmlformats.org/presentationml/2006/main" preserve="1">
+  <p:cSld name="Panorámakép képaláírással">
+    <p:spTree>
+      <p:nvGrpSpPr>
+        <p:cNvPr id="1" name=""/>
+        <p:cNvGrpSpPr/>
+        <p:nvPr/>
+      </p:nvGrpSpPr>
+      <p:grpSpPr>
+        <a:xfrm>
+          <a:off x="0" y="0"/>
+          <a:ext cx="0" cy="0"/>
+          <a:chOff x="0" y="0"/>
+          <a:chExt cx="0" cy="0"/>
+        </a:xfrm>
+      </p:grpSpPr>
+      <p:sp>
+        <p:nvSpPr>
+          <p:cNvPr id="2" name="Title 1"/>
+          <p:cNvSpPr>
+            <a:spLocks noGrp="1"/>
+          </p:cNvSpPr>
+          <p:nvPr>
+            <p:ph type="title"/>
+          </p:nvPr>
+        </p:nvSpPr>
+        <p:spPr>
+          <a:xfrm>
+            <a:off x="1154956" y="4800587"/>
+            <a:ext cx="8825657" cy="566738"/>
+          </a:xfrm>
+        </p:spPr>
+        <p:txBody>
+          <a:bodyPr anchor="b">
+            <a:normAutofit/>
+          </a:bodyPr>
+          <a:lstStyle>
+            <a:lvl1pPr algn="l">
+              <a:defRPr sz="2400" b="0"/>
+            </a:lvl1pPr>
+          </a:lstStyle>
+          <a:p>
+            <a:r>
+              <a:rPr lang="hu-HU"/>
+              <a:t>Mintacím szerkesztése</a:t>
+            </a:r>
+            <a:endParaRPr lang="en-US" dirty="0"/>
+          </a:p>
+        </p:txBody>
+      </p:sp>
+      <p:sp>
+        <p:nvSpPr>
+          <p:cNvPr id="3" name="Picture Placeholder 2"/>
+          <p:cNvSpPr>
+            <a:spLocks noGrp="1" noChangeAspect="1"/>
+          </p:cNvSpPr>
+          <p:nvPr>
+            <p:ph type="pic" idx="1"/>
+          </p:nvPr>
+        </p:nvSpPr>
+        <p:spPr>
+          <a:xfrm>
+            <a:off x="1154955" y="685800"/>
+            <a:ext cx="8825658" cy="3640666"/>
+          </a:xfrm>
+          <a:prstGeom prst="roundRect">
+            <a:avLst>
+              <a:gd name="adj" fmla="val 1858"/>
+            </a:avLst>
+          </a:prstGeom>
+          <a:effectLst>
+            <a:outerShdw blurRad="50800" dist="50800" dir="5400000" algn="tl" rotWithShape="0">
+              <a:srgbClr val="000000">
+                <a:alpha val="43000"/>
+              </a:srgbClr>
+            </a:outerShdw>
+          </a:effectLst>
+        </p:spPr>
+        <p:txBody>
+          <a:bodyPr anchor="t">
+            <a:normAutofit/>
+          </a:bodyPr>
+          <a:lstStyle>
+            <a:lvl1pPr marL="0" indent="0" algn="ctr">
+              <a:buNone/>
+              <a:defRPr sz="1600"/>
+            </a:lvl1pPr>
+            <a:lvl2pPr marL="457200" indent="0">
+              <a:buNone/>
+              <a:defRPr sz="1600"/>
+            </a:lvl2pPr>
+            <a:lvl3pPr marL="914400" indent="0">
+              <a:buNone/>
+              <a:defRPr sz="1600"/>
+            </a:lvl3pPr>
+            <a:lvl4pPr marL="1371600" indent="0">
+              <a:buNone/>
+              <a:defRPr sz="1600"/>
+            </a:lvl4pPr>
+            <a:lvl5pPr marL="1828800" indent="0">
+              <a:buNone/>
+              <a:defRPr sz="1600"/>
+            </a:lvl5pPr>
+            <a:lvl6pPr marL="2286000" indent="0">
+              <a:buNone/>
+              <a:defRPr sz="1600"/>
+            </a:lvl6pPr>
+            <a:lvl7pPr marL="2743200" indent="0">
+              <a:buNone/>
+              <a:defRPr sz="1600"/>
+            </a:lvl7pPr>
+            <a:lvl8pPr marL="3200400" indent="0">
+              <a:buNone/>
+              <a:defRPr sz="1600"/>
+            </a:lvl8pPr>
+            <a:lvl9pPr marL="3657600" indent="0">
+              <a:buNone/>
+              <a:defRPr sz="1600"/>
+            </a:lvl9pPr>
+          </a:lstStyle>
+          <a:p>
+            <a:r>
+              <a:rPr lang="hu-HU"/>
+              <a:t>Kép beszúrásához kattintson az ikonra</a:t>
+            </a:r>
+            <a:endParaRPr lang="en-US" dirty="0"/>
+          </a:p>
+        </p:txBody>
+      </p:sp>
+      <p:sp>
+        <p:nvSpPr>
+          <p:cNvPr id="4" name="Text Placeholder 3"/>
+          <p:cNvSpPr>
+            <a:spLocks noGrp="1"/>
+          </p:cNvSpPr>
+          <p:nvPr>
+            <p:ph type="body" sz="half" idx="2"/>
+          </p:nvPr>
+        </p:nvSpPr>
+        <p:spPr>
+          <a:xfrm>
+            <a:off x="1154956" y="5367325"/>
+            <a:ext cx="8825656" cy="493712"/>
+          </a:xfrm>
+        </p:spPr>
+        <p:txBody>
+          <a:bodyPr>
+            <a:normAutofit/>
+          </a:bodyPr>
+          <a:lstStyle>
+            <a:lvl1pPr marL="0" indent="0">
+              <a:buNone/>
+              <a:defRPr sz="1200"/>
+            </a:lvl1pPr>
+            <a:lvl2pPr marL="457200" indent="0">
+              <a:buNone/>
+              <a:defRPr sz="1200"/>
+            </a:lvl2pPr>
+            <a:lvl3pPr marL="914400" indent="0">
+              <a:buNone/>
+              <a:defRPr sz="1000"/>
+            </a:lvl3pPr>
+            <a:lvl4pPr marL="1371600" indent="0">
+              <a:buNone/>
+              <a:defRPr sz="900"/>
+            </a:lvl4pPr>
+            <a:lvl5pPr marL="1828800" indent="0">
+              <a:buNone/>
+              <a:defRPr sz="900"/>
+            </a:lvl5pPr>
+            <a:lvl6pPr marL="2286000" indent="0">
+              <a:buNone/>
+              <a:defRPr sz="900"/>
+            </a:lvl6pPr>
+            <a:lvl7pPr marL="2743200" indent="0">
+              <a:buNone/>
+              <a:defRPr sz="900"/>
+            </a:lvl7pPr>
+            <a:lvl8pPr marL="3200400" indent="0">
+              <a:buNone/>
+              <a:defRPr sz="900"/>
+            </a:lvl8pPr>
+            <a:lvl9pPr marL="3657600" indent="0">
+              <a:buNone/>
+              <a:defRPr sz="900"/>
+            </a:lvl9pPr>
+          </a:lstStyle>
+          <a:p>
+            <a:pPr lvl="0"/>
+            <a:r>
+              <a:rPr lang="hu-HU"/>
+              <a:t>Mintaszöveg szerkesztése</a:t>
+            </a:r>
+          </a:p>
+        </p:txBody>
+      </p:sp>
+      <p:sp>
+        <p:nvSpPr>
+          <p:cNvPr id="5" name="Date Placeholder 4"/>
+          <p:cNvSpPr>
+            <a:spLocks noGrp="1"/>
+          </p:cNvSpPr>
+          <p:nvPr>
+            <p:ph type="dt" sz="half" idx="10"/>
+          </p:nvPr>
+        </p:nvSpPr>
+        <p:spPr/>
+        <p:txBody>
+          <a:bodyPr/>
+          <a:lstStyle/>
+          <a:p>
+            <a:fld id="{7E4EC488-1808-4DE7-A821-45CFABF6AECC}" type="datetimeFigureOut">
+              <a:rPr lang="hu-HU" smtClean="0"/>
+              <a:t>2025. 10. 15.</a:t>
+            </a:fld>
+            <a:endParaRPr lang="hu-HU"/>
+          </a:p>
+        </p:txBody>
+      </p:sp>
+      <p:sp>
+        <p:nvSpPr>
+          <p:cNvPr id="6" name="Footer Placeholder 5"/>
+          <p:cNvSpPr>
+            <a:spLocks noGrp="1"/>
+          </p:cNvSpPr>
+          <p:nvPr>
+            <p:ph type="ftr" sz="quarter" idx="11"/>
+          </p:nvPr>
+        </p:nvSpPr>
+        <p:spPr/>
+        <p:txBody>
+          <a:bodyPr/>
+          <a:lstStyle/>
+          <a:p>
+            <a:endParaRPr lang="hu-HU"/>
+          </a:p>
+        </p:txBody>
+      </p:sp>
+      <p:sp>
+        <p:nvSpPr>
+          <p:cNvPr id="7" name="Slide Number Placeholder 6"/>
+          <p:cNvSpPr>
+            <a:spLocks noGrp="1"/>
+          </p:cNvSpPr>
+          <p:nvPr>
+            <p:ph type="sldNum" sz="quarter" idx="12"/>
+          </p:nvPr>
+        </p:nvSpPr>
+        <p:spPr/>
+        <p:txBody>
+          <a:bodyPr/>
+          <a:lstStyle/>
+          <a:p>
+            <a:fld id="{09F527F9-0182-4326-9915-746EBA3B7595}" type="slidenum">
+              <a:rPr lang="hu-HU" smtClean="0"/>
+              <a:t>‹#›</a:t>
+            </a:fld>
+            <a:endParaRPr lang="hu-HU"/>
+          </a:p>
+        </p:txBody>
+      </p:sp>
+    </p:spTree>
+    <p:extLst>
+      <p:ext uri="{BB962C8B-B14F-4D97-AF65-F5344CB8AC3E}">
+        <p14:creationId xmlns:p14="http://schemas.microsoft.com/office/powerpoint/2010/main" val="3103297"/>
+      </p:ext>
+    </p:extLst>
+  </p:cSld>
+  <p:clrMapOvr>
+    <a:masterClrMapping/>
+  </p:clrMapOvr>
+</p:sldLayout>
+</file>
+
+<file path=ppt/slideLayouts/slideLayout11.xml><?xml version="1.0" encoding="utf-8"?>
+<p:sldLayout xmlns:a="http://schemas.openxmlformats.org/drawingml/2006/main" xmlns:r="http://schemas.openxmlformats.org/officeDocument/2006/relationships" xmlns:p="http://schemas.openxmlformats.org/presentationml/2006/main" preserve="1">
+  <p:cSld name="Cím és képaláírás">
+    <p:spTree>
+      <p:nvGrpSpPr>
+        <p:cNvPr id="1" name=""/>
+        <p:cNvGrpSpPr/>
+        <p:nvPr/>
+      </p:nvGrpSpPr>
+      <p:grpSpPr>
+        <a:xfrm>
+          <a:off x="0" y="0"/>
+          <a:ext cx="0" cy="0"/>
+          <a:chOff x="0" y="0"/>
+          <a:chExt cx="0" cy="0"/>
+        </a:xfrm>
+      </p:grpSpPr>
+      <p:sp>
+        <p:nvSpPr>
+          <p:cNvPr id="2" name="Title 1"/>
+          <p:cNvSpPr>
+            <a:spLocks noGrp="1"/>
+          </p:cNvSpPr>
+          <p:nvPr>
+            <p:ph type="title"/>
+          </p:nvPr>
+        </p:nvSpPr>
+        <p:spPr>
+          <a:xfrm>
+            <a:off x="1154954" y="1447800"/>
+            <a:ext cx="8825659" cy="1981200"/>
+          </a:xfrm>
+        </p:spPr>
+        <p:txBody>
+          <a:bodyPr/>
+          <a:lstStyle>
+            <a:lvl1pPr>
+              <a:defRPr sz="4800"/>
+            </a:lvl1pPr>
+          </a:lstStyle>
+          <a:p>
+            <a:r>
+              <a:rPr lang="hu-HU"/>
+              <a:t>Mintacím szerkesztése</a:t>
+            </a:r>
+            <a:endParaRPr lang="en-US" dirty="0"/>
+          </a:p>
+        </p:txBody>
+      </p:sp>
+      <p:sp>
+        <p:nvSpPr>
+          <p:cNvPr id="8" name="Text Placeholder 3"/>
+          <p:cNvSpPr>
+            <a:spLocks noGrp="1"/>
+          </p:cNvSpPr>
+          <p:nvPr>
+            <p:ph type="body" sz="half" idx="2"/>
+          </p:nvPr>
+        </p:nvSpPr>
+        <p:spPr>
+          <a:xfrm>
+            <a:off x="1154954" y="3657600"/>
+            <a:ext cx="8825659" cy="2362200"/>
+          </a:xfrm>
+        </p:spPr>
+        <p:txBody>
+          <a:bodyPr anchor="ctr">
+            <a:normAutofit/>
+          </a:bodyPr>
+          <a:lstStyle>
+            <a:lvl1pPr marL="0" indent="0">
+              <a:buNone/>
+              <a:defRPr sz="1800"/>
+            </a:lvl1pPr>
+            <a:lvl2pPr marL="457200" indent="0">
+              <a:buNone/>
+              <a:defRPr sz="1200"/>
+            </a:lvl2pPr>
+            <a:lvl3pPr marL="914400" indent="0">
+              <a:buNone/>
+              <a:defRPr sz="1000"/>
+            </a:lvl3pPr>
+            <a:lvl4pPr marL="1371600" indent="0">
+              <a:buNone/>
+              <a:defRPr sz="900"/>
+            </a:lvl4pPr>
+            <a:lvl5pPr marL="1828800" indent="0">
+              <a:buNone/>
+              <a:defRPr sz="900"/>
+            </a:lvl5pPr>
+            <a:lvl6pPr marL="2286000" indent="0">
+              <a:buNone/>
+              <a:defRPr sz="900"/>
+            </a:lvl6pPr>
+            <a:lvl7pPr marL="2743200" indent="0">
+              <a:buNone/>
+              <a:defRPr sz="900"/>
+            </a:lvl7pPr>
+            <a:lvl8pPr marL="3200400" indent="0">
+              <a:buNone/>
+              <a:defRPr sz="900"/>
+            </a:lvl8pPr>
+            <a:lvl9pPr marL="3657600" indent="0">
+              <a:buNone/>
+              <a:defRPr sz="900"/>
+            </a:lvl9pPr>
+          </a:lstStyle>
+          <a:p>
+            <a:pPr lvl="0"/>
+            <a:r>
+              <a:rPr lang="hu-HU"/>
+              <a:t>Mintaszöveg szerkesztése</a:t>
+            </a:r>
+          </a:p>
+        </p:txBody>
+      </p:sp>
+      <p:sp>
+        <p:nvSpPr>
+          <p:cNvPr id="4" name="Date Placeholder 3"/>
+          <p:cNvSpPr>
+            <a:spLocks noGrp="1"/>
+          </p:cNvSpPr>
+          <p:nvPr>
+            <p:ph type="dt" sz="half" idx="10"/>
+          </p:nvPr>
+        </p:nvSpPr>
+        <p:spPr/>
+        <p:txBody>
+          <a:bodyPr/>
+          <a:lstStyle/>
+          <a:p>
+            <a:fld id="{7E4EC488-1808-4DE7-A821-45CFABF6AECC}" type="datetimeFigureOut">
+              <a:rPr lang="hu-HU" smtClean="0"/>
+              <a:t>2025. 10. 15.</a:t>
+            </a:fld>
+            <a:endParaRPr lang="hu-HU"/>
+          </a:p>
+        </p:txBody>
+      </p:sp>
+      <p:sp>
+        <p:nvSpPr>
+          <p:cNvPr id="5" name="Footer Placeholder 4"/>
+          <p:cNvSpPr>
+            <a:spLocks noGrp="1"/>
+          </p:cNvSpPr>
+          <p:nvPr>
+            <p:ph type="ftr" sz="quarter" idx="11"/>
+          </p:nvPr>
+        </p:nvSpPr>
+        <p:spPr/>
+        <p:txBody>
+          <a:bodyPr/>
+          <a:lstStyle/>
+          <a:p>
+            <a:endParaRPr lang="hu-HU"/>
+          </a:p>
+        </p:txBody>
+      </p:sp>
+      <p:sp>
+        <p:nvSpPr>
+          <p:cNvPr id="6" name="Slide Number Placeholder 5"/>
+          <p:cNvSpPr>
+            <a:spLocks noGrp="1"/>
+          </p:cNvSpPr>
+          <p:nvPr>
+            <p:ph type="sldNum" sz="quarter" idx="12"/>
+          </p:nvPr>
+        </p:nvSpPr>
+        <p:spPr/>
+        <p:txBody>
+          <a:bodyPr/>
+          <a:lstStyle/>
+          <a:p>
+            <a:fld id="{09F527F9-0182-4326-9915-746EBA3B7595}" type="slidenum">
+              <a:rPr lang="hu-HU" smtClean="0"/>
+              <a:t>‹#›</a:t>
+            </a:fld>
+            <a:endParaRPr lang="hu-HU"/>
+          </a:p>
+        </p:txBody>
+      </p:sp>
+    </p:spTree>
+    <p:extLst>
+      <p:ext uri="{BB962C8B-B14F-4D97-AF65-F5344CB8AC3E}">
+        <p14:creationId xmlns:p14="http://schemas.microsoft.com/office/powerpoint/2010/main" val="3883474577"/>
+      </p:ext>
+    </p:extLst>
+  </p:cSld>
+  <p:clrMapOvr>
+    <a:masterClrMapping/>
+  </p:clrMapOvr>
+</p:sldLayout>
+</file>
+
+<file path=ppt/slideLayouts/slideLayout12.xml><?xml version="1.0" encoding="utf-8"?>
+<p:sldLayout xmlns:a="http://schemas.openxmlformats.org/drawingml/2006/main" xmlns:r="http://schemas.openxmlformats.org/officeDocument/2006/relationships" xmlns:p="http://schemas.openxmlformats.org/presentationml/2006/main" preserve="1">
+  <p:cSld name="Idézet képaláírással">
+    <p:spTree>
+      <p:nvGrpSpPr>
+        <p:cNvPr id="1" name=""/>
+        <p:cNvGrpSpPr/>
+        <p:nvPr/>
+      </p:nvGrpSpPr>
+      <p:grpSpPr>
+        <a:xfrm>
+          <a:off x="0" y="0"/>
+          <a:ext cx="0" cy="0"/>
+          <a:chOff x="0" y="0"/>
+          <a:chExt cx="0" cy="0"/>
+        </a:xfrm>
+      </p:grpSpPr>
+      <p:sp>
+        <p:nvSpPr>
+          <p:cNvPr id="2" name="Title 1"/>
+          <p:cNvSpPr>
+            <a:spLocks noGrp="1"/>
+          </p:cNvSpPr>
+          <p:nvPr>
+            <p:ph type="title"/>
+          </p:nvPr>
+        </p:nvSpPr>
+        <p:spPr>
+          <a:xfrm>
+            <a:off x="1574801" y="1447800"/>
+            <a:ext cx="7999315" cy="2323374"/>
+          </a:xfrm>
+        </p:spPr>
+        <p:txBody>
+          <a:bodyPr/>
+          <a:lstStyle>
+            <a:lvl1pPr>
+              <a:defRPr sz="4800"/>
+            </a:lvl1pPr>
+          </a:lstStyle>
+          <a:p>
+            <a:r>
+              <a:rPr lang="hu-HU"/>
+              <a:t>Mintacím szerkesztése</a:t>
+            </a:r>
+            <a:endParaRPr lang="en-US" dirty="0"/>
+          </a:p>
+        </p:txBody>
+      </p:sp>
+      <p:sp>
+        <p:nvSpPr>
+          <p:cNvPr id="11" name="Text Placeholder 3"/>
+          <p:cNvSpPr>
+            <a:spLocks noGrp="1"/>
+          </p:cNvSpPr>
+          <p:nvPr>
+            <p:ph type="body" sz="half" idx="14"/>
+          </p:nvPr>
+        </p:nvSpPr>
+        <p:spPr>
+          <a:xfrm>
+            <a:off x="1930400" y="3771174"/>
+            <a:ext cx="7279649" cy="342174"/>
+          </a:xfrm>
+        </p:spPr>
+        <p:txBody>
+          <a:bodyPr vert="horz" lIns="91440" tIns="45720" rIns="91440" bIns="45720" rtlCol="0" anchor="t">
+            <a:normAutofit/>
+          </a:bodyPr>
+          <a:lstStyle>
+            <a:lvl1pPr marL="0" indent="0">
+              <a:buNone/>
+              <a:defRPr lang="en-US" sz="1400" b="0" i="0" kern="1200" cap="small" dirty="0">
+                <a:solidFill>
+                  <a:schemeClr val="bg2">
+                    <a:lumMod val="40000"/>
+                    <a:lumOff val="60000"/>
+                  </a:schemeClr>
+                </a:solidFill>
+                <a:latin typeface="+mj-lt"/>
+                <a:ea typeface="+mj-ea"/>
+                <a:cs typeface="+mj-cs"/>
+              </a:defRPr>
+            </a:lvl1pPr>
+            <a:lvl2pPr marL="457200" indent="0">
+              <a:buNone/>
+              <a:defRPr sz="1200"/>
+            </a:lvl2pPr>
+            <a:lvl3pPr marL="914400" indent="0">
+              <a:buNone/>
+              <a:defRPr sz="1000"/>
+            </a:lvl3pPr>
+            <a:lvl4pPr marL="1371600" indent="0">
+              <a:buNone/>
+              <a:defRPr sz="900"/>
+            </a:lvl4pPr>
+            <a:lvl5pPr marL="1828800" indent="0">
+              <a:buNone/>
+              <a:defRPr sz="900"/>
+            </a:lvl5pPr>
+            <a:lvl6pPr marL="2286000" indent="0">
+              <a:buNone/>
+              <a:defRPr sz="900"/>
+            </a:lvl6pPr>
+            <a:lvl7pPr marL="2743200" indent="0">
+              <a:buNone/>
+              <a:defRPr sz="900"/>
+            </a:lvl7pPr>
+            <a:lvl8pPr marL="3200400" indent="0">
+              <a:buNone/>
+              <a:defRPr sz="900"/>
+            </a:lvl8pPr>
+            <a:lvl9pPr marL="3657600" indent="0">
+              <a:buNone/>
+              <a:defRPr sz="900"/>
+            </a:lvl9pPr>
+          </a:lstStyle>
+          <a:p>
+            <a:pPr marL="0" lvl="0" indent="0">
+              <a:buNone/>
+            </a:pPr>
+            <a:r>
+              <a:rPr lang="hu-HU"/>
+              <a:t>Mintaszöveg szerkesztése</a:t>
+            </a:r>
+          </a:p>
+        </p:txBody>
+      </p:sp>
+      <p:sp>
+        <p:nvSpPr>
+          <p:cNvPr id="10" name="Text Placeholder 3"/>
+          <p:cNvSpPr>
+            <a:spLocks noGrp="1"/>
+          </p:cNvSpPr>
+          <p:nvPr>
+            <p:ph type="body" sz="half" idx="2"/>
+          </p:nvPr>
+        </p:nvSpPr>
+        <p:spPr>
+          <a:xfrm>
+            <a:off x="1154954" y="4350657"/>
+            <a:ext cx="8825659" cy="1676400"/>
+          </a:xfrm>
+        </p:spPr>
+        <p:txBody>
+          <a:bodyPr anchor="ctr">
+            <a:normAutofit/>
+          </a:bodyPr>
+          <a:lstStyle>
+            <a:lvl1pPr marL="0" indent="0">
+              <a:buNone/>
+              <a:defRPr sz="1800"/>
+            </a:lvl1pPr>
+            <a:lvl2pPr marL="457200" indent="0">
+              <a:buNone/>
+              <a:defRPr sz="1200"/>
+            </a:lvl2pPr>
+            <a:lvl3pPr marL="914400" indent="0">
+              <a:buNone/>
+              <a:defRPr sz="1000"/>
+            </a:lvl3pPr>
+            <a:lvl4pPr marL="1371600" indent="0">
+              <a:buNone/>
+              <a:defRPr sz="900"/>
+            </a:lvl4pPr>
+            <a:lvl5pPr marL="1828800" indent="0">
+              <a:buNone/>
+              <a:defRPr sz="900"/>
+            </a:lvl5pPr>
+            <a:lvl6pPr marL="2286000" indent="0">
+              <a:buNone/>
+              <a:defRPr sz="900"/>
+            </a:lvl6pPr>
+            <a:lvl7pPr marL="2743200" indent="0">
+              <a:buNone/>
+              <a:defRPr sz="900"/>
+            </a:lvl7pPr>
+            <a:lvl8pPr marL="3200400" indent="0">
+              <a:buNone/>
+              <a:defRPr sz="900"/>
+            </a:lvl8pPr>
+            <a:lvl9pPr marL="3657600" indent="0">
+              <a:buNone/>
+              <a:defRPr sz="900"/>
+            </a:lvl9pPr>
+          </a:lstStyle>
+          <a:p>
+            <a:pPr lvl="0"/>
+            <a:r>
+              <a:rPr lang="hu-HU"/>
+              <a:t>Mintaszöveg szerkesztése</a:t>
+            </a:r>
+          </a:p>
+        </p:txBody>
+      </p:sp>
+      <p:sp>
+        <p:nvSpPr>
+          <p:cNvPr id="4" name="Date Placeholder 3"/>
+          <p:cNvSpPr>
+            <a:spLocks noGrp="1"/>
+          </p:cNvSpPr>
+          <p:nvPr>
+            <p:ph type="dt" sz="half" idx="10"/>
+          </p:nvPr>
+        </p:nvSpPr>
+        <p:spPr/>
+        <p:txBody>
+          <a:bodyPr/>
+          <a:lstStyle/>
+          <a:p>
+            <a:fld id="{7E4EC488-1808-4DE7-A821-45CFABF6AECC}" type="datetimeFigureOut">
+              <a:rPr lang="hu-HU" smtClean="0"/>
+              <a:t>2025. 10. 15.</a:t>
+            </a:fld>
+            <a:endParaRPr lang="hu-HU"/>
+          </a:p>
+        </p:txBody>
+      </p:sp>
+      <p:sp>
+        <p:nvSpPr>
+          <p:cNvPr id="5" name="Footer Placeholder 4"/>
+          <p:cNvSpPr>
+            <a:spLocks noGrp="1"/>
+          </p:cNvSpPr>
+          <p:nvPr>
+            <p:ph type="ftr" sz="quarter" idx="11"/>
+          </p:nvPr>
+        </p:nvSpPr>
+        <p:spPr/>
+        <p:txBody>
+          <a:bodyPr/>
+          <a:lstStyle/>
+          <a:p>
+            <a:endParaRPr lang="hu-HU"/>
+          </a:p>
+        </p:txBody>
+      </p:sp>
+      <p:sp>
+        <p:nvSpPr>
+          <p:cNvPr id="6" name="Slide Number Placeholder 5"/>
+          <p:cNvSpPr>
+            <a:spLocks noGrp="1"/>
+          </p:cNvSpPr>
+          <p:nvPr>
+            <p:ph type="sldNum" sz="quarter" idx="12"/>
+          </p:nvPr>
+        </p:nvSpPr>
+        <p:spPr/>
+        <p:txBody>
+          <a:bodyPr/>
+          <a:lstStyle/>
+          <a:p>
+            <a:fld id="{09F527F9-0182-4326-9915-746EBA3B7595}" type="slidenum">
+              <a:rPr lang="hu-HU" smtClean="0"/>
+              <a:t>‹#›</a:t>
+            </a:fld>
+            <a:endParaRPr lang="hu-HU"/>
+          </a:p>
+        </p:txBody>
+      </p:sp>
+      <p:sp>
+        <p:nvSpPr>
+          <p:cNvPr id="12" name="TextBox 11"/>
+          <p:cNvSpPr txBox="1"/>
+          <p:nvPr/>
+        </p:nvSpPr>
+        <p:spPr>
+          <a:xfrm>
+            <a:off x="898295" y="971253"/>
+            <a:ext cx="801912" cy="1969770"/>
+          </a:xfrm>
+          <a:prstGeom prst="rect">
+            <a:avLst/>
+          </a:prstGeom>
+          <a:noFill/>
+        </p:spPr>
+        <p:txBody>
+          <a:bodyPr wrap="square" rtlCol="0">
+            <a:spAutoFit/>
+          </a:bodyPr>
+          <a:lstStyle>
+            <a:defPPr>
+              <a:defRPr lang="en-US"/>
+            </a:defPPr>
+            <a:lvl1pPr algn="r">
+              <a:defRPr sz="12200" b="0" i="0">
+                <a:solidFill>
+                  <a:schemeClr val="bg2">
+                    <a:lumMod val="40000"/>
+                    <a:lumOff val="60000"/>
+                  </a:schemeClr>
+                </a:solidFill>
+                <a:latin typeface="Arial"/>
+                <a:ea typeface="+mj-ea"/>
+                <a:cs typeface="+mj-cs"/>
+              </a:defRPr>
+            </a:lvl1pPr>
+          </a:lstStyle>
+          <a:p>
+            <a:pPr lvl="0"/>
+            <a:r>
+              <a:rPr lang="en-US" dirty="0"/>
+              <a:t>“</a:t>
+            </a:r>
+          </a:p>
+        </p:txBody>
+      </p:sp>
+      <p:sp>
+        <p:nvSpPr>
+          <p:cNvPr id="15" name="TextBox 14"/>
+          <p:cNvSpPr txBox="1"/>
+          <p:nvPr/>
+        </p:nvSpPr>
+        <p:spPr>
+          <a:xfrm>
+            <a:off x="9330490" y="2613787"/>
+            <a:ext cx="801912" cy="1969770"/>
+          </a:xfrm>
+          <a:prstGeom prst="rect">
+            <a:avLst/>
+          </a:prstGeom>
+          <a:noFill/>
+        </p:spPr>
+        <p:txBody>
+          <a:bodyPr wrap="square" rtlCol="0">
+            <a:spAutoFit/>
+          </a:bodyPr>
+          <a:lstStyle>
+            <a:defPPr>
+              <a:defRPr lang="en-US"/>
+            </a:defPPr>
+            <a:lvl1pPr algn="r">
+              <a:defRPr sz="12200" b="0" i="0">
+                <a:solidFill>
+                  <a:schemeClr val="bg2">
+                    <a:lumMod val="40000"/>
+                    <a:lumOff val="60000"/>
+                  </a:schemeClr>
+                </a:solidFill>
+                <a:latin typeface="Arial"/>
+                <a:ea typeface="+mj-ea"/>
+                <a:cs typeface="+mj-cs"/>
+              </a:defRPr>
+            </a:lvl1pPr>
+          </a:lstStyle>
+          <a:p>
+            <a:pPr lvl="0"/>
+            <a:r>
+              <a:rPr lang="en-US" dirty="0"/>
+              <a:t>”</a:t>
+            </a:r>
+          </a:p>
+        </p:txBody>
+      </p:sp>
+    </p:spTree>
+    <p:extLst>
+      <p:ext uri="{BB962C8B-B14F-4D97-AF65-F5344CB8AC3E}">
+        <p14:creationId xmlns:p14="http://schemas.microsoft.com/office/powerpoint/2010/main" val="3590735724"/>
+      </p:ext>
+    </p:extLst>
+  </p:cSld>
+  <p:clrMapOvr>
+    <a:masterClrMapping/>
+  </p:clrMapOvr>
+</p:sldLayout>
+</file>
+
+<file path=ppt/slideLayouts/slideLayout13.xml><?xml version="1.0" encoding="utf-8"?>
+<p:sldLayout xmlns:a="http://schemas.openxmlformats.org/drawingml/2006/main" xmlns:r="http://schemas.openxmlformats.org/officeDocument/2006/relationships" xmlns:p="http://schemas.openxmlformats.org/presentationml/2006/main" preserve="1">
+  <p:cSld name="Névkártya">
+    <p:spTree>
+      <p:nvGrpSpPr>
+        <p:cNvPr id="1" name=""/>
+        <p:cNvGrpSpPr/>
+        <p:nvPr/>
+      </p:nvGrpSpPr>
+      <p:grpSpPr>
+        <a:xfrm>
+          <a:off x="0" y="0"/>
+          <a:ext cx="0" cy="0"/>
+          <a:chOff x="0" y="0"/>
+          <a:chExt cx="0" cy="0"/>
+        </a:xfrm>
+      </p:grpSpPr>
+      <p:sp>
+        <p:nvSpPr>
+          <p:cNvPr id="2" name="Title 1"/>
+          <p:cNvSpPr>
+            <a:spLocks noGrp="1"/>
+          </p:cNvSpPr>
+          <p:nvPr>
+            <p:ph type="title"/>
+          </p:nvPr>
+        </p:nvSpPr>
+        <p:spPr>
+          <a:xfrm>
+            <a:off x="1154954" y="3124201"/>
+            <a:ext cx="8825660" cy="1653180"/>
+          </a:xfrm>
+        </p:spPr>
+        <p:txBody>
+          <a:bodyPr anchor="b"/>
+          <a:lstStyle>
+            <a:lvl1pPr algn="l">
+              <a:defRPr sz="4000" b="0" cap="none"/>
+            </a:lvl1pPr>
+          </a:lstStyle>
+          <a:p>
+            <a:r>
+              <a:rPr lang="hu-HU"/>
+              <a:t>Mintacím szerkesztése</a:t>
+            </a:r>
+            <a:endParaRPr lang="en-US" dirty="0"/>
+          </a:p>
+        </p:txBody>
+      </p:sp>
+      <p:sp>
+        <p:nvSpPr>
+          <p:cNvPr id="3" name="Text Placeholder 2"/>
+          <p:cNvSpPr>
+            <a:spLocks noGrp="1"/>
+          </p:cNvSpPr>
+          <p:nvPr>
+            <p:ph type="body" idx="1"/>
+          </p:nvPr>
+        </p:nvSpPr>
+        <p:spPr>
+          <a:xfrm>
+            <a:off x="1154954" y="4777381"/>
+            <a:ext cx="8825659" cy="860400"/>
+          </a:xfrm>
+        </p:spPr>
+        <p:txBody>
+          <a:bodyPr anchor="t"/>
+          <a:lstStyle>
+            <a:lvl1pPr marL="0" indent="0" algn="l">
+              <a:buNone/>
+              <a:defRPr sz="2000" cap="none">
+                <a:solidFill>
+                  <a:schemeClr val="bg2">
+                    <a:lumMod val="40000"/>
+                    <a:lumOff val="60000"/>
+                  </a:schemeClr>
+                </a:solidFill>
+              </a:defRPr>
+            </a:lvl1pPr>
+            <a:lvl2pPr marL="457200" indent="0">
+              <a:buNone/>
+              <a:defRPr sz="1800">
+                <a:solidFill>
+                  <a:schemeClr val="tx1">
+                    <a:tint val="75000"/>
+                  </a:schemeClr>
+                </a:solidFill>
+              </a:defRPr>
+            </a:lvl2pPr>
+            <a:lvl3pPr marL="914400" indent="0">
+              <a:buNone/>
+              <a:defRPr sz="1600">
+                <a:solidFill>
+                  <a:schemeClr val="tx1">
+                    <a:tint val="75000"/>
+                  </a:schemeClr>
+                </a:solidFill>
+              </a:defRPr>
+            </a:lvl3pPr>
+            <a:lvl4pPr marL="1371600" indent="0">
+              <a:buNone/>
+              <a:defRPr sz="1400">
+                <a:solidFill>
+                  <a:schemeClr val="tx1">
+                    <a:tint val="75000"/>
+                  </a:schemeClr>
+                </a:solidFill>
+              </a:defRPr>
+            </a:lvl4pPr>
+            <a:lvl5pPr marL="1828800" indent="0">
+              <a:buNone/>
+              <a:defRPr sz="1400">
+                <a:solidFill>
+                  <a:schemeClr val="tx1">
+                    <a:tint val="75000"/>
+                  </a:schemeClr>
+                </a:solidFill>
+              </a:defRPr>
+            </a:lvl5pPr>
+            <a:lvl6pPr marL="2286000" indent="0">
+              <a:buNone/>
+              <a:defRPr sz="1400">
+                <a:solidFill>
+                  <a:schemeClr val="tx1">
+                    <a:tint val="75000"/>
+                  </a:schemeClr>
+                </a:solidFill>
+              </a:defRPr>
+            </a:lvl6pPr>
+            <a:lvl7pPr marL="2743200" indent="0">
+              <a:buNone/>
+              <a:defRPr sz="1400">
+                <a:solidFill>
+                  <a:schemeClr val="tx1">
+                    <a:tint val="75000"/>
+                  </a:schemeClr>
+                </a:solidFill>
+              </a:defRPr>
+            </a:lvl7pPr>
+            <a:lvl8pPr marL="3200400" indent="0">
+              <a:buNone/>
+              <a:defRPr sz="1400">
+                <a:solidFill>
+                  <a:schemeClr val="tx1">
+                    <a:tint val="75000"/>
+                  </a:schemeClr>
+                </a:solidFill>
+              </a:defRPr>
+            </a:lvl8pPr>
+            <a:lvl9pPr marL="3657600" indent="0">
+              <a:buNone/>
+              <a:defRPr sz="1400">
+                <a:solidFill>
+                  <a:schemeClr val="tx1">
+                    <a:tint val="75000"/>
+                  </a:schemeClr>
+                </a:solidFill>
+              </a:defRPr>
+            </a:lvl9pPr>
+          </a:lstStyle>
+          <a:p>
+            <a:pPr lvl="0"/>
+            <a:r>
+              <a:rPr lang="hu-HU"/>
+              <a:t>Mintaszöveg szerkesztése</a:t>
+            </a:r>
+          </a:p>
+        </p:txBody>
+      </p:sp>
+      <p:sp>
+        <p:nvSpPr>
+          <p:cNvPr id="4" name="Date Placeholder 3"/>
+          <p:cNvSpPr>
+            <a:spLocks noGrp="1"/>
+          </p:cNvSpPr>
+          <p:nvPr>
+            <p:ph type="dt" sz="half" idx="10"/>
+          </p:nvPr>
+        </p:nvSpPr>
+        <p:spPr/>
+        <p:txBody>
+          <a:bodyPr/>
+          <a:lstStyle/>
+          <a:p>
+            <a:fld id="{7E4EC488-1808-4DE7-A821-45CFABF6AECC}" type="datetimeFigureOut">
+              <a:rPr lang="hu-HU" smtClean="0"/>
+              <a:t>2025. 10. 15.</a:t>
+            </a:fld>
+            <a:endParaRPr lang="hu-HU"/>
+          </a:p>
+        </p:txBody>
+      </p:sp>
+      <p:sp>
+        <p:nvSpPr>
+          <p:cNvPr id="5" name="Footer Placeholder 4"/>
+          <p:cNvSpPr>
+            <a:spLocks noGrp="1"/>
+          </p:cNvSpPr>
+          <p:nvPr>
+            <p:ph type="ftr" sz="quarter" idx="11"/>
+          </p:nvPr>
+        </p:nvSpPr>
+        <p:spPr/>
+        <p:txBody>
+          <a:bodyPr/>
+          <a:lstStyle/>
+          <a:p>
+            <a:endParaRPr lang="hu-HU"/>
+          </a:p>
+        </p:txBody>
+      </p:sp>
+      <p:sp>
+        <p:nvSpPr>
+          <p:cNvPr id="6" name="Slide Number Placeholder 5"/>
+          <p:cNvSpPr>
+            <a:spLocks noGrp="1"/>
+          </p:cNvSpPr>
+          <p:nvPr>
+            <p:ph type="sldNum" sz="quarter" idx="12"/>
+          </p:nvPr>
+        </p:nvSpPr>
+        <p:spPr/>
+        <p:txBody>
+          <a:bodyPr/>
+          <a:lstStyle/>
+          <a:p>
+            <a:fld id="{09F527F9-0182-4326-9915-746EBA3B7595}" type="slidenum">
+              <a:rPr lang="hu-HU" smtClean="0"/>
+              <a:t>‹#›</a:t>
+            </a:fld>
+            <a:endParaRPr lang="hu-HU"/>
+          </a:p>
+        </p:txBody>
+      </p:sp>
+    </p:spTree>
+    <p:extLst>
+      <p:ext uri="{BB962C8B-B14F-4D97-AF65-F5344CB8AC3E}">
+        <p14:creationId xmlns:p14="http://schemas.microsoft.com/office/powerpoint/2010/main" val="3793021841"/>
+      </p:ext>
+    </p:extLst>
+  </p:cSld>
+  <p:clrMapOvr>
+    <a:masterClrMapping/>
+  </p:clrMapOvr>
+</p:sldLayout>
+</file>
+
+<file path=ppt/slideLayouts/slideLayout14.xml><?xml version="1.0" encoding="utf-8"?>
+<p:sldLayout xmlns:a="http://schemas.openxmlformats.org/drawingml/2006/main" xmlns:r="http://schemas.openxmlformats.org/officeDocument/2006/relationships" xmlns:p="http://schemas.openxmlformats.org/presentationml/2006/main" preserve="1">
+  <p:cSld name="3 hasáb">
+    <p:spTree>
+      <p:nvGrpSpPr>
+        <p:cNvPr id="1" name=""/>
+        <p:cNvGrpSpPr/>
+        <p:nvPr/>
+      </p:nvGrpSpPr>
+      <p:grpSpPr>
+        <a:xfrm>
+          <a:off x="0" y="0"/>
+          <a:ext cx="0" cy="0"/>
+          <a:chOff x="0" y="0"/>
+          <a:chExt cx="0" cy="0"/>
+        </a:xfrm>
+      </p:grpSpPr>
+      <p:sp>
+        <p:nvSpPr>
+          <p:cNvPr id="2" name="Title 1"/>
+          <p:cNvSpPr>
+            <a:spLocks noGrp="1"/>
+          </p:cNvSpPr>
+          <p:nvPr>
+            <p:ph type="title"/>
+          </p:nvPr>
+        </p:nvSpPr>
+        <p:spPr/>
+        <p:txBody>
+          <a:bodyPr/>
+          <a:lstStyle>
+            <a:lvl1pPr>
+              <a:defRPr sz="4200"/>
+            </a:lvl1pPr>
+          </a:lstStyle>
+          <a:p>
+            <a:r>
+              <a:rPr lang="hu-HU"/>
+              <a:t>Mintacím szerkesztése</a:t>
+            </a:r>
+            <a:endParaRPr lang="en-US" dirty="0"/>
+          </a:p>
+        </p:txBody>
+      </p:sp>
+      <p:sp>
+        <p:nvSpPr>
+          <p:cNvPr id="3" name="Text Placeholder 2"/>
+          <p:cNvSpPr>
+            <a:spLocks noGrp="1"/>
+          </p:cNvSpPr>
+          <p:nvPr>
+            <p:ph type="body" idx="1"/>
+          </p:nvPr>
+        </p:nvSpPr>
+        <p:spPr>
+          <a:xfrm>
+            <a:off x="632947" y="1981200"/>
+            <a:ext cx="2946866" cy="576262"/>
+          </a:xfrm>
+        </p:spPr>
+        <p:txBody>
+          <a:bodyPr anchor="b">
+            <a:noAutofit/>
+          </a:bodyPr>
+          <a:lstStyle>
+            <a:lvl1pPr marL="0" indent="0">
+              <a:buNone/>
+              <a:defRPr sz="2400" b="0">
+                <a:solidFill>
+                  <a:schemeClr val="bg2">
+                    <a:lumMod val="40000"/>
+                    <a:lumOff val="60000"/>
+                  </a:schemeClr>
+                </a:solidFill>
+              </a:defRPr>
+            </a:lvl1pPr>
+            <a:lvl2pPr marL="457200" indent="0">
+              <a:buNone/>
+              <a:defRPr sz="2000" b="1"/>
+            </a:lvl2pPr>
+            <a:lvl3pPr marL="914400" indent="0">
+              <a:buNone/>
+              <a:defRPr sz="1800" b="1"/>
+            </a:lvl3pPr>
+            <a:lvl4pPr marL="1371600" indent="0">
+              <a:buNone/>
+              <a:defRPr sz="1600" b="1"/>
+            </a:lvl4pPr>
+            <a:lvl5pPr marL="1828800" indent="0">
+              <a:buNone/>
+              <a:defRPr sz="1600" b="1"/>
+            </a:lvl5pPr>
+            <a:lvl6pPr marL="2286000" indent="0">
+              <a:buNone/>
+              <a:defRPr sz="1600" b="1"/>
+            </a:lvl6pPr>
+            <a:lvl7pPr marL="2743200" indent="0">
+              <a:buNone/>
+              <a:defRPr sz="1600" b="1"/>
+            </a:lvl7pPr>
+            <a:lvl8pPr marL="3200400" indent="0">
+              <a:buNone/>
+              <a:defRPr sz="1600" b="1"/>
+            </a:lvl8pPr>
+            <a:lvl9pPr marL="3657600" indent="0">
+              <a:buNone/>
+              <a:defRPr sz="1600" b="1"/>
+            </a:lvl9pPr>
+          </a:lstStyle>
+          <a:p>
+            <a:pPr lvl="0"/>
+            <a:r>
+              <a:rPr lang="hu-HU"/>
+              <a:t>Mintaszöveg szerkesztése</a:t>
+            </a:r>
+          </a:p>
+        </p:txBody>
+      </p:sp>
+      <p:sp>
+        <p:nvSpPr>
+          <p:cNvPr id="16" name="Text Placeholder 3"/>
+          <p:cNvSpPr>
+            <a:spLocks noGrp="1"/>
+          </p:cNvSpPr>
+          <p:nvPr>
+            <p:ph type="body" sz="half" idx="15"/>
+          </p:nvPr>
+        </p:nvSpPr>
+        <p:spPr>
+          <a:xfrm>
+            <a:off x="652463" y="2667000"/>
+            <a:ext cx="2927350" cy="3589338"/>
+          </a:xfrm>
+        </p:spPr>
+        <p:txBody>
+          <a:bodyPr anchor="t">
+            <a:normAutofit/>
+          </a:bodyPr>
+          <a:lstStyle>
+            <a:lvl1pPr marL="0" indent="0">
+              <a:buNone/>
+              <a:defRPr sz="1400"/>
+            </a:lvl1pPr>
+            <a:lvl2pPr marL="457200" indent="0">
+              <a:buNone/>
+              <a:defRPr sz="1200"/>
+            </a:lvl2pPr>
+            <a:lvl3pPr marL="914400" indent="0">
+              <a:buNone/>
+              <a:defRPr sz="1000"/>
+            </a:lvl3pPr>
+            <a:lvl4pPr marL="1371600" indent="0">
+              <a:buNone/>
+              <a:defRPr sz="900"/>
+            </a:lvl4pPr>
+            <a:lvl5pPr marL="1828800" indent="0">
+              <a:buNone/>
+              <a:defRPr sz="900"/>
+            </a:lvl5pPr>
+            <a:lvl6pPr marL="2286000" indent="0">
+              <a:buNone/>
+              <a:defRPr sz="900"/>
+            </a:lvl6pPr>
+            <a:lvl7pPr marL="2743200" indent="0">
+              <a:buNone/>
+              <a:defRPr sz="900"/>
+            </a:lvl7pPr>
+            <a:lvl8pPr marL="3200400" indent="0">
+              <a:buNone/>
+              <a:defRPr sz="900"/>
+            </a:lvl8pPr>
+            <a:lvl9pPr marL="3657600" indent="0">
+              <a:buNone/>
+              <a:defRPr sz="900"/>
+            </a:lvl9pPr>
+          </a:lstStyle>
+          <a:p>
+            <a:pPr lvl="0"/>
+            <a:r>
+              <a:rPr lang="hu-HU"/>
+              <a:t>Mintaszöveg szerkesztése</a:t>
+            </a:r>
+          </a:p>
+        </p:txBody>
+      </p:sp>
+      <p:sp>
+        <p:nvSpPr>
+          <p:cNvPr id="5" name="Text Placeholder 4"/>
+          <p:cNvSpPr>
+            <a:spLocks noGrp="1"/>
+          </p:cNvSpPr>
+          <p:nvPr>
+            <p:ph type="body" sz="quarter" idx="3"/>
+          </p:nvPr>
+        </p:nvSpPr>
+        <p:spPr>
+          <a:xfrm>
+            <a:off x="3883659" y="1981200"/>
+            <a:ext cx="2936241" cy="576262"/>
+          </a:xfrm>
+        </p:spPr>
+        <p:txBody>
+          <a:bodyPr anchor="b">
+            <a:noAutofit/>
+          </a:bodyPr>
+          <a:lstStyle>
+            <a:lvl1pPr marL="0" indent="0">
+              <a:buNone/>
+              <a:defRPr sz="2400" b="0">
+                <a:solidFill>
+                  <a:schemeClr val="bg2">
+                    <a:lumMod val="40000"/>
+                    <a:lumOff val="60000"/>
+                  </a:schemeClr>
+                </a:solidFill>
+              </a:defRPr>
+            </a:lvl1pPr>
+            <a:lvl2pPr marL="457200" indent="0">
+              <a:buNone/>
+              <a:defRPr sz="2000" b="1"/>
+            </a:lvl2pPr>
+            <a:lvl3pPr marL="914400" indent="0">
+              <a:buNone/>
+              <a:defRPr sz="1800" b="1"/>
+            </a:lvl3pPr>
+            <a:lvl4pPr marL="1371600" indent="0">
+              <a:buNone/>
+              <a:defRPr sz="1600" b="1"/>
+            </a:lvl4pPr>
+            <a:lvl5pPr marL="1828800" indent="0">
+              <a:buNone/>
+              <a:defRPr sz="1600" b="1"/>
+            </a:lvl5pPr>
+            <a:lvl6pPr marL="2286000" indent="0">
+              <a:buNone/>
+              <a:defRPr sz="1600" b="1"/>
+            </a:lvl6pPr>
+            <a:lvl7pPr marL="2743200" indent="0">
+              <a:buNone/>
+              <a:defRPr sz="1600" b="1"/>
+            </a:lvl7pPr>
+            <a:lvl8pPr marL="3200400" indent="0">
+              <a:buNone/>
+              <a:defRPr sz="1600" b="1"/>
+            </a:lvl8pPr>
+            <a:lvl9pPr marL="3657600" indent="0">
+              <a:buNone/>
+              <a:defRPr sz="1600" b="1"/>
+            </a:lvl9pPr>
+          </a:lstStyle>
+          <a:p>
+            <a:pPr lvl="0"/>
+            <a:r>
+              <a:rPr lang="hu-HU"/>
+              <a:t>Mintaszöveg szerkesztése</a:t>
+            </a:r>
+          </a:p>
+        </p:txBody>
+      </p:sp>
+      <p:sp>
+        <p:nvSpPr>
+          <p:cNvPr id="19" name="Text Placeholder 3"/>
+          <p:cNvSpPr>
+            <a:spLocks noGrp="1"/>
+          </p:cNvSpPr>
+          <p:nvPr>
+            <p:ph type="body" sz="half" idx="16"/>
+          </p:nvPr>
+        </p:nvSpPr>
+        <p:spPr>
+          <a:xfrm>
+            <a:off x="3873106" y="2667000"/>
+            <a:ext cx="2946794" cy="3589338"/>
+          </a:xfrm>
+        </p:spPr>
+        <p:txBody>
+          <a:bodyPr anchor="t">
+            <a:normAutofit/>
+          </a:bodyPr>
+          <a:lstStyle>
+            <a:lvl1pPr marL="0" indent="0">
+              <a:buNone/>
+              <a:defRPr sz="1400"/>
+            </a:lvl1pPr>
+            <a:lvl2pPr marL="457200" indent="0">
+              <a:buNone/>
+              <a:defRPr sz="1200"/>
+            </a:lvl2pPr>
+            <a:lvl3pPr marL="914400" indent="0">
+              <a:buNone/>
+              <a:defRPr sz="1000"/>
+            </a:lvl3pPr>
+            <a:lvl4pPr marL="1371600" indent="0">
+              <a:buNone/>
+              <a:defRPr sz="900"/>
+            </a:lvl4pPr>
+            <a:lvl5pPr marL="1828800" indent="0">
+              <a:buNone/>
+              <a:defRPr sz="900"/>
+            </a:lvl5pPr>
+            <a:lvl6pPr marL="2286000" indent="0">
+              <a:buNone/>
+              <a:defRPr sz="900"/>
+            </a:lvl6pPr>
+            <a:lvl7pPr marL="2743200" indent="0">
+              <a:buNone/>
+              <a:defRPr sz="900"/>
+            </a:lvl7pPr>
+            <a:lvl8pPr marL="3200400" indent="0">
+              <a:buNone/>
+              <a:defRPr sz="900"/>
+            </a:lvl8pPr>
+            <a:lvl9pPr marL="3657600" indent="0">
+              <a:buNone/>
+              <a:defRPr sz="900"/>
+            </a:lvl9pPr>
+          </a:lstStyle>
+          <a:p>
+            <a:pPr lvl="0"/>
+            <a:r>
+              <a:rPr lang="hu-HU"/>
+              <a:t>Mintaszöveg szerkesztése</a:t>
+            </a:r>
+          </a:p>
+        </p:txBody>
+      </p:sp>
+      <p:sp>
+        <p:nvSpPr>
+          <p:cNvPr id="14" name="Text Placeholder 4"/>
+          <p:cNvSpPr>
+            <a:spLocks noGrp="1"/>
+          </p:cNvSpPr>
+          <p:nvPr>
+            <p:ph type="body" sz="quarter" idx="13"/>
+          </p:nvPr>
+        </p:nvSpPr>
+        <p:spPr>
+          <a:xfrm>
+            <a:off x="7124700" y="1981200"/>
+            <a:ext cx="2932113" cy="576262"/>
+          </a:xfrm>
+        </p:spPr>
+        <p:txBody>
+          <a:bodyPr anchor="b">
+            <a:noAutofit/>
+          </a:bodyPr>
+          <a:lstStyle>
+            <a:lvl1pPr marL="0" indent="0">
+              <a:buNone/>
+              <a:defRPr sz="2400" b="0">
+                <a:solidFill>
+                  <a:schemeClr val="bg2">
+                    <a:lumMod val="40000"/>
+                    <a:lumOff val="60000"/>
+                  </a:schemeClr>
+                </a:solidFill>
+              </a:defRPr>
+            </a:lvl1pPr>
+            <a:lvl2pPr marL="457200" indent="0">
+              <a:buNone/>
+              <a:defRPr sz="2000" b="1"/>
+            </a:lvl2pPr>
+            <a:lvl3pPr marL="914400" indent="0">
+              <a:buNone/>
+              <a:defRPr sz="1800" b="1"/>
+            </a:lvl3pPr>
+            <a:lvl4pPr marL="1371600" indent="0">
+              <a:buNone/>
+              <a:defRPr sz="1600" b="1"/>
+            </a:lvl4pPr>
+            <a:lvl5pPr marL="1828800" indent="0">
+              <a:buNone/>
+              <a:defRPr sz="1600" b="1"/>
+            </a:lvl5pPr>
+            <a:lvl6pPr marL="2286000" indent="0">
+              <a:buNone/>
+              <a:defRPr sz="1600" b="1"/>
+            </a:lvl6pPr>
+            <a:lvl7pPr marL="2743200" indent="0">
+              <a:buNone/>
+              <a:defRPr sz="1600" b="1"/>
+            </a:lvl7pPr>
+            <a:lvl8pPr marL="3200400" indent="0">
+              <a:buNone/>
+              <a:defRPr sz="1600" b="1"/>
+            </a:lvl8pPr>
+            <a:lvl9pPr marL="3657600" indent="0">
+              <a:buNone/>
+              <a:defRPr sz="1600" b="1"/>
+            </a:lvl9pPr>
+          </a:lstStyle>
+          <a:p>
+            <a:pPr lvl="0"/>
+            <a:r>
+              <a:rPr lang="hu-HU"/>
+              <a:t>Mintaszöveg szerkesztése</a:t>
+            </a:r>
+          </a:p>
+        </p:txBody>
+      </p:sp>
+      <p:sp>
+        <p:nvSpPr>
+          <p:cNvPr id="20" name="Text Placeholder 3"/>
+          <p:cNvSpPr>
+            <a:spLocks noGrp="1"/>
+          </p:cNvSpPr>
+          <p:nvPr>
+            <p:ph type="body" sz="half" idx="17"/>
+          </p:nvPr>
+        </p:nvSpPr>
+        <p:spPr>
+          <a:xfrm>
+            <a:off x="7124700" y="2667000"/>
+            <a:ext cx="2932113" cy="3589338"/>
+          </a:xfrm>
+        </p:spPr>
+        <p:txBody>
+          <a:bodyPr anchor="t">
+            <a:normAutofit/>
+          </a:bodyPr>
+          <a:lstStyle>
+            <a:lvl1pPr marL="0" indent="0">
+              <a:buNone/>
+              <a:defRPr sz="1400"/>
+            </a:lvl1pPr>
+            <a:lvl2pPr marL="457200" indent="0">
+              <a:buNone/>
+              <a:defRPr sz="1200"/>
+            </a:lvl2pPr>
+            <a:lvl3pPr marL="914400" indent="0">
+              <a:buNone/>
+              <a:defRPr sz="1000"/>
+            </a:lvl3pPr>
+            <a:lvl4pPr marL="1371600" indent="0">
+              <a:buNone/>
+              <a:defRPr sz="900"/>
+            </a:lvl4pPr>
+            <a:lvl5pPr marL="1828800" indent="0">
+              <a:buNone/>
+              <a:defRPr sz="900"/>
+            </a:lvl5pPr>
+            <a:lvl6pPr marL="2286000" indent="0">
+              <a:buNone/>
+              <a:defRPr sz="900"/>
+            </a:lvl6pPr>
+            <a:lvl7pPr marL="2743200" indent="0">
+              <a:buNone/>
+              <a:defRPr sz="900"/>
+            </a:lvl7pPr>
+            <a:lvl8pPr marL="3200400" indent="0">
+              <a:buNone/>
+              <a:defRPr sz="900"/>
+            </a:lvl8pPr>
+            <a:lvl9pPr marL="3657600" indent="0">
+              <a:buNone/>
+              <a:defRPr sz="900"/>
+            </a:lvl9pPr>
+          </a:lstStyle>
+          <a:p>
+            <a:pPr lvl="0"/>
+            <a:r>
+              <a:rPr lang="hu-HU"/>
+              <a:t>Mintaszöveg szerkesztése</a:t>
+            </a:r>
+          </a:p>
+        </p:txBody>
+      </p:sp>
+      <p:cxnSp>
+        <p:nvCxnSpPr>
+          <p:cNvPr id="17" name="Straight Connector 16"/>
+          <p:cNvCxnSpPr/>
+          <p:nvPr/>
+        </p:nvCxnSpPr>
+        <p:spPr>
+          <a:xfrm>
+            <a:off x="3726142" y="2133600"/>
+            <a:ext cx="0" cy="3962400"/>
+          </a:xfrm>
+          <a:prstGeom prst="line">
+            <a:avLst/>
+          </a:prstGeom>
+          <a:ln w="12700" cmpd="sng">
+            <a:solidFill>
+              <a:schemeClr val="bg2">
+                <a:lumMod val="40000"/>
+                <a:lumOff val="60000"/>
+                <a:alpha val="40000"/>
+              </a:schemeClr>
+            </a:solidFill>
+          </a:ln>
+        </p:spPr>
+        <p:style>
+          <a:lnRef idx="2">
+            <a:schemeClr val="accent1"/>
+          </a:lnRef>
+          <a:fillRef idx="0">
+            <a:schemeClr val="accent1"/>
+          </a:fillRef>
+          <a:effectRef idx="1">
+            <a:schemeClr val="accent1"/>
+          </a:effectRef>
+          <a:fontRef idx="minor">
+            <a:schemeClr val="tx1"/>
+          </a:fontRef>
+        </p:style>
+      </p:cxnSp>
+      <p:cxnSp>
+        <p:nvCxnSpPr>
+          <p:cNvPr id="18" name="Straight Connector 17"/>
+          <p:cNvCxnSpPr/>
+          <p:nvPr/>
+        </p:nvCxnSpPr>
+        <p:spPr>
+          <a:xfrm>
+            <a:off x="6962227" y="2133600"/>
+            <a:ext cx="0" cy="3966882"/>
+          </a:xfrm>
+          <a:prstGeom prst="line">
+            <a:avLst/>
+          </a:prstGeom>
+          <a:ln w="12700" cmpd="sng">
+            <a:solidFill>
+              <a:schemeClr val="bg2">
+                <a:lumMod val="40000"/>
+                <a:lumOff val="60000"/>
+                <a:alpha val="40000"/>
+              </a:schemeClr>
+            </a:solidFill>
+          </a:ln>
+        </p:spPr>
+        <p:style>
+          <a:lnRef idx="2">
+            <a:schemeClr val="accent1"/>
+          </a:lnRef>
+          <a:fillRef idx="0">
+            <a:schemeClr val="accent1"/>
+          </a:fillRef>
+          <a:effectRef idx="1">
+            <a:schemeClr val="accent1"/>
+          </a:effectRef>
+          <a:fontRef idx="minor">
+            <a:schemeClr val="tx1"/>
+          </a:fontRef>
+        </p:style>
+      </p:cxnSp>
+      <p:sp>
+        <p:nvSpPr>
+          <p:cNvPr id="7" name="Date Placeholder 3"/>
+          <p:cNvSpPr>
+            <a:spLocks noGrp="1"/>
+          </p:cNvSpPr>
+          <p:nvPr>
+            <p:ph type="dt" sz="half" idx="10"/>
+          </p:nvPr>
+        </p:nvSpPr>
+        <p:spPr/>
+        <p:txBody>
+          <a:bodyPr/>
+          <a:lstStyle/>
+          <a:p>
+            <a:fld id="{7E4EC488-1808-4DE7-A821-45CFABF6AECC}" type="datetimeFigureOut">
+              <a:rPr lang="hu-HU" smtClean="0"/>
+              <a:t>2025. 10. 15.</a:t>
+            </a:fld>
+            <a:endParaRPr lang="hu-HU"/>
+          </a:p>
+        </p:txBody>
+      </p:sp>
+      <p:sp>
+        <p:nvSpPr>
+          <p:cNvPr id="4" name="Footer Placeholder 4"/>
+          <p:cNvSpPr>
+            <a:spLocks noGrp="1"/>
+          </p:cNvSpPr>
+          <p:nvPr>
+            <p:ph type="ftr" sz="quarter" idx="11"/>
+          </p:nvPr>
+        </p:nvSpPr>
+        <p:spPr/>
+        <p:txBody>
+          <a:bodyPr/>
+          <a:lstStyle/>
+          <a:p>
+            <a:endParaRPr lang="hu-HU"/>
+          </a:p>
+        </p:txBody>
+      </p:sp>
+      <p:sp>
+        <p:nvSpPr>
+          <p:cNvPr id="6" name="Slide Number Placeholder 5"/>
+          <p:cNvSpPr>
+            <a:spLocks noGrp="1"/>
+          </p:cNvSpPr>
+          <p:nvPr>
+            <p:ph type="sldNum" sz="quarter" idx="12"/>
+          </p:nvPr>
+        </p:nvSpPr>
+        <p:spPr/>
+        <p:txBody>
+          <a:bodyPr/>
+          <a:lstStyle/>
+          <a:p>
+            <a:fld id="{09F527F9-0182-4326-9915-746EBA3B7595}" type="slidenum">
+              <a:rPr lang="hu-HU" smtClean="0"/>
+              <a:t>‹#›</a:t>
+            </a:fld>
+            <a:endParaRPr lang="hu-HU"/>
+          </a:p>
+        </p:txBody>
+      </p:sp>
+    </p:spTree>
+    <p:extLst>
+      <p:ext uri="{BB962C8B-B14F-4D97-AF65-F5344CB8AC3E}">
+        <p14:creationId xmlns:p14="http://schemas.microsoft.com/office/powerpoint/2010/main" val="4137831331"/>
+      </p:ext>
+    </p:extLst>
+  </p:cSld>
+  <p:clrMapOvr>
+    <a:masterClrMapping/>
+  </p:clrMapOvr>
+</p:sldLayout>
+</file>
+
+<file path=ppt/slideLayouts/slideLayout15.xml><?xml version="1.0" encoding="utf-8"?>
+<p:sldLayout xmlns:a="http://schemas.openxmlformats.org/drawingml/2006/main" xmlns:r="http://schemas.openxmlformats.org/officeDocument/2006/relationships" xmlns:p="http://schemas.openxmlformats.org/presentationml/2006/main" preserve="1">
+  <p:cSld name="3 képhasáb">
+    <p:spTree>
+      <p:nvGrpSpPr>
+        <p:cNvPr id="1" name=""/>
+        <p:cNvGrpSpPr/>
+        <p:nvPr/>
+      </p:nvGrpSpPr>
+      <p:grpSpPr>
+        <a:xfrm>
+          <a:off x="0" y="0"/>
+          <a:ext cx="0" cy="0"/>
+          <a:chOff x="0" y="0"/>
+          <a:chExt cx="0" cy="0"/>
+        </a:xfrm>
+      </p:grpSpPr>
+      <p:sp>
+        <p:nvSpPr>
+          <p:cNvPr id="2" name="Title 1"/>
+          <p:cNvSpPr>
+            <a:spLocks noGrp="1"/>
+          </p:cNvSpPr>
+          <p:nvPr>
+            <p:ph type="title"/>
+          </p:nvPr>
+        </p:nvSpPr>
+        <p:spPr/>
+        <p:txBody>
+          <a:bodyPr/>
+          <a:lstStyle>
+            <a:lvl1pPr>
+              <a:defRPr sz="4200"/>
+            </a:lvl1pPr>
+          </a:lstStyle>
+          <a:p>
+            <a:r>
+              <a:rPr lang="hu-HU"/>
+              <a:t>Mintacím szerkesztése</a:t>
+            </a:r>
+            <a:endParaRPr lang="en-US" dirty="0"/>
+          </a:p>
+        </p:txBody>
+      </p:sp>
+      <p:sp>
+        <p:nvSpPr>
+          <p:cNvPr id="3" name="Text Placeholder 2"/>
+          <p:cNvSpPr>
+            <a:spLocks noGrp="1"/>
+          </p:cNvSpPr>
+          <p:nvPr>
+            <p:ph type="body" idx="1"/>
+          </p:nvPr>
+        </p:nvSpPr>
+        <p:spPr>
+          <a:xfrm>
+            <a:off x="652463" y="4250949"/>
+            <a:ext cx="2940050" cy="576262"/>
+          </a:xfrm>
+        </p:spPr>
+        <p:txBody>
+          <a:bodyPr anchor="b">
+            <a:noAutofit/>
+          </a:bodyPr>
+          <a:lstStyle>
+            <a:lvl1pPr marL="0" indent="0">
+              <a:buNone/>
+              <a:defRPr sz="2400" b="0">
+                <a:solidFill>
+                  <a:schemeClr val="bg2">
+                    <a:lumMod val="40000"/>
+                    <a:lumOff val="60000"/>
+                  </a:schemeClr>
+                </a:solidFill>
+              </a:defRPr>
+            </a:lvl1pPr>
+            <a:lvl2pPr marL="457200" indent="0">
+              <a:buNone/>
+              <a:defRPr sz="2000" b="1"/>
+            </a:lvl2pPr>
+            <a:lvl3pPr marL="914400" indent="0">
+              <a:buNone/>
+              <a:defRPr sz="1800" b="1"/>
+            </a:lvl3pPr>
+            <a:lvl4pPr marL="1371600" indent="0">
+              <a:buNone/>
+              <a:defRPr sz="1600" b="1"/>
+            </a:lvl4pPr>
+            <a:lvl5pPr marL="1828800" indent="0">
+              <a:buNone/>
+              <a:defRPr sz="1600" b="1"/>
+            </a:lvl5pPr>
+            <a:lvl6pPr marL="2286000" indent="0">
+              <a:buNone/>
+              <a:defRPr sz="1600" b="1"/>
+            </a:lvl6pPr>
+            <a:lvl7pPr marL="2743200" indent="0">
+              <a:buNone/>
+              <a:defRPr sz="1600" b="1"/>
+            </a:lvl7pPr>
+            <a:lvl8pPr marL="3200400" indent="0">
+              <a:buNone/>
+              <a:defRPr sz="1600" b="1"/>
+            </a:lvl8pPr>
+            <a:lvl9pPr marL="3657600" indent="0">
+              <a:buNone/>
+              <a:defRPr sz="1600" b="1"/>
+            </a:lvl9pPr>
+          </a:lstStyle>
+          <a:p>
+            <a:pPr lvl="0"/>
+            <a:r>
+              <a:rPr lang="hu-HU"/>
+              <a:t>Mintaszöveg szerkesztése</a:t>
+            </a:r>
+          </a:p>
+        </p:txBody>
+      </p:sp>
+      <p:sp>
+        <p:nvSpPr>
+          <p:cNvPr id="29" name="Picture Placeholder 2"/>
+          <p:cNvSpPr>
+            <a:spLocks noGrp="1" noChangeAspect="1"/>
+          </p:cNvSpPr>
+          <p:nvPr>
+            <p:ph type="pic" idx="15"/>
+          </p:nvPr>
+        </p:nvSpPr>
+        <p:spPr>
+          <a:xfrm>
+            <a:off x="652463" y="2209800"/>
+            <a:ext cx="2940050" cy="1524000"/>
+          </a:xfrm>
+          <a:prstGeom prst="roundRect">
+            <a:avLst>
+              <a:gd name="adj" fmla="val 1858"/>
+            </a:avLst>
+          </a:prstGeom>
+          <a:effectLst>
+            <a:outerShdw blurRad="50800" dist="50800" dir="5400000" algn="tl" rotWithShape="0">
+              <a:srgbClr val="000000">
+                <a:alpha val="43000"/>
+              </a:srgbClr>
+            </a:outerShdw>
+          </a:effectLst>
+        </p:spPr>
+        <p:txBody>
+          <a:bodyPr anchor="t">
+            <a:normAutofit/>
+          </a:bodyPr>
+          <a:lstStyle>
+            <a:lvl1pPr marL="0" indent="0" algn="ctr">
+              <a:buNone/>
+              <a:defRPr sz="1600"/>
+            </a:lvl1pPr>
+            <a:lvl2pPr marL="457200" indent="0">
+              <a:buNone/>
+              <a:defRPr sz="1600"/>
+            </a:lvl2pPr>
+            <a:lvl3pPr marL="914400" indent="0">
+              <a:buNone/>
+              <a:defRPr sz="1600"/>
+            </a:lvl3pPr>
+            <a:lvl4pPr marL="1371600" indent="0">
+              <a:buNone/>
+              <a:defRPr sz="1600"/>
+            </a:lvl4pPr>
+            <a:lvl5pPr marL="1828800" indent="0">
+              <a:buNone/>
+              <a:defRPr sz="1600"/>
+            </a:lvl5pPr>
+            <a:lvl6pPr marL="2286000" indent="0">
+              <a:buNone/>
+              <a:defRPr sz="1600"/>
+            </a:lvl6pPr>
+            <a:lvl7pPr marL="2743200" indent="0">
+              <a:buNone/>
+              <a:defRPr sz="1600"/>
+            </a:lvl7pPr>
+            <a:lvl8pPr marL="3200400" indent="0">
+              <a:buNone/>
+              <a:defRPr sz="1600"/>
+            </a:lvl8pPr>
+            <a:lvl9pPr marL="3657600" indent="0">
+              <a:buNone/>
+              <a:defRPr sz="1600"/>
+            </a:lvl9pPr>
+          </a:lstStyle>
+          <a:p>
+            <a:r>
+              <a:rPr lang="hu-HU"/>
+              <a:t>Kép beszúrásához kattintson az ikonra</a:t>
+            </a:r>
+            <a:endParaRPr lang="en-US" dirty="0"/>
+          </a:p>
+        </p:txBody>
+      </p:sp>
+      <p:sp>
+        <p:nvSpPr>
+          <p:cNvPr id="22" name="Text Placeholder 3"/>
+          <p:cNvSpPr>
+            <a:spLocks noGrp="1"/>
+          </p:cNvSpPr>
+          <p:nvPr>
+            <p:ph type="body" sz="half" idx="18"/>
+          </p:nvPr>
+        </p:nvSpPr>
+        <p:spPr>
+          <a:xfrm>
+            <a:off x="652463" y="4827211"/>
+            <a:ext cx="2940050" cy="659189"/>
+          </a:xfrm>
+        </p:spPr>
+        <p:txBody>
+          <a:bodyPr anchor="t">
+            <a:normAutofit/>
+          </a:bodyPr>
+          <a:lstStyle>
+            <a:lvl1pPr marL="0" indent="0">
+              <a:buNone/>
+              <a:defRPr sz="1400"/>
+            </a:lvl1pPr>
+            <a:lvl2pPr marL="457200" indent="0">
+              <a:buNone/>
+              <a:defRPr sz="1200"/>
+            </a:lvl2pPr>
+            <a:lvl3pPr marL="914400" indent="0">
+              <a:buNone/>
+              <a:defRPr sz="1000"/>
+            </a:lvl3pPr>
+            <a:lvl4pPr marL="1371600" indent="0">
+              <a:buNone/>
+              <a:defRPr sz="900"/>
+            </a:lvl4pPr>
+            <a:lvl5pPr marL="1828800" indent="0">
+              <a:buNone/>
+              <a:defRPr sz="900"/>
+            </a:lvl5pPr>
+            <a:lvl6pPr marL="2286000" indent="0">
+              <a:buNone/>
+              <a:defRPr sz="900"/>
+            </a:lvl6pPr>
+            <a:lvl7pPr marL="2743200" indent="0">
+              <a:buNone/>
+              <a:defRPr sz="900"/>
+            </a:lvl7pPr>
+            <a:lvl8pPr marL="3200400" indent="0">
+              <a:buNone/>
+              <a:defRPr sz="900"/>
+            </a:lvl8pPr>
+            <a:lvl9pPr marL="3657600" indent="0">
+              <a:buNone/>
+              <a:defRPr sz="900"/>
+            </a:lvl9pPr>
+          </a:lstStyle>
+          <a:p>
+            <a:pPr lvl="0"/>
+            <a:r>
+              <a:rPr lang="hu-HU"/>
+              <a:t>Mintaszöveg szerkesztése</a:t>
+            </a:r>
+          </a:p>
+        </p:txBody>
+      </p:sp>
+      <p:sp>
+        <p:nvSpPr>
+          <p:cNvPr id="5" name="Text Placeholder 4"/>
+          <p:cNvSpPr>
+            <a:spLocks noGrp="1"/>
+          </p:cNvSpPr>
+          <p:nvPr>
+            <p:ph type="body" sz="quarter" idx="3"/>
+          </p:nvPr>
+        </p:nvSpPr>
+        <p:spPr>
+          <a:xfrm>
+            <a:off x="3889375" y="4250949"/>
+            <a:ext cx="2930525" cy="576262"/>
+          </a:xfrm>
+        </p:spPr>
+        <p:txBody>
+          <a:bodyPr anchor="b">
+            <a:noAutofit/>
+          </a:bodyPr>
+          <a:lstStyle>
+            <a:lvl1pPr marL="0" indent="0">
+              <a:buNone/>
+              <a:defRPr sz="2400" b="0">
+                <a:solidFill>
+                  <a:schemeClr val="bg2">
+                    <a:lumMod val="40000"/>
+                    <a:lumOff val="60000"/>
+                  </a:schemeClr>
+                </a:solidFill>
+              </a:defRPr>
+            </a:lvl1pPr>
+            <a:lvl2pPr marL="457200" indent="0">
+              <a:buNone/>
+              <a:defRPr sz="2000" b="1"/>
+            </a:lvl2pPr>
+            <a:lvl3pPr marL="914400" indent="0">
+              <a:buNone/>
+              <a:defRPr sz="1800" b="1"/>
+            </a:lvl3pPr>
+            <a:lvl4pPr marL="1371600" indent="0">
+              <a:buNone/>
+              <a:defRPr sz="1600" b="1"/>
+            </a:lvl4pPr>
+            <a:lvl5pPr marL="1828800" indent="0">
+              <a:buNone/>
+              <a:defRPr sz="1600" b="1"/>
+            </a:lvl5pPr>
+            <a:lvl6pPr marL="2286000" indent="0">
+              <a:buNone/>
+              <a:defRPr sz="1600" b="1"/>
+            </a:lvl6pPr>
+            <a:lvl7pPr marL="2743200" indent="0">
+              <a:buNone/>
+              <a:defRPr sz="1600" b="1"/>
+            </a:lvl7pPr>
+            <a:lvl8pPr marL="3200400" indent="0">
+              <a:buNone/>
+              <a:defRPr sz="1600" b="1"/>
+            </a:lvl8pPr>
+            <a:lvl9pPr marL="3657600" indent="0">
+              <a:buNone/>
+              <a:defRPr sz="1600" b="1"/>
+            </a:lvl9pPr>
+          </a:lstStyle>
+          <a:p>
+            <a:pPr lvl="0"/>
+            <a:r>
+              <a:rPr lang="hu-HU"/>
+              <a:t>Mintaszöveg szerkesztése</a:t>
+            </a:r>
+          </a:p>
+        </p:txBody>
+      </p:sp>
+      <p:sp>
+        <p:nvSpPr>
+          <p:cNvPr id="30" name="Picture Placeholder 2"/>
+          <p:cNvSpPr>
+            <a:spLocks noGrp="1" noChangeAspect="1"/>
+          </p:cNvSpPr>
+          <p:nvPr>
+            <p:ph type="pic" idx="21"/>
+          </p:nvPr>
+        </p:nvSpPr>
+        <p:spPr>
+          <a:xfrm>
+            <a:off x="3889374" y="2209800"/>
+            <a:ext cx="2930525" cy="1524000"/>
+          </a:xfrm>
+          <a:prstGeom prst="roundRect">
+            <a:avLst>
+              <a:gd name="adj" fmla="val 1858"/>
+            </a:avLst>
+          </a:prstGeom>
+          <a:effectLst>
+            <a:outerShdw blurRad="50800" dist="50800" dir="5400000" algn="tl" rotWithShape="0">
+              <a:srgbClr val="000000">
+                <a:alpha val="43000"/>
+              </a:srgbClr>
+            </a:outerShdw>
+          </a:effectLst>
+        </p:spPr>
+        <p:txBody>
+          <a:bodyPr anchor="t">
+            <a:normAutofit/>
+          </a:bodyPr>
+          <a:lstStyle>
+            <a:lvl1pPr marL="0" indent="0" algn="ctr">
+              <a:buNone/>
+              <a:defRPr sz="1600"/>
+            </a:lvl1pPr>
+            <a:lvl2pPr marL="457200" indent="0">
+              <a:buNone/>
+              <a:defRPr sz="1600"/>
+            </a:lvl2pPr>
+            <a:lvl3pPr marL="914400" indent="0">
+              <a:buNone/>
+              <a:defRPr sz="1600"/>
+            </a:lvl3pPr>
+            <a:lvl4pPr marL="1371600" indent="0">
+              <a:buNone/>
+              <a:defRPr sz="1600"/>
+            </a:lvl4pPr>
+            <a:lvl5pPr marL="1828800" indent="0">
+              <a:buNone/>
+              <a:defRPr sz="1600"/>
+            </a:lvl5pPr>
+            <a:lvl6pPr marL="2286000" indent="0">
+              <a:buNone/>
+              <a:defRPr sz="1600"/>
+            </a:lvl6pPr>
+            <a:lvl7pPr marL="2743200" indent="0">
+              <a:buNone/>
+              <a:defRPr sz="1600"/>
+            </a:lvl7pPr>
+            <a:lvl8pPr marL="3200400" indent="0">
+              <a:buNone/>
+              <a:defRPr sz="1600"/>
+            </a:lvl8pPr>
+            <a:lvl9pPr marL="3657600" indent="0">
+              <a:buNone/>
+              <a:defRPr sz="1600"/>
+            </a:lvl9pPr>
+          </a:lstStyle>
+          <a:p>
+            <a:r>
+              <a:rPr lang="hu-HU"/>
+              <a:t>Kép beszúrásához kattintson az ikonra</a:t>
+            </a:r>
+            <a:endParaRPr lang="en-US" dirty="0"/>
+          </a:p>
+        </p:txBody>
+      </p:sp>
+      <p:sp>
+        <p:nvSpPr>
+          <p:cNvPr id="23" name="Text Placeholder 3"/>
+          <p:cNvSpPr>
+            <a:spLocks noGrp="1"/>
+          </p:cNvSpPr>
+          <p:nvPr>
+            <p:ph type="body" sz="half" idx="19"/>
+          </p:nvPr>
+        </p:nvSpPr>
+        <p:spPr>
+          <a:xfrm>
+            <a:off x="3888022" y="4827210"/>
+            <a:ext cx="2934406" cy="659189"/>
+          </a:xfrm>
+        </p:spPr>
+        <p:txBody>
+          <a:bodyPr anchor="t">
+            <a:normAutofit/>
+          </a:bodyPr>
+          <a:lstStyle>
+            <a:lvl1pPr marL="0" indent="0">
+              <a:buNone/>
+              <a:defRPr sz="1400"/>
+            </a:lvl1pPr>
+            <a:lvl2pPr marL="457200" indent="0">
+              <a:buNone/>
+              <a:defRPr sz="1200"/>
+            </a:lvl2pPr>
+            <a:lvl3pPr marL="914400" indent="0">
+              <a:buNone/>
+              <a:defRPr sz="1000"/>
+            </a:lvl3pPr>
+            <a:lvl4pPr marL="1371600" indent="0">
+              <a:buNone/>
+              <a:defRPr sz="900"/>
+            </a:lvl4pPr>
+            <a:lvl5pPr marL="1828800" indent="0">
+              <a:buNone/>
+              <a:defRPr sz="900"/>
+            </a:lvl5pPr>
+            <a:lvl6pPr marL="2286000" indent="0">
+              <a:buNone/>
+              <a:defRPr sz="900"/>
+            </a:lvl6pPr>
+            <a:lvl7pPr marL="2743200" indent="0">
+              <a:buNone/>
+              <a:defRPr sz="900"/>
+            </a:lvl7pPr>
+            <a:lvl8pPr marL="3200400" indent="0">
+              <a:buNone/>
+              <a:defRPr sz="900"/>
+            </a:lvl8pPr>
+            <a:lvl9pPr marL="3657600" indent="0">
+              <a:buNone/>
+              <a:defRPr sz="900"/>
+            </a:lvl9pPr>
+          </a:lstStyle>
+          <a:p>
+            <a:pPr lvl="0"/>
+            <a:r>
+              <a:rPr lang="hu-HU"/>
+              <a:t>Mintaszöveg szerkesztése</a:t>
+            </a:r>
+          </a:p>
+        </p:txBody>
+      </p:sp>
+      <p:sp>
+        <p:nvSpPr>
+          <p:cNvPr id="14" name="Text Placeholder 4"/>
+          <p:cNvSpPr>
+            <a:spLocks noGrp="1"/>
+          </p:cNvSpPr>
+          <p:nvPr>
+            <p:ph type="body" sz="quarter" idx="13"/>
+          </p:nvPr>
+        </p:nvSpPr>
+        <p:spPr>
+          <a:xfrm>
+            <a:off x="7124700" y="4250949"/>
+            <a:ext cx="2932113" cy="576262"/>
+          </a:xfrm>
+        </p:spPr>
+        <p:txBody>
+          <a:bodyPr anchor="b">
+            <a:noAutofit/>
+          </a:bodyPr>
+          <a:lstStyle>
+            <a:lvl1pPr marL="0" indent="0">
+              <a:buNone/>
+              <a:defRPr sz="2400" b="0">
+                <a:solidFill>
+                  <a:schemeClr val="bg2">
+                    <a:lumMod val="40000"/>
+                    <a:lumOff val="60000"/>
+                  </a:schemeClr>
+                </a:solidFill>
+              </a:defRPr>
+            </a:lvl1pPr>
+            <a:lvl2pPr marL="457200" indent="0">
+              <a:buNone/>
+              <a:defRPr sz="2000" b="1"/>
+            </a:lvl2pPr>
+            <a:lvl3pPr marL="914400" indent="0">
+              <a:buNone/>
+              <a:defRPr sz="1800" b="1"/>
+            </a:lvl3pPr>
+            <a:lvl4pPr marL="1371600" indent="0">
+              <a:buNone/>
+              <a:defRPr sz="1600" b="1"/>
+            </a:lvl4pPr>
+            <a:lvl5pPr marL="1828800" indent="0">
+              <a:buNone/>
+              <a:defRPr sz="1600" b="1"/>
+            </a:lvl5pPr>
+            <a:lvl6pPr marL="2286000" indent="0">
+              <a:buNone/>
+              <a:defRPr sz="1600" b="1"/>
+            </a:lvl6pPr>
+            <a:lvl7pPr marL="2743200" indent="0">
+              <a:buNone/>
+              <a:defRPr sz="1600" b="1"/>
+            </a:lvl7pPr>
+            <a:lvl8pPr marL="3200400" indent="0">
+              <a:buNone/>
+              <a:defRPr sz="1600" b="1"/>
+            </a:lvl8pPr>
+            <a:lvl9pPr marL="3657600" indent="0">
+              <a:buNone/>
+              <a:defRPr sz="1600" b="1"/>
+            </a:lvl9pPr>
+          </a:lstStyle>
+          <a:p>
+            <a:pPr lvl="0"/>
+            <a:r>
+              <a:rPr lang="hu-HU"/>
+              <a:t>Mintaszöveg szerkesztése</a:t>
+            </a:r>
+          </a:p>
+        </p:txBody>
+      </p:sp>
+      <p:sp>
+        <p:nvSpPr>
+          <p:cNvPr id="31" name="Picture Placeholder 2"/>
+          <p:cNvSpPr>
+            <a:spLocks noGrp="1" noChangeAspect="1"/>
+          </p:cNvSpPr>
+          <p:nvPr>
+            <p:ph type="pic" idx="22"/>
+          </p:nvPr>
+        </p:nvSpPr>
+        <p:spPr>
+          <a:xfrm>
+            <a:off x="7124699" y="2209800"/>
+            <a:ext cx="2932113" cy="1524000"/>
+          </a:xfrm>
+          <a:prstGeom prst="roundRect">
+            <a:avLst>
+              <a:gd name="adj" fmla="val 1858"/>
+            </a:avLst>
+          </a:prstGeom>
+          <a:effectLst>
+            <a:outerShdw blurRad="50800" dist="50800" dir="5400000" algn="tl" rotWithShape="0">
+              <a:srgbClr val="000000">
+                <a:alpha val="43000"/>
+              </a:srgbClr>
+            </a:outerShdw>
+          </a:effectLst>
+        </p:spPr>
+        <p:txBody>
+          <a:bodyPr anchor="t">
+            <a:normAutofit/>
+          </a:bodyPr>
+          <a:lstStyle>
+            <a:lvl1pPr marL="0" indent="0" algn="ctr">
+              <a:buNone/>
+              <a:defRPr sz="1600"/>
+            </a:lvl1pPr>
+            <a:lvl2pPr marL="457200" indent="0">
+              <a:buNone/>
+              <a:defRPr sz="1600"/>
+            </a:lvl2pPr>
+            <a:lvl3pPr marL="914400" indent="0">
+              <a:buNone/>
+              <a:defRPr sz="1600"/>
+            </a:lvl3pPr>
+            <a:lvl4pPr marL="1371600" indent="0">
+              <a:buNone/>
+              <a:defRPr sz="1600"/>
+            </a:lvl4pPr>
+            <a:lvl5pPr marL="1828800" indent="0">
+              <a:buNone/>
+              <a:defRPr sz="1600"/>
+            </a:lvl5pPr>
+            <a:lvl6pPr marL="2286000" indent="0">
+              <a:buNone/>
+              <a:defRPr sz="1600"/>
+            </a:lvl6pPr>
+            <a:lvl7pPr marL="2743200" indent="0">
+              <a:buNone/>
+              <a:defRPr sz="1600"/>
+            </a:lvl7pPr>
+            <a:lvl8pPr marL="3200400" indent="0">
+              <a:buNone/>
+              <a:defRPr sz="1600"/>
+            </a:lvl8pPr>
+            <a:lvl9pPr marL="3657600" indent="0">
+              <a:buNone/>
+              <a:defRPr sz="1600"/>
+            </a:lvl9pPr>
+          </a:lstStyle>
+          <a:p>
+            <a:r>
+              <a:rPr lang="hu-HU"/>
+              <a:t>Kép beszúrásához kattintson az ikonra</a:t>
+            </a:r>
+            <a:endParaRPr lang="en-US" dirty="0"/>
+          </a:p>
+        </p:txBody>
+      </p:sp>
+      <p:sp>
+        <p:nvSpPr>
+          <p:cNvPr id="24" name="Text Placeholder 3"/>
+          <p:cNvSpPr>
+            <a:spLocks noGrp="1"/>
+          </p:cNvSpPr>
+          <p:nvPr>
+            <p:ph type="body" sz="half" idx="20"/>
+          </p:nvPr>
+        </p:nvSpPr>
+        <p:spPr>
+          <a:xfrm>
+            <a:off x="7124575" y="4827208"/>
+            <a:ext cx="2935997" cy="659189"/>
+          </a:xfrm>
+        </p:spPr>
+        <p:txBody>
+          <a:bodyPr anchor="t">
+            <a:normAutofit/>
+          </a:bodyPr>
+          <a:lstStyle>
+            <a:lvl1pPr marL="0" indent="0">
+              <a:buNone/>
+              <a:defRPr sz="1400"/>
+            </a:lvl1pPr>
+            <a:lvl2pPr marL="457200" indent="0">
+              <a:buNone/>
+              <a:defRPr sz="1200"/>
+            </a:lvl2pPr>
+            <a:lvl3pPr marL="914400" indent="0">
+              <a:buNone/>
+              <a:defRPr sz="1000"/>
+            </a:lvl3pPr>
+            <a:lvl4pPr marL="1371600" indent="0">
+              <a:buNone/>
+              <a:defRPr sz="900"/>
+            </a:lvl4pPr>
+            <a:lvl5pPr marL="1828800" indent="0">
+              <a:buNone/>
+              <a:defRPr sz="900"/>
+            </a:lvl5pPr>
+            <a:lvl6pPr marL="2286000" indent="0">
+              <a:buNone/>
+              <a:defRPr sz="900"/>
+            </a:lvl6pPr>
+            <a:lvl7pPr marL="2743200" indent="0">
+              <a:buNone/>
+              <a:defRPr sz="900"/>
+            </a:lvl7pPr>
+            <a:lvl8pPr marL="3200400" indent="0">
+              <a:buNone/>
+              <a:defRPr sz="900"/>
+            </a:lvl8pPr>
+            <a:lvl9pPr marL="3657600" indent="0">
+              <a:buNone/>
+              <a:defRPr sz="900"/>
+            </a:lvl9pPr>
+          </a:lstStyle>
+          <a:p>
+            <a:pPr lvl="0"/>
+            <a:r>
+              <a:rPr lang="hu-HU"/>
+              <a:t>Mintaszöveg szerkesztése</a:t>
+            </a:r>
+          </a:p>
+        </p:txBody>
+      </p:sp>
+      <p:cxnSp>
+        <p:nvCxnSpPr>
+          <p:cNvPr id="19" name="Straight Connector 18"/>
+          <p:cNvCxnSpPr/>
+          <p:nvPr/>
+        </p:nvCxnSpPr>
+        <p:spPr>
+          <a:xfrm>
+            <a:off x="3726142" y="2133600"/>
+            <a:ext cx="0" cy="3962400"/>
+          </a:xfrm>
+          <a:prstGeom prst="line">
+            <a:avLst/>
+          </a:prstGeom>
+          <a:ln w="12700" cmpd="sng">
+            <a:solidFill>
+              <a:schemeClr val="bg2">
+                <a:lumMod val="40000"/>
+                <a:lumOff val="60000"/>
+                <a:alpha val="40000"/>
+              </a:schemeClr>
+            </a:solidFill>
+          </a:ln>
+        </p:spPr>
+        <p:style>
+          <a:lnRef idx="2">
+            <a:schemeClr val="accent1"/>
+          </a:lnRef>
+          <a:fillRef idx="0">
+            <a:schemeClr val="accent1"/>
+          </a:fillRef>
+          <a:effectRef idx="1">
+            <a:schemeClr val="accent1"/>
+          </a:effectRef>
+          <a:fontRef idx="minor">
+            <a:schemeClr val="tx1"/>
+          </a:fontRef>
+        </p:style>
+      </p:cxnSp>
+      <p:cxnSp>
+        <p:nvCxnSpPr>
+          <p:cNvPr id="20" name="Straight Connector 19"/>
+          <p:cNvCxnSpPr/>
+          <p:nvPr/>
+        </p:nvCxnSpPr>
+        <p:spPr>
+          <a:xfrm>
+            <a:off x="6962227" y="2133600"/>
+            <a:ext cx="0" cy="3966882"/>
+          </a:xfrm>
+          <a:prstGeom prst="line">
+            <a:avLst/>
+          </a:prstGeom>
+          <a:ln w="12700" cmpd="sng">
+            <a:solidFill>
+              <a:schemeClr val="bg2">
+                <a:lumMod val="40000"/>
+                <a:lumOff val="60000"/>
+                <a:alpha val="40000"/>
+              </a:schemeClr>
+            </a:solidFill>
+          </a:ln>
+        </p:spPr>
+        <p:style>
+          <a:lnRef idx="2">
+            <a:schemeClr val="accent1"/>
+          </a:lnRef>
+          <a:fillRef idx="0">
+            <a:schemeClr val="accent1"/>
+          </a:fillRef>
+          <a:effectRef idx="1">
+            <a:schemeClr val="accent1"/>
+          </a:effectRef>
+          <a:fontRef idx="minor">
+            <a:schemeClr val="tx1"/>
+          </a:fontRef>
+        </p:style>
+      </p:cxnSp>
+      <p:sp>
+        <p:nvSpPr>
+          <p:cNvPr id="7" name="Date Placeholder 3"/>
+          <p:cNvSpPr>
+            <a:spLocks noGrp="1"/>
+          </p:cNvSpPr>
+          <p:nvPr>
+            <p:ph type="dt" sz="half" idx="10"/>
+          </p:nvPr>
+        </p:nvSpPr>
+        <p:spPr/>
+        <p:txBody>
+          <a:bodyPr/>
+          <a:lstStyle/>
+          <a:p>
+            <a:fld id="{7E4EC488-1808-4DE7-A821-45CFABF6AECC}" type="datetimeFigureOut">
+              <a:rPr lang="hu-HU" smtClean="0"/>
+              <a:t>2025. 10. 15.</a:t>
+            </a:fld>
+            <a:endParaRPr lang="hu-HU"/>
+          </a:p>
+        </p:txBody>
+      </p:sp>
+      <p:sp>
+        <p:nvSpPr>
+          <p:cNvPr id="4" name="Footer Placeholder 4"/>
+          <p:cNvSpPr>
+            <a:spLocks noGrp="1"/>
+          </p:cNvSpPr>
+          <p:nvPr>
+            <p:ph type="ftr" sz="quarter" idx="11"/>
+          </p:nvPr>
+        </p:nvSpPr>
+        <p:spPr/>
+        <p:txBody>
+          <a:bodyPr/>
+          <a:lstStyle/>
+          <a:p>
+            <a:endParaRPr lang="hu-HU"/>
+          </a:p>
+        </p:txBody>
+      </p:sp>
+      <p:sp>
+        <p:nvSpPr>
+          <p:cNvPr id="6" name="Slide Number Placeholder 5"/>
+          <p:cNvSpPr>
+            <a:spLocks noGrp="1"/>
+          </p:cNvSpPr>
+          <p:nvPr>
+            <p:ph type="sldNum" sz="quarter" idx="12"/>
+          </p:nvPr>
+        </p:nvSpPr>
+        <p:spPr/>
+        <p:txBody>
+          <a:bodyPr/>
+          <a:lstStyle/>
+          <a:p>
+            <a:fld id="{09F527F9-0182-4326-9915-746EBA3B7595}" type="slidenum">
+              <a:rPr lang="hu-HU" smtClean="0"/>
+              <a:t>‹#›</a:t>
+            </a:fld>
+            <a:endParaRPr lang="hu-HU"/>
+          </a:p>
+        </p:txBody>
+      </p:sp>
+    </p:spTree>
+    <p:extLst>
+      <p:ext uri="{BB962C8B-B14F-4D97-AF65-F5344CB8AC3E}">
+        <p14:creationId xmlns:p14="http://schemas.microsoft.com/office/powerpoint/2010/main" val="828051103"/>
+      </p:ext>
+    </p:extLst>
+  </p:cSld>
+  <p:clrMapOvr>
+    <a:masterClrMapping/>
+  </p:clrMapOvr>
+</p:sldLayout>
+</file>
+
+<file path=ppt/slideLayouts/slideLayout16.xml><?xml version="1.0" encoding="utf-8"?>
 <p:sldLayout xmlns:a="http://schemas.openxmlformats.org/drawingml/2006/main" xmlns:r="http://schemas.openxmlformats.org/officeDocument/2006/relationships" xmlns:p="http://schemas.openxmlformats.org/presentationml/2006/main" type="vertTx" preserve="1">
   <p:cSld name="Cím és függőleges szöveg">
     <p:spTree>
@@ -346,13 +2945,7 @@
       </p:grpSpPr>
       <p:sp>
         <p:nvSpPr>
-          <p:cNvPr id="2" name="Cím 1">
-            <a:extLst>
-              <a:ext uri="{FF2B5EF4-FFF2-40B4-BE49-F238E27FC236}">
-                <a16:creationId xmlns:a16="http://schemas.microsoft.com/office/drawing/2014/main" id="{C9D4F385-C1F2-4885-834D-A69F12F877DD}"/>
-              </a:ext>
-            </a:extLst>
-          </p:cNvPr>
+          <p:cNvPr id="2" name="Title 1"/>
           <p:cNvSpPr>
             <a:spLocks noGrp="1"/>
           </p:cNvSpPr>
@@ -369,18 +2962,13 @@
               <a:rPr lang="hu-HU"/>
               <a:t>Mintacím szerkesztése</a:t>
             </a:r>
-          </a:p>
-        </p:txBody>
-      </p:sp>
-      <p:sp>
-        <p:nvSpPr>
-          <p:cNvPr id="3" name="Függőleges szöveg helye 2">
-            <a:extLst>
-              <a:ext uri="{FF2B5EF4-FFF2-40B4-BE49-F238E27FC236}">
-                <a16:creationId xmlns:a16="http://schemas.microsoft.com/office/drawing/2014/main" id="{3FDAA4A7-90CE-4841-A926-79A8062AAA42}"/>
-              </a:ext>
-            </a:extLst>
-          </p:cNvPr>
+            <a:endParaRPr lang="en-US" dirty="0"/>
+          </a:p>
+        </p:txBody>
+      </p:sp>
+      <p:sp>
+        <p:nvSpPr>
+          <p:cNvPr id="3" name="Vertical Text Placeholder 2"/>
           <p:cNvSpPr>
             <a:spLocks noGrp="1"/>
           </p:cNvSpPr>
@@ -390,7 +2978,7 @@
         </p:nvSpPr>
         <p:spPr/>
         <p:txBody>
-          <a:bodyPr vert="eaVert"/>
+          <a:bodyPr vert="eaVert" anchor="t" anchorCtr="0"/>
           <a:lstStyle/>
           <a:p>
             <a:pPr lvl="0"/>
@@ -426,18 +3014,13 @@
               <a:rPr lang="hu-HU"/>
               <a:t>Ötödik szint</a:t>
             </a:r>
-          </a:p>
-        </p:txBody>
-      </p:sp>
-      <p:sp>
-        <p:nvSpPr>
-          <p:cNvPr id="4" name="Dátum helye 3">
-            <a:extLst>
-              <a:ext uri="{FF2B5EF4-FFF2-40B4-BE49-F238E27FC236}">
-                <a16:creationId xmlns:a16="http://schemas.microsoft.com/office/drawing/2014/main" id="{20786EF5-4EA2-441F-97AD-CB39A810A4DB}"/>
-              </a:ext>
-            </a:extLst>
-          </p:cNvPr>
+            <a:endParaRPr lang="en-US" dirty="0"/>
+          </a:p>
+        </p:txBody>
+      </p:sp>
+      <p:sp>
+        <p:nvSpPr>
+          <p:cNvPr id="4" name="Date Placeholder 3"/>
           <p:cNvSpPr>
             <a:spLocks noGrp="1"/>
           </p:cNvSpPr>
@@ -460,13 +3043,7 @@
       </p:sp>
       <p:sp>
         <p:nvSpPr>
-          <p:cNvPr id="5" name="Élőláb helye 4">
-            <a:extLst>
-              <a:ext uri="{FF2B5EF4-FFF2-40B4-BE49-F238E27FC236}">
-                <a16:creationId xmlns:a16="http://schemas.microsoft.com/office/drawing/2014/main" id="{5F2BD929-795B-4EAD-944A-C8113B02C2FA}"/>
-              </a:ext>
-            </a:extLst>
-          </p:cNvPr>
+          <p:cNvPr id="5" name="Footer Placeholder 4"/>
           <p:cNvSpPr>
             <a:spLocks noGrp="1"/>
           </p:cNvSpPr>
@@ -485,13 +3062,7 @@
       </p:sp>
       <p:sp>
         <p:nvSpPr>
-          <p:cNvPr id="6" name="Dia számának helye 5">
-            <a:extLst>
-              <a:ext uri="{FF2B5EF4-FFF2-40B4-BE49-F238E27FC236}">
-                <a16:creationId xmlns:a16="http://schemas.microsoft.com/office/drawing/2014/main" id="{C81B3F1E-37D7-49CB-B467-F4E367440742}"/>
-              </a:ext>
-            </a:extLst>
-          </p:cNvPr>
+          <p:cNvPr id="6" name="Slide Number Placeholder 5"/>
           <p:cNvSpPr>
             <a:spLocks noGrp="1"/>
           </p:cNvSpPr>
@@ -515,7 +3086,7 @@
     </p:spTree>
     <p:extLst>
       <p:ext uri="{BB962C8B-B14F-4D97-AF65-F5344CB8AC3E}">
-        <p14:creationId xmlns:p14="http://schemas.microsoft.com/office/powerpoint/2010/main" val="3270992268"/>
+        <p14:creationId xmlns:p14="http://schemas.microsoft.com/office/powerpoint/2010/main" val="302245947"/>
       </p:ext>
     </p:extLst>
   </p:cSld>
@@ -525,7 +3096,7 @@
 </p:sldLayout>
 </file>
 
-<file path=ppt/slideLayouts/slideLayout11.xml><?xml version="1.0" encoding="utf-8"?>
+<file path=ppt/slideLayouts/slideLayout17.xml><?xml version="1.0" encoding="utf-8"?>
 <p:sldLayout xmlns:a="http://schemas.openxmlformats.org/drawingml/2006/main" xmlns:r="http://schemas.openxmlformats.org/officeDocument/2006/relationships" xmlns:p="http://schemas.openxmlformats.org/presentationml/2006/main" type="vertTitleAndTx" preserve="1">
   <p:cSld name="Függőleges cím és szöveg">
     <p:spTree>
@@ -544,13 +3115,7 @@
       </p:grpSpPr>
       <p:sp>
         <p:nvSpPr>
-          <p:cNvPr id="2" name="Függőleges cím 1">
-            <a:extLst>
-              <a:ext uri="{FF2B5EF4-FFF2-40B4-BE49-F238E27FC236}">
-                <a16:creationId xmlns:a16="http://schemas.microsoft.com/office/drawing/2014/main" id="{B8C74F88-FA5B-42C6-A86E-DFF32C94B59A}"/>
-              </a:ext>
-            </a:extLst>
-          </p:cNvPr>
+          <p:cNvPr id="2" name="Vertical Title 1"/>
           <p:cNvSpPr>
             <a:spLocks noGrp="1"/>
           </p:cNvSpPr>
@@ -560,47 +3125,42 @@
         </p:nvSpPr>
         <p:spPr>
           <a:xfrm>
-            <a:off x="8724900" y="365125"/>
-            <a:ext cx="2628900" cy="5811838"/>
+            <a:off x="8304212" y="430213"/>
+            <a:ext cx="1752601" cy="5826125"/>
           </a:xfrm>
         </p:spPr>
         <p:txBody>
+          <a:bodyPr vert="eaVert" anchor="b" anchorCtr="0"/>
+          <a:lstStyle/>
+          <a:p>
+            <a:r>
+              <a:rPr lang="hu-HU"/>
+              <a:t>Mintacím szerkesztése</a:t>
+            </a:r>
+            <a:endParaRPr lang="en-US" dirty="0"/>
+          </a:p>
+        </p:txBody>
+      </p:sp>
+      <p:sp>
+        <p:nvSpPr>
+          <p:cNvPr id="3" name="Vertical Text Placeholder 2"/>
+          <p:cNvSpPr>
+            <a:spLocks noGrp="1"/>
+          </p:cNvSpPr>
+          <p:nvPr>
+            <p:ph type="body" orient="vert" idx="1"/>
+          </p:nvPr>
+        </p:nvSpPr>
+        <p:spPr>
+          <a:xfrm>
+            <a:off x="652463" y="887414"/>
+            <a:ext cx="7423149" cy="5368924"/>
+          </a:xfrm>
+        </p:spPr>
+        <p:txBody>
           <a:bodyPr vert="eaVert"/>
           <a:lstStyle/>
           <a:p>
-            <a:r>
-              <a:rPr lang="hu-HU"/>
-              <a:t>Mintacím szerkesztése</a:t>
-            </a:r>
-          </a:p>
-        </p:txBody>
-      </p:sp>
-      <p:sp>
-        <p:nvSpPr>
-          <p:cNvPr id="3" name="Függőleges szöveg helye 2">
-            <a:extLst>
-              <a:ext uri="{FF2B5EF4-FFF2-40B4-BE49-F238E27FC236}">
-                <a16:creationId xmlns:a16="http://schemas.microsoft.com/office/drawing/2014/main" id="{3B07E820-EA73-4683-ACCC-1045AAE26610}"/>
-              </a:ext>
-            </a:extLst>
-          </p:cNvPr>
-          <p:cNvSpPr>
-            <a:spLocks noGrp="1"/>
-          </p:cNvSpPr>
-          <p:nvPr>
-            <p:ph type="body" orient="vert" idx="1"/>
-          </p:nvPr>
-        </p:nvSpPr>
-        <p:spPr>
-          <a:xfrm>
-            <a:off x="838200" y="365125"/>
-            <a:ext cx="7734300" cy="5811838"/>
-          </a:xfrm>
-        </p:spPr>
-        <p:txBody>
-          <a:bodyPr vert="eaVert"/>
-          <a:lstStyle/>
-          <a:p>
             <a:pPr lvl="0"/>
             <a:r>
               <a:rPr lang="hu-HU"/>
@@ -634,18 +3194,13 @@
               <a:rPr lang="hu-HU"/>
               <a:t>Ötödik szint</a:t>
             </a:r>
-          </a:p>
-        </p:txBody>
-      </p:sp>
-      <p:sp>
-        <p:nvSpPr>
-          <p:cNvPr id="4" name="Dátum helye 3">
-            <a:extLst>
-              <a:ext uri="{FF2B5EF4-FFF2-40B4-BE49-F238E27FC236}">
-                <a16:creationId xmlns:a16="http://schemas.microsoft.com/office/drawing/2014/main" id="{7762DE98-DBCF-45AB-B999-41F2ECDC562A}"/>
-              </a:ext>
-            </a:extLst>
-          </p:cNvPr>
+            <a:endParaRPr lang="en-US" dirty="0"/>
+          </a:p>
+        </p:txBody>
+      </p:sp>
+      <p:sp>
+        <p:nvSpPr>
+          <p:cNvPr id="4" name="Date Placeholder 3"/>
           <p:cNvSpPr>
             <a:spLocks noGrp="1"/>
           </p:cNvSpPr>
@@ -668,13 +3223,7 @@
       </p:sp>
       <p:sp>
         <p:nvSpPr>
-          <p:cNvPr id="5" name="Élőláb helye 4">
-            <a:extLst>
-              <a:ext uri="{FF2B5EF4-FFF2-40B4-BE49-F238E27FC236}">
-                <a16:creationId xmlns:a16="http://schemas.microsoft.com/office/drawing/2014/main" id="{35162186-6887-4207-9451-87D7D933E1D9}"/>
-              </a:ext>
-            </a:extLst>
-          </p:cNvPr>
+          <p:cNvPr id="5" name="Footer Placeholder 4"/>
           <p:cNvSpPr>
             <a:spLocks noGrp="1"/>
           </p:cNvSpPr>
@@ -693,13 +3242,7 @@
       </p:sp>
       <p:sp>
         <p:nvSpPr>
-          <p:cNvPr id="6" name="Dia számának helye 5">
-            <a:extLst>
-              <a:ext uri="{FF2B5EF4-FFF2-40B4-BE49-F238E27FC236}">
-                <a16:creationId xmlns:a16="http://schemas.microsoft.com/office/drawing/2014/main" id="{650525AD-B3A2-47DE-B61F-5A18D4F02DF2}"/>
-              </a:ext>
-            </a:extLst>
-          </p:cNvPr>
+          <p:cNvPr id="6" name="Slide Number Placeholder 5"/>
           <p:cNvSpPr>
             <a:spLocks noGrp="1"/>
           </p:cNvSpPr>
@@ -723,7 +3266,7 @@
     </p:spTree>
     <p:extLst>
       <p:ext uri="{BB962C8B-B14F-4D97-AF65-F5344CB8AC3E}">
-        <p14:creationId xmlns:p14="http://schemas.microsoft.com/office/powerpoint/2010/main" val="3906027796"/>
+        <p14:creationId xmlns:p14="http://schemas.microsoft.com/office/powerpoint/2010/main" val="1106453768"/>
       </p:ext>
     </p:extLst>
   </p:cSld>
@@ -752,13 +3295,7 @@
       </p:grpSpPr>
       <p:sp>
         <p:nvSpPr>
-          <p:cNvPr id="2" name="Cím 1">
-            <a:extLst>
-              <a:ext uri="{FF2B5EF4-FFF2-40B4-BE49-F238E27FC236}">
-                <a16:creationId xmlns:a16="http://schemas.microsoft.com/office/drawing/2014/main" id="{44F67347-6B73-45AE-A0A8-343582AFD642}"/>
-              </a:ext>
-            </a:extLst>
-          </p:cNvPr>
+          <p:cNvPr id="2" name="Title 1"/>
           <p:cNvSpPr>
             <a:spLocks noGrp="1"/>
           </p:cNvSpPr>
@@ -775,18 +3312,13 @@
               <a:rPr lang="hu-HU"/>
               <a:t>Mintacím szerkesztése</a:t>
             </a:r>
-          </a:p>
-        </p:txBody>
-      </p:sp>
-      <p:sp>
-        <p:nvSpPr>
-          <p:cNvPr id="3" name="Tartalom helye 2">
-            <a:extLst>
-              <a:ext uri="{FF2B5EF4-FFF2-40B4-BE49-F238E27FC236}">
-                <a16:creationId xmlns:a16="http://schemas.microsoft.com/office/drawing/2014/main" id="{0EACE2CB-7ABE-4946-A2A0-AEDC76A71A30}"/>
-              </a:ext>
-            </a:extLst>
-          </p:cNvPr>
+            <a:endParaRPr lang="en-US" dirty="0"/>
+          </a:p>
+        </p:txBody>
+      </p:sp>
+      <p:sp>
+        <p:nvSpPr>
+          <p:cNvPr id="3" name="Content Placeholder 2"/>
           <p:cNvSpPr>
             <a:spLocks noGrp="1"/>
           </p:cNvSpPr>
@@ -832,18 +3364,13 @@
               <a:rPr lang="hu-HU"/>
               <a:t>Ötödik szint</a:t>
             </a:r>
-          </a:p>
-        </p:txBody>
-      </p:sp>
-      <p:sp>
-        <p:nvSpPr>
-          <p:cNvPr id="4" name="Dátum helye 3">
-            <a:extLst>
-              <a:ext uri="{FF2B5EF4-FFF2-40B4-BE49-F238E27FC236}">
-                <a16:creationId xmlns:a16="http://schemas.microsoft.com/office/drawing/2014/main" id="{EAC51A6E-7EF2-4954-8793-ED21DF65EE3C}"/>
-              </a:ext>
-            </a:extLst>
-          </p:cNvPr>
+            <a:endParaRPr lang="en-US" dirty="0"/>
+          </a:p>
+        </p:txBody>
+      </p:sp>
+      <p:sp>
+        <p:nvSpPr>
+          <p:cNvPr id="7" name="Date Placeholder 3"/>
           <p:cNvSpPr>
             <a:spLocks noGrp="1"/>
           </p:cNvSpPr>
@@ -866,13 +3393,7 @@
       </p:sp>
       <p:sp>
         <p:nvSpPr>
-          <p:cNvPr id="5" name="Élőláb helye 4">
-            <a:extLst>
-              <a:ext uri="{FF2B5EF4-FFF2-40B4-BE49-F238E27FC236}">
-                <a16:creationId xmlns:a16="http://schemas.microsoft.com/office/drawing/2014/main" id="{35F7E06D-BDB6-47A2-8EB7-BFA6EE182E2C}"/>
-              </a:ext>
-            </a:extLst>
-          </p:cNvPr>
+          <p:cNvPr id="5" name="Footer Placeholder 4"/>
           <p:cNvSpPr>
             <a:spLocks noGrp="1"/>
           </p:cNvSpPr>
@@ -891,13 +3412,7 @@
       </p:sp>
       <p:sp>
         <p:nvSpPr>
-          <p:cNvPr id="6" name="Dia számának helye 5">
-            <a:extLst>
-              <a:ext uri="{FF2B5EF4-FFF2-40B4-BE49-F238E27FC236}">
-                <a16:creationId xmlns:a16="http://schemas.microsoft.com/office/drawing/2014/main" id="{C9843F21-EE79-403A-B82D-567826F54E96}"/>
-              </a:ext>
-            </a:extLst>
-          </p:cNvPr>
+          <p:cNvPr id="6" name="Slide Number Placeholder 5"/>
           <p:cNvSpPr>
             <a:spLocks noGrp="1"/>
           </p:cNvSpPr>
@@ -921,7 +3436,7 @@
     </p:spTree>
     <p:extLst>
       <p:ext uri="{BB962C8B-B14F-4D97-AF65-F5344CB8AC3E}">
-        <p14:creationId xmlns:p14="http://schemas.microsoft.com/office/powerpoint/2010/main" val="3515707774"/>
+        <p14:creationId xmlns:p14="http://schemas.microsoft.com/office/powerpoint/2010/main" val="3936568092"/>
       </p:ext>
     </p:extLst>
   </p:cSld>
@@ -950,13 +3465,7 @@
       </p:grpSpPr>
       <p:sp>
         <p:nvSpPr>
-          <p:cNvPr id="2" name="Cím 1">
-            <a:extLst>
-              <a:ext uri="{FF2B5EF4-FFF2-40B4-BE49-F238E27FC236}">
-                <a16:creationId xmlns:a16="http://schemas.microsoft.com/office/drawing/2014/main" id="{EB2FD939-1EAA-4E4D-AF20-AD8E96C4D19F}"/>
-              </a:ext>
-            </a:extLst>
-          </p:cNvPr>
+          <p:cNvPr id="2" name="Title 1"/>
           <p:cNvSpPr>
             <a:spLocks noGrp="1"/>
           </p:cNvSpPr>
@@ -966,15 +3475,15 @@
         </p:nvSpPr>
         <p:spPr>
           <a:xfrm>
-            <a:off x="831850" y="1709738"/>
-            <a:ext cx="10515600" cy="2852737"/>
+            <a:off x="1154956" y="2861733"/>
+            <a:ext cx="8825657" cy="1915647"/>
           </a:xfrm>
         </p:spPr>
         <p:txBody>
           <a:bodyPr anchor="b"/>
           <a:lstStyle>
-            <a:lvl1pPr>
-              <a:defRPr sz="6000"/>
+            <a:lvl1pPr algn="l">
+              <a:defRPr sz="4000" b="0" cap="none"/>
             </a:lvl1pPr>
           </a:lstStyle>
           <a:p>
@@ -982,18 +3491,13 @@
               <a:rPr lang="hu-HU"/>
               <a:t>Mintacím szerkesztése</a:t>
             </a:r>
-          </a:p>
-        </p:txBody>
-      </p:sp>
-      <p:sp>
-        <p:nvSpPr>
-          <p:cNvPr id="3" name="Szöveg helye 2">
-            <a:extLst>
-              <a:ext uri="{FF2B5EF4-FFF2-40B4-BE49-F238E27FC236}">
-                <a16:creationId xmlns:a16="http://schemas.microsoft.com/office/drawing/2014/main" id="{33793712-103F-4D47-AEB8-B794EDA96807}"/>
-              </a:ext>
-            </a:extLst>
-          </p:cNvPr>
+            <a:endParaRPr lang="en-US" dirty="0"/>
+          </a:p>
+        </p:txBody>
+      </p:sp>
+      <p:sp>
+        <p:nvSpPr>
+          <p:cNvPr id="3" name="Text Placeholder 2"/>
           <p:cNvSpPr>
             <a:spLocks noGrp="1"/>
           </p:cNvSpPr>
@@ -1003,102 +3507,103 @@
         </p:nvSpPr>
         <p:spPr>
           <a:xfrm>
-            <a:off x="831850" y="4589463"/>
-            <a:ext cx="10515600" cy="1500187"/>
+            <a:off x="1154955" y="4777381"/>
+            <a:ext cx="8825658" cy="860400"/>
           </a:xfrm>
         </p:spPr>
         <p:txBody>
-          <a:bodyPr/>
+          <a:bodyPr anchor="t"/>
           <a:lstStyle>
-            <a:lvl1pPr marL="0" indent="0">
-              <a:buNone/>
-              <a:defRPr sz="2400">
+            <a:lvl1pPr marL="0" indent="0" algn="l">
+              <a:buNone/>
+              <a:defRPr sz="2000" cap="all">
+                <a:solidFill>
+                  <a:schemeClr val="bg2">
+                    <a:lumMod val="40000"/>
+                    <a:lumOff val="60000"/>
+                  </a:schemeClr>
+                </a:solidFill>
+              </a:defRPr>
+            </a:lvl1pPr>
+            <a:lvl2pPr marL="457200" indent="0">
+              <a:buNone/>
+              <a:defRPr sz="1800">
                 <a:solidFill>
                   <a:schemeClr val="tx1">
                     <a:tint val="75000"/>
                   </a:schemeClr>
                 </a:solidFill>
               </a:defRPr>
-            </a:lvl1pPr>
-            <a:lvl2pPr marL="457200" indent="0">
-              <a:buNone/>
-              <a:defRPr sz="2000">
+            </a:lvl2pPr>
+            <a:lvl3pPr marL="914400" indent="0">
+              <a:buNone/>
+              <a:defRPr sz="1600">
                 <a:solidFill>
                   <a:schemeClr val="tx1">
                     <a:tint val="75000"/>
                   </a:schemeClr>
                 </a:solidFill>
               </a:defRPr>
-            </a:lvl2pPr>
-            <a:lvl3pPr marL="914400" indent="0">
-              <a:buNone/>
-              <a:defRPr sz="1800">
+            </a:lvl3pPr>
+            <a:lvl4pPr marL="1371600" indent="0">
+              <a:buNone/>
+              <a:defRPr sz="1400">
                 <a:solidFill>
                   <a:schemeClr val="tx1">
                     <a:tint val="75000"/>
                   </a:schemeClr>
                 </a:solidFill>
               </a:defRPr>
-            </a:lvl3pPr>
-            <a:lvl4pPr marL="1371600" indent="0">
-              <a:buNone/>
-              <a:defRPr sz="1600">
+            </a:lvl4pPr>
+            <a:lvl5pPr marL="1828800" indent="0">
+              <a:buNone/>
+              <a:defRPr sz="1400">
                 <a:solidFill>
                   <a:schemeClr val="tx1">
                     <a:tint val="75000"/>
                   </a:schemeClr>
                 </a:solidFill>
               </a:defRPr>
-            </a:lvl4pPr>
-            <a:lvl5pPr marL="1828800" indent="0">
-              <a:buNone/>
-              <a:defRPr sz="1600">
+            </a:lvl5pPr>
+            <a:lvl6pPr marL="2286000" indent="0">
+              <a:buNone/>
+              <a:defRPr sz="1400">
                 <a:solidFill>
                   <a:schemeClr val="tx1">
                     <a:tint val="75000"/>
                   </a:schemeClr>
                 </a:solidFill>
               </a:defRPr>
-            </a:lvl5pPr>
-            <a:lvl6pPr marL="2286000" indent="0">
-              <a:buNone/>
-              <a:defRPr sz="1600">
+            </a:lvl6pPr>
+            <a:lvl7pPr marL="2743200" indent="0">
+              <a:buNone/>
+              <a:defRPr sz="1400">
                 <a:solidFill>
                   <a:schemeClr val="tx1">
                     <a:tint val="75000"/>
                   </a:schemeClr>
                 </a:solidFill>
               </a:defRPr>
-            </a:lvl6pPr>
-            <a:lvl7pPr marL="2743200" indent="0">
-              <a:buNone/>
-              <a:defRPr sz="1600">
+            </a:lvl7pPr>
+            <a:lvl8pPr marL="3200400" indent="0">
+              <a:buNone/>
+              <a:defRPr sz="1400">
                 <a:solidFill>
                   <a:schemeClr val="tx1">
                     <a:tint val="75000"/>
                   </a:schemeClr>
                 </a:solidFill>
               </a:defRPr>
-            </a:lvl7pPr>
-            <a:lvl8pPr marL="3200400" indent="0">
-              <a:buNone/>
-              <a:defRPr sz="1600">
+            </a:lvl8pPr>
+            <a:lvl9pPr marL="3657600" indent="0">
+              <a:buNone/>
+              <a:defRPr sz="1400">
                 <a:solidFill>
                   <a:schemeClr val="tx1">
                     <a:tint val="75000"/>
                   </a:schemeClr>
                 </a:solidFill>
               </a:defRPr>
-            </a:lvl8pPr>
-            <a:lvl9pPr marL="3657600" indent="0">
-              <a:buNone/>
-              <a:defRPr sz="1600">
-                <a:solidFill>
-                  <a:schemeClr val="tx1">
-                    <a:tint val="75000"/>
-                  </a:schemeClr>
-                </a:solidFill>
-              </a:defRPr>
             </a:lvl9pPr>
           </a:lstStyle>
           <a:p>
@@ -1112,13 +3617,7 @@
       </p:sp>
       <p:sp>
         <p:nvSpPr>
-          <p:cNvPr id="4" name="Dátum helye 3">
-            <a:extLst>
-              <a:ext uri="{FF2B5EF4-FFF2-40B4-BE49-F238E27FC236}">
-                <a16:creationId xmlns:a16="http://schemas.microsoft.com/office/drawing/2014/main" id="{628306FF-5289-4E3E-9591-164AEC875195}"/>
-              </a:ext>
-            </a:extLst>
-          </p:cNvPr>
+          <p:cNvPr id="4" name="Date Placeholder 3"/>
           <p:cNvSpPr>
             <a:spLocks noGrp="1"/>
           </p:cNvSpPr>
@@ -1141,13 +3640,7 @@
       </p:sp>
       <p:sp>
         <p:nvSpPr>
-          <p:cNvPr id="5" name="Élőláb helye 4">
-            <a:extLst>
-              <a:ext uri="{FF2B5EF4-FFF2-40B4-BE49-F238E27FC236}">
-                <a16:creationId xmlns:a16="http://schemas.microsoft.com/office/drawing/2014/main" id="{62A13831-93B3-4FA9-80EE-C134C18B2A26}"/>
-              </a:ext>
-            </a:extLst>
-          </p:cNvPr>
+          <p:cNvPr id="5" name="Footer Placeholder 4"/>
           <p:cNvSpPr>
             <a:spLocks noGrp="1"/>
           </p:cNvSpPr>
@@ -1166,13 +3659,7 @@
       </p:sp>
       <p:sp>
         <p:nvSpPr>
-          <p:cNvPr id="6" name="Dia számának helye 5">
-            <a:extLst>
-              <a:ext uri="{FF2B5EF4-FFF2-40B4-BE49-F238E27FC236}">
-                <a16:creationId xmlns:a16="http://schemas.microsoft.com/office/drawing/2014/main" id="{0B865340-826C-4179-B495-886E67736643}"/>
-              </a:ext>
-            </a:extLst>
-          </p:cNvPr>
+          <p:cNvPr id="6" name="Slide Number Placeholder 5"/>
           <p:cNvSpPr>
             <a:spLocks noGrp="1"/>
           </p:cNvSpPr>
@@ -1196,7 +3683,7 @@
     </p:spTree>
     <p:extLst>
       <p:ext uri="{BB962C8B-B14F-4D97-AF65-F5344CB8AC3E}">
-        <p14:creationId xmlns:p14="http://schemas.microsoft.com/office/powerpoint/2010/main" val="1548707752"/>
+        <p14:creationId xmlns:p14="http://schemas.microsoft.com/office/powerpoint/2010/main" val="616168529"/>
       </p:ext>
     </p:extLst>
   </p:cSld>
@@ -1225,13 +3712,7 @@
       </p:grpSpPr>
       <p:sp>
         <p:nvSpPr>
-          <p:cNvPr id="2" name="Cím 1">
-            <a:extLst>
-              <a:ext uri="{FF2B5EF4-FFF2-40B4-BE49-F238E27FC236}">
-                <a16:creationId xmlns:a16="http://schemas.microsoft.com/office/drawing/2014/main" id="{D500F9DE-CD5F-4CFA-ADAF-A4A4EBADF203}"/>
-              </a:ext>
-            </a:extLst>
-          </p:cNvPr>
+          <p:cNvPr id="2" name="Title 1"/>
           <p:cNvSpPr>
             <a:spLocks noGrp="1"/>
           </p:cNvSpPr>
@@ -1248,18 +3729,13 @@
               <a:rPr lang="hu-HU"/>
               <a:t>Mintacím szerkesztése</a:t>
             </a:r>
-          </a:p>
-        </p:txBody>
-      </p:sp>
-      <p:sp>
-        <p:nvSpPr>
-          <p:cNvPr id="3" name="Tartalom helye 2">
-            <a:extLst>
-              <a:ext uri="{FF2B5EF4-FFF2-40B4-BE49-F238E27FC236}">
-                <a16:creationId xmlns:a16="http://schemas.microsoft.com/office/drawing/2014/main" id="{F503CFA1-92A9-472F-BF62-2AE1C18BDCCF}"/>
-              </a:ext>
-            </a:extLst>
-          </p:cNvPr>
+            <a:endParaRPr lang="en-US" dirty="0"/>
+          </a:p>
+        </p:txBody>
+      </p:sp>
+      <p:sp>
+        <p:nvSpPr>
+          <p:cNvPr id="3" name="Content Placeholder 2"/>
           <p:cNvSpPr>
             <a:spLocks noGrp="1"/>
           </p:cNvSpPr>
@@ -1269,13 +3745,43 @@
         </p:nvSpPr>
         <p:spPr>
           <a:xfrm>
-            <a:off x="838200" y="1825625"/>
-            <a:ext cx="5181600" cy="4351338"/>
+            <a:off x="1103312" y="2060575"/>
+            <a:ext cx="4396339" cy="4195763"/>
           </a:xfrm>
         </p:spPr>
         <p:txBody>
-          <a:bodyPr/>
-          <a:lstStyle/>
+          <a:bodyPr>
+            <a:normAutofit/>
+          </a:bodyPr>
+          <a:lstStyle>
+            <a:lvl1pPr>
+              <a:defRPr sz="1800"/>
+            </a:lvl1pPr>
+            <a:lvl2pPr>
+              <a:defRPr sz="1600"/>
+            </a:lvl2pPr>
+            <a:lvl3pPr>
+              <a:defRPr sz="1400"/>
+            </a:lvl3pPr>
+            <a:lvl4pPr>
+              <a:defRPr sz="1200"/>
+            </a:lvl4pPr>
+            <a:lvl5pPr>
+              <a:defRPr sz="1200"/>
+            </a:lvl5pPr>
+            <a:lvl6pPr>
+              <a:defRPr sz="1200"/>
+            </a:lvl6pPr>
+            <a:lvl7pPr>
+              <a:defRPr sz="1200"/>
+            </a:lvl7pPr>
+            <a:lvl8pPr>
+              <a:defRPr sz="1200"/>
+            </a:lvl8pPr>
+            <a:lvl9pPr>
+              <a:defRPr sz="1200"/>
+            </a:lvl9pPr>
+          </a:lstStyle>
           <a:p>
             <a:pPr lvl="0"/>
             <a:r>
@@ -1310,18 +3816,13 @@
               <a:rPr lang="hu-HU"/>
               <a:t>Ötödik szint</a:t>
             </a:r>
-          </a:p>
-        </p:txBody>
-      </p:sp>
-      <p:sp>
-        <p:nvSpPr>
-          <p:cNvPr id="4" name="Tartalom helye 3">
-            <a:extLst>
-              <a:ext uri="{FF2B5EF4-FFF2-40B4-BE49-F238E27FC236}">
-                <a16:creationId xmlns:a16="http://schemas.microsoft.com/office/drawing/2014/main" id="{0691A670-4DB4-425E-99EA-619A52065E35}"/>
-              </a:ext>
-            </a:extLst>
-          </p:cNvPr>
+            <a:endParaRPr lang="en-US" dirty="0"/>
+          </a:p>
+        </p:txBody>
+      </p:sp>
+      <p:sp>
+        <p:nvSpPr>
+          <p:cNvPr id="4" name="Content Placeholder 3"/>
           <p:cNvSpPr>
             <a:spLocks noGrp="1"/>
           </p:cNvSpPr>
@@ -1331,13 +3832,43 @@
         </p:nvSpPr>
         <p:spPr>
           <a:xfrm>
-            <a:off x="6172200" y="1825625"/>
-            <a:ext cx="5181600" cy="4351338"/>
+            <a:off x="5654493" y="2056092"/>
+            <a:ext cx="4396341" cy="4200245"/>
           </a:xfrm>
         </p:spPr>
         <p:txBody>
-          <a:bodyPr/>
-          <a:lstStyle/>
+          <a:bodyPr>
+            <a:normAutofit/>
+          </a:bodyPr>
+          <a:lstStyle>
+            <a:lvl1pPr>
+              <a:defRPr sz="1800"/>
+            </a:lvl1pPr>
+            <a:lvl2pPr>
+              <a:defRPr sz="1600"/>
+            </a:lvl2pPr>
+            <a:lvl3pPr>
+              <a:defRPr sz="1400"/>
+            </a:lvl3pPr>
+            <a:lvl4pPr>
+              <a:defRPr sz="1200"/>
+            </a:lvl4pPr>
+            <a:lvl5pPr>
+              <a:defRPr sz="1200"/>
+            </a:lvl5pPr>
+            <a:lvl6pPr>
+              <a:defRPr sz="1200"/>
+            </a:lvl6pPr>
+            <a:lvl7pPr>
+              <a:defRPr sz="1200"/>
+            </a:lvl7pPr>
+            <a:lvl8pPr>
+              <a:defRPr sz="1200"/>
+            </a:lvl8pPr>
+            <a:lvl9pPr>
+              <a:defRPr sz="1200"/>
+            </a:lvl9pPr>
+          </a:lstStyle>
           <a:p>
             <a:pPr lvl="0"/>
             <a:r>
@@ -1372,18 +3903,13 @@
               <a:rPr lang="hu-HU"/>
               <a:t>Ötödik szint</a:t>
             </a:r>
-          </a:p>
-        </p:txBody>
-      </p:sp>
-      <p:sp>
-        <p:nvSpPr>
-          <p:cNvPr id="5" name="Dátum helye 4">
-            <a:extLst>
-              <a:ext uri="{FF2B5EF4-FFF2-40B4-BE49-F238E27FC236}">
-                <a16:creationId xmlns:a16="http://schemas.microsoft.com/office/drawing/2014/main" id="{590ED412-72C5-42D3-84DD-3E86DA43397C}"/>
-              </a:ext>
-            </a:extLst>
-          </p:cNvPr>
+            <a:endParaRPr lang="en-US" dirty="0"/>
+          </a:p>
+        </p:txBody>
+      </p:sp>
+      <p:sp>
+        <p:nvSpPr>
+          <p:cNvPr id="5" name="Date Placeholder 4"/>
           <p:cNvSpPr>
             <a:spLocks noGrp="1"/>
           </p:cNvSpPr>
@@ -1406,13 +3932,7 @@
       </p:sp>
       <p:sp>
         <p:nvSpPr>
-          <p:cNvPr id="6" name="Élőláb helye 5">
-            <a:extLst>
-              <a:ext uri="{FF2B5EF4-FFF2-40B4-BE49-F238E27FC236}">
-                <a16:creationId xmlns:a16="http://schemas.microsoft.com/office/drawing/2014/main" id="{23332AE5-EB2E-4914-A29A-3F9B7FA04EFB}"/>
-              </a:ext>
-            </a:extLst>
-          </p:cNvPr>
+          <p:cNvPr id="6" name="Footer Placeholder 5"/>
           <p:cNvSpPr>
             <a:spLocks noGrp="1"/>
           </p:cNvSpPr>
@@ -1431,13 +3951,7 @@
       </p:sp>
       <p:sp>
         <p:nvSpPr>
-          <p:cNvPr id="7" name="Dia számának helye 6">
-            <a:extLst>
-              <a:ext uri="{FF2B5EF4-FFF2-40B4-BE49-F238E27FC236}">
-                <a16:creationId xmlns:a16="http://schemas.microsoft.com/office/drawing/2014/main" id="{1B951DFC-D6DF-444E-B1D8-356FA7F5C5E1}"/>
-              </a:ext>
-            </a:extLst>
-          </p:cNvPr>
+          <p:cNvPr id="7" name="Slide Number Placeholder 6"/>
           <p:cNvSpPr>
             <a:spLocks noGrp="1"/>
           </p:cNvSpPr>
@@ -1461,7 +3975,7 @@
     </p:spTree>
     <p:extLst>
       <p:ext uri="{BB962C8B-B14F-4D97-AF65-F5344CB8AC3E}">
-        <p14:creationId xmlns:p14="http://schemas.microsoft.com/office/powerpoint/2010/main" val="2680174416"/>
+        <p14:creationId xmlns:p14="http://schemas.microsoft.com/office/powerpoint/2010/main" val="3900008068"/>
       </p:ext>
     </p:extLst>
   </p:cSld>
@@ -1490,65 +4004,62 @@
       </p:grpSpPr>
       <p:sp>
         <p:nvSpPr>
-          <p:cNvPr id="2" name="Cím 1">
-            <a:extLst>
-              <a:ext uri="{FF2B5EF4-FFF2-40B4-BE49-F238E27FC236}">
-                <a16:creationId xmlns:a16="http://schemas.microsoft.com/office/drawing/2014/main" id="{95904868-2530-46A1-B0FE-B8483363280A}"/>
-              </a:ext>
-            </a:extLst>
-          </p:cNvPr>
+          <p:cNvPr id="2" name="Title 1"/>
           <p:cNvSpPr>
             <a:spLocks noGrp="1"/>
           </p:cNvSpPr>
           <p:nvPr>
             <p:ph type="title"/>
+          </p:nvPr>
+        </p:nvSpPr>
+        <p:spPr/>
+        <p:txBody>
+          <a:bodyPr/>
+          <a:lstStyle>
+            <a:lvl1pPr>
+              <a:defRPr/>
+            </a:lvl1pPr>
+          </a:lstStyle>
+          <a:p>
+            <a:r>
+              <a:rPr lang="hu-HU"/>
+              <a:t>Mintacím szerkesztése</a:t>
+            </a:r>
+            <a:endParaRPr lang="en-US" dirty="0"/>
+          </a:p>
+        </p:txBody>
+      </p:sp>
+      <p:sp>
+        <p:nvSpPr>
+          <p:cNvPr id="3" name="Text Placeholder 2"/>
+          <p:cNvSpPr>
+            <a:spLocks noGrp="1"/>
+          </p:cNvSpPr>
+          <p:nvPr>
+            <p:ph type="body" idx="1"/>
           </p:nvPr>
         </p:nvSpPr>
         <p:spPr>
           <a:xfrm>
-            <a:off x="839788" y="365125"/>
-            <a:ext cx="10515600" cy="1325563"/>
+            <a:off x="1103313" y="1905000"/>
+            <a:ext cx="4396338" cy="576262"/>
           </a:xfrm>
         </p:spPr>
         <p:txBody>
-          <a:bodyPr/>
-          <a:lstStyle/>
-          <a:p>
-            <a:r>
-              <a:rPr lang="hu-HU"/>
-              <a:t>Mintacím szerkesztése</a:t>
-            </a:r>
-          </a:p>
-        </p:txBody>
-      </p:sp>
-      <p:sp>
-        <p:nvSpPr>
-          <p:cNvPr id="3" name="Szöveg helye 2">
-            <a:extLst>
-              <a:ext uri="{FF2B5EF4-FFF2-40B4-BE49-F238E27FC236}">
-                <a16:creationId xmlns:a16="http://schemas.microsoft.com/office/drawing/2014/main" id="{BE3630CA-0EB0-4F12-8200-273EB6144974}"/>
-              </a:ext>
-            </a:extLst>
-          </p:cNvPr>
-          <p:cNvSpPr>
-            <a:spLocks noGrp="1"/>
-          </p:cNvSpPr>
-          <p:nvPr>
-            <p:ph type="body" idx="1"/>
-          </p:nvPr>
-        </p:nvSpPr>
-        <p:spPr>
-          <a:xfrm>
-            <a:off x="839788" y="1681163"/>
-            <a:ext cx="5157787" cy="823912"/>
-          </a:xfrm>
-        </p:spPr>
-        <p:txBody>
-          <a:bodyPr anchor="b"/>
+          <a:bodyPr anchor="b">
+            <a:noAutofit/>
+          </a:bodyPr>
           <a:lstStyle>
             <a:lvl1pPr marL="0" indent="0">
               <a:buNone/>
-              <a:defRPr sz="2400" b="1"/>
+              <a:defRPr sz="2400" b="0">
+                <a:solidFill>
+                  <a:schemeClr val="bg2">
+                    <a:lumMod val="40000"/>
+                    <a:lumOff val="60000"/>
+                  </a:schemeClr>
+                </a:solidFill>
+              </a:defRPr>
             </a:lvl1pPr>
             <a:lvl2pPr marL="457200" indent="0">
               <a:buNone/>
@@ -1594,13 +4105,7 @@
       </p:sp>
       <p:sp>
         <p:nvSpPr>
-          <p:cNvPr id="4" name="Tartalom helye 3">
-            <a:extLst>
-              <a:ext uri="{FF2B5EF4-FFF2-40B4-BE49-F238E27FC236}">
-                <a16:creationId xmlns:a16="http://schemas.microsoft.com/office/drawing/2014/main" id="{6BD3E028-2550-460D-A63F-37B61C65A3DE}"/>
-              </a:ext>
-            </a:extLst>
-          </p:cNvPr>
+          <p:cNvPr id="4" name="Content Placeholder 3"/>
           <p:cNvSpPr>
             <a:spLocks noGrp="1"/>
           </p:cNvSpPr>
@@ -1610,13 +4115,43 @@
         </p:nvSpPr>
         <p:spPr>
           <a:xfrm>
-            <a:off x="839788" y="2505075"/>
-            <a:ext cx="5157787" cy="3684588"/>
+            <a:off x="1103312" y="2514600"/>
+            <a:ext cx="4396339" cy="3741738"/>
           </a:xfrm>
         </p:spPr>
         <p:txBody>
-          <a:bodyPr/>
-          <a:lstStyle/>
+          <a:bodyPr>
+            <a:normAutofit/>
+          </a:bodyPr>
+          <a:lstStyle>
+            <a:lvl1pPr>
+              <a:defRPr sz="1800"/>
+            </a:lvl1pPr>
+            <a:lvl2pPr>
+              <a:defRPr sz="1600"/>
+            </a:lvl2pPr>
+            <a:lvl3pPr>
+              <a:defRPr sz="1400"/>
+            </a:lvl3pPr>
+            <a:lvl4pPr>
+              <a:defRPr sz="1200"/>
+            </a:lvl4pPr>
+            <a:lvl5pPr>
+              <a:defRPr sz="1200"/>
+            </a:lvl5pPr>
+            <a:lvl6pPr>
+              <a:defRPr sz="1200"/>
+            </a:lvl6pPr>
+            <a:lvl7pPr>
+              <a:defRPr sz="1200"/>
+            </a:lvl7pPr>
+            <a:lvl8pPr>
+              <a:defRPr sz="1200"/>
+            </a:lvl8pPr>
+            <a:lvl9pPr>
+              <a:defRPr sz="1200"/>
+            </a:lvl9pPr>
+          </a:lstStyle>
           <a:p>
             <a:pPr lvl="0"/>
             <a:r>
@@ -1651,18 +4186,13 @@
               <a:rPr lang="hu-HU"/>
               <a:t>Ötödik szint</a:t>
             </a:r>
-          </a:p>
-        </p:txBody>
-      </p:sp>
-      <p:sp>
-        <p:nvSpPr>
-          <p:cNvPr id="5" name="Szöveg helye 4">
-            <a:extLst>
-              <a:ext uri="{FF2B5EF4-FFF2-40B4-BE49-F238E27FC236}">
-                <a16:creationId xmlns:a16="http://schemas.microsoft.com/office/drawing/2014/main" id="{5081C184-7F18-4F8C-B9D3-D7914CE594DE}"/>
-              </a:ext>
-            </a:extLst>
-          </p:cNvPr>
+            <a:endParaRPr lang="en-US" dirty="0"/>
+          </a:p>
+        </p:txBody>
+      </p:sp>
+      <p:sp>
+        <p:nvSpPr>
+          <p:cNvPr id="5" name="Text Placeholder 4"/>
           <p:cNvSpPr>
             <a:spLocks noGrp="1"/>
           </p:cNvSpPr>
@@ -1672,16 +4202,25 @@
         </p:nvSpPr>
         <p:spPr>
           <a:xfrm>
-            <a:off x="6172200" y="1681163"/>
-            <a:ext cx="5183188" cy="823912"/>
+            <a:off x="5654495" y="1905000"/>
+            <a:ext cx="4396339" cy="576262"/>
           </a:xfrm>
         </p:spPr>
         <p:txBody>
-          <a:bodyPr anchor="b"/>
+          <a:bodyPr anchor="b">
+            <a:noAutofit/>
+          </a:bodyPr>
           <a:lstStyle>
             <a:lvl1pPr marL="0" indent="0">
               <a:buNone/>
-              <a:defRPr sz="2400" b="1"/>
+              <a:defRPr sz="2400" b="0">
+                <a:solidFill>
+                  <a:schemeClr val="bg2">
+                    <a:lumMod val="40000"/>
+                    <a:lumOff val="60000"/>
+                  </a:schemeClr>
+                </a:solidFill>
+              </a:defRPr>
             </a:lvl1pPr>
             <a:lvl2pPr marL="457200" indent="0">
               <a:buNone/>
@@ -1727,13 +4266,7 @@
       </p:sp>
       <p:sp>
         <p:nvSpPr>
-          <p:cNvPr id="6" name="Tartalom helye 5">
-            <a:extLst>
-              <a:ext uri="{FF2B5EF4-FFF2-40B4-BE49-F238E27FC236}">
-                <a16:creationId xmlns:a16="http://schemas.microsoft.com/office/drawing/2014/main" id="{32F65ACB-5F63-4BF1-BDBB-BAF3746091EB}"/>
-              </a:ext>
-            </a:extLst>
-          </p:cNvPr>
+          <p:cNvPr id="6" name="Content Placeholder 5"/>
           <p:cNvSpPr>
             <a:spLocks noGrp="1"/>
           </p:cNvSpPr>
@@ -1743,13 +4276,43 @@
         </p:nvSpPr>
         <p:spPr>
           <a:xfrm>
-            <a:off x="6172200" y="2505075"/>
-            <a:ext cx="5183188" cy="3684588"/>
+            <a:off x="5654495" y="2514600"/>
+            <a:ext cx="4396339" cy="3741738"/>
           </a:xfrm>
         </p:spPr>
         <p:txBody>
-          <a:bodyPr/>
-          <a:lstStyle/>
+          <a:bodyPr>
+            <a:normAutofit/>
+          </a:bodyPr>
+          <a:lstStyle>
+            <a:lvl1pPr>
+              <a:defRPr sz="1800"/>
+            </a:lvl1pPr>
+            <a:lvl2pPr>
+              <a:defRPr sz="1600"/>
+            </a:lvl2pPr>
+            <a:lvl3pPr>
+              <a:defRPr sz="1400"/>
+            </a:lvl3pPr>
+            <a:lvl4pPr>
+              <a:defRPr sz="1200"/>
+            </a:lvl4pPr>
+            <a:lvl5pPr>
+              <a:defRPr sz="1200"/>
+            </a:lvl5pPr>
+            <a:lvl6pPr>
+              <a:defRPr sz="1200"/>
+            </a:lvl6pPr>
+            <a:lvl7pPr>
+              <a:defRPr sz="1200"/>
+            </a:lvl7pPr>
+            <a:lvl8pPr>
+              <a:defRPr sz="1200"/>
+            </a:lvl8pPr>
+            <a:lvl9pPr>
+              <a:defRPr sz="1200"/>
+            </a:lvl9pPr>
+          </a:lstStyle>
           <a:p>
             <a:pPr lvl="0"/>
             <a:r>
@@ -1784,18 +4347,13 @@
               <a:rPr lang="hu-HU"/>
               <a:t>Ötödik szint</a:t>
             </a:r>
-          </a:p>
-        </p:txBody>
-      </p:sp>
-      <p:sp>
-        <p:nvSpPr>
-          <p:cNvPr id="7" name="Dátum helye 6">
-            <a:extLst>
-              <a:ext uri="{FF2B5EF4-FFF2-40B4-BE49-F238E27FC236}">
-                <a16:creationId xmlns:a16="http://schemas.microsoft.com/office/drawing/2014/main" id="{D08B2026-04CC-4AF4-BF06-4BBAA727915B}"/>
-              </a:ext>
-            </a:extLst>
-          </p:cNvPr>
+            <a:endParaRPr lang="en-US" dirty="0"/>
+          </a:p>
+        </p:txBody>
+      </p:sp>
+      <p:sp>
+        <p:nvSpPr>
+          <p:cNvPr id="7" name="Date Placeholder 6"/>
           <p:cNvSpPr>
             <a:spLocks noGrp="1"/>
           </p:cNvSpPr>
@@ -1818,13 +4376,7 @@
       </p:sp>
       <p:sp>
         <p:nvSpPr>
-          <p:cNvPr id="8" name="Élőláb helye 7">
-            <a:extLst>
-              <a:ext uri="{FF2B5EF4-FFF2-40B4-BE49-F238E27FC236}">
-                <a16:creationId xmlns:a16="http://schemas.microsoft.com/office/drawing/2014/main" id="{B0534C89-521F-47C1-86E2-2B10F9F3AE3C}"/>
-              </a:ext>
-            </a:extLst>
-          </p:cNvPr>
+          <p:cNvPr id="8" name="Footer Placeholder 7"/>
           <p:cNvSpPr>
             <a:spLocks noGrp="1"/>
           </p:cNvSpPr>
@@ -1843,13 +4395,7 @@
       </p:sp>
       <p:sp>
         <p:nvSpPr>
-          <p:cNvPr id="9" name="Dia számának helye 8">
-            <a:extLst>
-              <a:ext uri="{FF2B5EF4-FFF2-40B4-BE49-F238E27FC236}">
-                <a16:creationId xmlns:a16="http://schemas.microsoft.com/office/drawing/2014/main" id="{F745C417-BC3F-44C9-BF0F-066E5D25BD92}"/>
-              </a:ext>
-            </a:extLst>
-          </p:cNvPr>
+          <p:cNvPr id="9" name="Slide Number Placeholder 8"/>
           <p:cNvSpPr>
             <a:spLocks noGrp="1"/>
           </p:cNvSpPr>
@@ -1873,7 +4419,7 @@
     </p:spTree>
     <p:extLst>
       <p:ext uri="{BB962C8B-B14F-4D97-AF65-F5344CB8AC3E}">
-        <p14:creationId xmlns:p14="http://schemas.microsoft.com/office/powerpoint/2010/main" val="1501798723"/>
+        <p14:creationId xmlns:p14="http://schemas.microsoft.com/office/powerpoint/2010/main" val="497178794"/>
       </p:ext>
     </p:extLst>
   </p:cSld>
@@ -1902,13 +4448,7 @@
       </p:grpSpPr>
       <p:sp>
         <p:nvSpPr>
-          <p:cNvPr id="2" name="Cím 1">
-            <a:extLst>
-              <a:ext uri="{FF2B5EF4-FFF2-40B4-BE49-F238E27FC236}">
-                <a16:creationId xmlns:a16="http://schemas.microsoft.com/office/drawing/2014/main" id="{6E7D15DD-665B-43A5-8803-67A731EB3860}"/>
-              </a:ext>
-            </a:extLst>
-          </p:cNvPr>
+          <p:cNvPr id="2" name="Title 1"/>
           <p:cNvSpPr>
             <a:spLocks noGrp="1"/>
           </p:cNvSpPr>
@@ -1925,18 +4465,13 @@
               <a:rPr lang="hu-HU"/>
               <a:t>Mintacím szerkesztése</a:t>
             </a:r>
-          </a:p>
-        </p:txBody>
-      </p:sp>
-      <p:sp>
-        <p:nvSpPr>
-          <p:cNvPr id="3" name="Dátum helye 2">
-            <a:extLst>
-              <a:ext uri="{FF2B5EF4-FFF2-40B4-BE49-F238E27FC236}">
-                <a16:creationId xmlns:a16="http://schemas.microsoft.com/office/drawing/2014/main" id="{16D49ECE-3705-4E55-B84A-E9A62B26F017}"/>
-              </a:ext>
-            </a:extLst>
-          </p:cNvPr>
+            <a:endParaRPr lang="en-US" dirty="0"/>
+          </a:p>
+        </p:txBody>
+      </p:sp>
+      <p:sp>
+        <p:nvSpPr>
+          <p:cNvPr id="7" name="Date Placeholder 2"/>
           <p:cNvSpPr>
             <a:spLocks noGrp="1"/>
           </p:cNvSpPr>
@@ -1959,13 +4494,7 @@
       </p:sp>
       <p:sp>
         <p:nvSpPr>
-          <p:cNvPr id="4" name="Élőláb helye 3">
-            <a:extLst>
-              <a:ext uri="{FF2B5EF4-FFF2-40B4-BE49-F238E27FC236}">
-                <a16:creationId xmlns:a16="http://schemas.microsoft.com/office/drawing/2014/main" id="{D3ADD417-1566-4E96-AC74-1193DAFB9C41}"/>
-              </a:ext>
-            </a:extLst>
-          </p:cNvPr>
+          <p:cNvPr id="5" name="Footer Placeholder 3"/>
           <p:cNvSpPr>
             <a:spLocks noGrp="1"/>
           </p:cNvSpPr>
@@ -1984,13 +4513,7 @@
       </p:sp>
       <p:sp>
         <p:nvSpPr>
-          <p:cNvPr id="5" name="Dia számának helye 4">
-            <a:extLst>
-              <a:ext uri="{FF2B5EF4-FFF2-40B4-BE49-F238E27FC236}">
-                <a16:creationId xmlns:a16="http://schemas.microsoft.com/office/drawing/2014/main" id="{B85BCF2A-3A4B-4B62-8C08-DC45ED2B49C0}"/>
-              </a:ext>
-            </a:extLst>
-          </p:cNvPr>
+          <p:cNvPr id="6" name="Slide Number Placeholder 4"/>
           <p:cNvSpPr>
             <a:spLocks noGrp="1"/>
           </p:cNvSpPr>
@@ -2014,7 +4537,7 @@
     </p:spTree>
     <p:extLst>
       <p:ext uri="{BB962C8B-B14F-4D97-AF65-F5344CB8AC3E}">
-        <p14:creationId xmlns:p14="http://schemas.microsoft.com/office/powerpoint/2010/main" val="2528304820"/>
+        <p14:creationId xmlns:p14="http://schemas.microsoft.com/office/powerpoint/2010/main" val="219519948"/>
       </p:ext>
     </p:extLst>
   </p:cSld>
@@ -2043,13 +4566,7 @@
       </p:grpSpPr>
       <p:sp>
         <p:nvSpPr>
-          <p:cNvPr id="2" name="Dátum helye 1">
-            <a:extLst>
-              <a:ext uri="{FF2B5EF4-FFF2-40B4-BE49-F238E27FC236}">
-                <a16:creationId xmlns:a16="http://schemas.microsoft.com/office/drawing/2014/main" id="{DDEA0675-08DF-4563-92D0-150BB698B277}"/>
-              </a:ext>
-            </a:extLst>
-          </p:cNvPr>
+          <p:cNvPr id="7" name="Date Placeholder 1"/>
           <p:cNvSpPr>
             <a:spLocks noGrp="1"/>
           </p:cNvSpPr>
@@ -2072,13 +4589,7 @@
       </p:sp>
       <p:sp>
         <p:nvSpPr>
-          <p:cNvPr id="3" name="Élőláb helye 2">
-            <a:extLst>
-              <a:ext uri="{FF2B5EF4-FFF2-40B4-BE49-F238E27FC236}">
-                <a16:creationId xmlns:a16="http://schemas.microsoft.com/office/drawing/2014/main" id="{98B3EA1E-77BE-41C6-BEDC-9C497895D3CE}"/>
-              </a:ext>
-            </a:extLst>
-          </p:cNvPr>
+          <p:cNvPr id="5" name="Footer Placeholder 2"/>
           <p:cNvSpPr>
             <a:spLocks noGrp="1"/>
           </p:cNvSpPr>
@@ -2097,13 +4608,7 @@
       </p:sp>
       <p:sp>
         <p:nvSpPr>
-          <p:cNvPr id="4" name="Dia számának helye 3">
-            <a:extLst>
-              <a:ext uri="{FF2B5EF4-FFF2-40B4-BE49-F238E27FC236}">
-                <a16:creationId xmlns:a16="http://schemas.microsoft.com/office/drawing/2014/main" id="{08792113-6A12-4393-8B8C-94EF40D177D6}"/>
-              </a:ext>
-            </a:extLst>
-          </p:cNvPr>
+          <p:cNvPr id="6" name="Slide Number Placeholder 3"/>
           <p:cNvSpPr>
             <a:spLocks noGrp="1"/>
           </p:cNvSpPr>
@@ -2127,7 +4632,7 @@
     </p:spTree>
     <p:extLst>
       <p:ext uri="{BB962C8B-B14F-4D97-AF65-F5344CB8AC3E}">
-        <p14:creationId xmlns:p14="http://schemas.microsoft.com/office/powerpoint/2010/main" val="212248389"/>
+        <p14:creationId xmlns:p14="http://schemas.microsoft.com/office/powerpoint/2010/main" val="3007508158"/>
       </p:ext>
     </p:extLst>
   </p:cSld>
@@ -2156,13 +4661,7 @@
       </p:grpSpPr>
       <p:sp>
         <p:nvSpPr>
-          <p:cNvPr id="2" name="Cím 1">
-            <a:extLst>
-              <a:ext uri="{FF2B5EF4-FFF2-40B4-BE49-F238E27FC236}">
-                <a16:creationId xmlns:a16="http://schemas.microsoft.com/office/drawing/2014/main" id="{EABA7BFC-EDEC-43B0-A2C6-709E8E3DF5EE}"/>
-              </a:ext>
-            </a:extLst>
-          </p:cNvPr>
+          <p:cNvPr id="2" name="Title 1"/>
           <p:cNvSpPr>
             <a:spLocks noGrp="1"/>
           </p:cNvSpPr>
@@ -2172,15 +4671,15 @@
         </p:nvSpPr>
         <p:spPr>
           <a:xfrm>
-            <a:off x="839788" y="457200"/>
-            <a:ext cx="3932237" cy="1600200"/>
+            <a:off x="1154953" y="1447800"/>
+            <a:ext cx="3401064" cy="1447800"/>
           </a:xfrm>
         </p:spPr>
         <p:txBody>
           <a:bodyPr anchor="b"/>
           <a:lstStyle>
-            <a:lvl1pPr>
-              <a:defRPr sz="3200"/>
+            <a:lvl1pPr algn="l">
+              <a:defRPr sz="2400" b="0"/>
             </a:lvl1pPr>
           </a:lstStyle>
           <a:p>
@@ -2188,18 +4687,13 @@
               <a:rPr lang="hu-HU"/>
               <a:t>Mintacím szerkesztése</a:t>
             </a:r>
-          </a:p>
-        </p:txBody>
-      </p:sp>
-      <p:sp>
-        <p:nvSpPr>
-          <p:cNvPr id="3" name="Tartalom helye 2">
-            <a:extLst>
-              <a:ext uri="{FF2B5EF4-FFF2-40B4-BE49-F238E27FC236}">
-                <a16:creationId xmlns:a16="http://schemas.microsoft.com/office/drawing/2014/main" id="{F167D9E5-E938-42D8-A88A-D7C23F9E921D}"/>
-              </a:ext>
-            </a:extLst>
-          </p:cNvPr>
+            <a:endParaRPr lang="en-US" dirty="0"/>
+          </a:p>
+        </p:txBody>
+      </p:sp>
+      <p:sp>
+        <p:nvSpPr>
+          <p:cNvPr id="3" name="Content Placeholder 2"/>
           <p:cNvSpPr>
             <a:spLocks noGrp="1"/>
           </p:cNvSpPr>
@@ -2209,39 +4703,41 @@
         </p:nvSpPr>
         <p:spPr>
           <a:xfrm>
-            <a:off x="5183188" y="987425"/>
-            <a:ext cx="6172200" cy="4873625"/>
+            <a:off x="4784616" y="1447800"/>
+            <a:ext cx="5195997" cy="4572000"/>
           </a:xfrm>
         </p:spPr>
         <p:txBody>
-          <a:bodyPr/>
+          <a:bodyPr anchor="ctr">
+            <a:normAutofit/>
+          </a:bodyPr>
           <a:lstStyle>
             <a:lvl1pPr>
-              <a:defRPr sz="3200"/>
+              <a:defRPr sz="2000"/>
             </a:lvl1pPr>
             <a:lvl2pPr>
-              <a:defRPr sz="2800"/>
+              <a:defRPr sz="1800"/>
             </a:lvl2pPr>
             <a:lvl3pPr>
-              <a:defRPr sz="2400"/>
+              <a:defRPr sz="1600"/>
             </a:lvl3pPr>
             <a:lvl4pPr>
-              <a:defRPr sz="2000"/>
+              <a:defRPr sz="1400"/>
             </a:lvl4pPr>
             <a:lvl5pPr>
-              <a:defRPr sz="2000"/>
+              <a:defRPr sz="1400"/>
             </a:lvl5pPr>
             <a:lvl6pPr>
-              <a:defRPr sz="2000"/>
+              <a:defRPr sz="1400"/>
             </a:lvl6pPr>
             <a:lvl7pPr>
-              <a:defRPr sz="2000"/>
+              <a:defRPr sz="1400"/>
             </a:lvl7pPr>
             <a:lvl8pPr>
-              <a:defRPr sz="2000"/>
+              <a:defRPr sz="1400"/>
             </a:lvl8pPr>
             <a:lvl9pPr>
-              <a:defRPr sz="2000"/>
+              <a:defRPr sz="1400"/>
             </a:lvl9pPr>
           </a:lstStyle>
           <a:p>
@@ -2278,18 +4774,13 @@
               <a:rPr lang="hu-HU"/>
               <a:t>Ötödik szint</a:t>
             </a:r>
-          </a:p>
-        </p:txBody>
-      </p:sp>
-      <p:sp>
-        <p:nvSpPr>
-          <p:cNvPr id="4" name="Szöveg helye 3">
-            <a:extLst>
-              <a:ext uri="{FF2B5EF4-FFF2-40B4-BE49-F238E27FC236}">
-                <a16:creationId xmlns:a16="http://schemas.microsoft.com/office/drawing/2014/main" id="{E1E5D8AC-EB8B-4C52-8178-F6518FC39540}"/>
-              </a:ext>
-            </a:extLst>
-          </p:cNvPr>
+            <a:endParaRPr lang="en-US" dirty="0"/>
+          </a:p>
+        </p:txBody>
+      </p:sp>
+      <p:sp>
+        <p:nvSpPr>
+          <p:cNvPr id="4" name="Text Placeholder 3"/>
           <p:cNvSpPr>
             <a:spLocks noGrp="1"/>
           </p:cNvSpPr>
@@ -2299,8 +4790,8 @@
         </p:nvSpPr>
         <p:spPr>
           <a:xfrm>
-            <a:off x="839788" y="2057400"/>
-            <a:ext cx="3932237" cy="3811588"/>
+            <a:off x="1154953" y="3129280"/>
+            <a:ext cx="3401063" cy="2895599"/>
           </a:xfrm>
         </p:spPr>
         <p:txBody>
@@ -2308,39 +4799,39 @@
           <a:lstStyle>
             <a:lvl1pPr marL="0" indent="0">
               <a:buNone/>
-              <a:defRPr sz="1600"/>
+              <a:defRPr sz="1400"/>
             </a:lvl1pPr>
             <a:lvl2pPr marL="457200" indent="0">
               <a:buNone/>
-              <a:defRPr sz="1400"/>
+              <a:defRPr sz="1200"/>
             </a:lvl2pPr>
             <a:lvl3pPr marL="914400" indent="0">
               <a:buNone/>
-              <a:defRPr sz="1200"/>
+              <a:defRPr sz="1000"/>
             </a:lvl3pPr>
             <a:lvl4pPr marL="1371600" indent="0">
               <a:buNone/>
-              <a:defRPr sz="1000"/>
+              <a:defRPr sz="900"/>
             </a:lvl4pPr>
             <a:lvl5pPr marL="1828800" indent="0">
               <a:buNone/>
-              <a:defRPr sz="1000"/>
+              <a:defRPr sz="900"/>
             </a:lvl5pPr>
             <a:lvl6pPr marL="2286000" indent="0">
               <a:buNone/>
-              <a:defRPr sz="1000"/>
+              <a:defRPr sz="900"/>
             </a:lvl6pPr>
             <a:lvl7pPr marL="2743200" indent="0">
               <a:buNone/>
-              <a:defRPr sz="1000"/>
+              <a:defRPr sz="900"/>
             </a:lvl7pPr>
             <a:lvl8pPr marL="3200400" indent="0">
               <a:buNone/>
-              <a:defRPr sz="1000"/>
+              <a:defRPr sz="900"/>
             </a:lvl8pPr>
             <a:lvl9pPr marL="3657600" indent="0">
               <a:buNone/>
-              <a:defRPr sz="1000"/>
+              <a:defRPr sz="900"/>
             </a:lvl9pPr>
           </a:lstStyle>
           <a:p>
@@ -2354,13 +4845,7 @@
       </p:sp>
       <p:sp>
         <p:nvSpPr>
-          <p:cNvPr id="5" name="Dátum helye 4">
-            <a:extLst>
-              <a:ext uri="{FF2B5EF4-FFF2-40B4-BE49-F238E27FC236}">
-                <a16:creationId xmlns:a16="http://schemas.microsoft.com/office/drawing/2014/main" id="{CF4710E0-1DB1-4731-A711-C7FB1D0FB4F0}"/>
-              </a:ext>
-            </a:extLst>
-          </p:cNvPr>
+          <p:cNvPr id="7" name="Date Placeholder 4"/>
           <p:cNvSpPr>
             <a:spLocks noGrp="1"/>
           </p:cNvSpPr>
@@ -2383,13 +4868,7 @@
       </p:sp>
       <p:sp>
         <p:nvSpPr>
-          <p:cNvPr id="6" name="Élőláb helye 5">
-            <a:extLst>
-              <a:ext uri="{FF2B5EF4-FFF2-40B4-BE49-F238E27FC236}">
-                <a16:creationId xmlns:a16="http://schemas.microsoft.com/office/drawing/2014/main" id="{94D361F8-B84C-4446-B1BD-D2E52DBE01CF}"/>
-              </a:ext>
-            </a:extLst>
-          </p:cNvPr>
+          <p:cNvPr id="5" name="Footer Placeholder 5"/>
           <p:cNvSpPr>
             <a:spLocks noGrp="1"/>
           </p:cNvSpPr>
@@ -2408,13 +4887,7 @@
       </p:sp>
       <p:sp>
         <p:nvSpPr>
-          <p:cNvPr id="7" name="Dia számának helye 6">
-            <a:extLst>
-              <a:ext uri="{FF2B5EF4-FFF2-40B4-BE49-F238E27FC236}">
-                <a16:creationId xmlns:a16="http://schemas.microsoft.com/office/drawing/2014/main" id="{5DA34762-CFE1-4DD7-8718-1BBBB7FBA802}"/>
-              </a:ext>
-            </a:extLst>
-          </p:cNvPr>
+          <p:cNvPr id="6" name="Slide Number Placeholder 6"/>
           <p:cNvSpPr>
             <a:spLocks noGrp="1"/>
           </p:cNvSpPr>
@@ -2438,7 +4911,7 @@
     </p:spTree>
     <p:extLst>
       <p:ext uri="{BB962C8B-B14F-4D97-AF65-F5344CB8AC3E}">
-        <p14:creationId xmlns:p14="http://schemas.microsoft.com/office/powerpoint/2010/main" val="767870006"/>
+        <p14:creationId xmlns:p14="http://schemas.microsoft.com/office/powerpoint/2010/main" val="263936940"/>
       </p:ext>
     </p:extLst>
   </p:cSld>
@@ -2467,13 +4940,7 @@
       </p:grpSpPr>
       <p:sp>
         <p:nvSpPr>
-          <p:cNvPr id="2" name="Cím 1">
-            <a:extLst>
-              <a:ext uri="{FF2B5EF4-FFF2-40B4-BE49-F238E27FC236}">
-                <a16:creationId xmlns:a16="http://schemas.microsoft.com/office/drawing/2014/main" id="{03450036-84B8-43D4-8E56-3878ECE8FF7F}"/>
-              </a:ext>
-            </a:extLst>
-          </p:cNvPr>
+          <p:cNvPr id="2" name="Title 1"/>
           <p:cNvSpPr>
             <a:spLocks noGrp="1"/>
           </p:cNvSpPr>
@@ -2483,15 +4950,17 @@
         </p:nvSpPr>
         <p:spPr>
           <a:xfrm>
-            <a:off x="839788" y="457200"/>
-            <a:ext cx="3932237" cy="1600200"/>
+            <a:off x="1153907" y="1854192"/>
+            <a:ext cx="5092906" cy="1574808"/>
           </a:xfrm>
         </p:spPr>
         <p:txBody>
-          <a:bodyPr anchor="b"/>
+          <a:bodyPr anchor="b">
+            <a:normAutofit/>
+          </a:bodyPr>
           <a:lstStyle>
-            <a:lvl1pPr>
-              <a:defRPr sz="3200"/>
+            <a:lvl1pPr algn="l">
+              <a:defRPr sz="3600" b="0"/>
             </a:lvl1pPr>
           </a:lstStyle>
           <a:p>
@@ -2499,20 +4968,15 @@
               <a:rPr lang="hu-HU"/>
               <a:t>Mintacím szerkesztése</a:t>
             </a:r>
-          </a:p>
-        </p:txBody>
-      </p:sp>
-      <p:sp>
-        <p:nvSpPr>
-          <p:cNvPr id="3" name="Kép helye 2">
-            <a:extLst>
-              <a:ext uri="{FF2B5EF4-FFF2-40B4-BE49-F238E27FC236}">
-                <a16:creationId xmlns:a16="http://schemas.microsoft.com/office/drawing/2014/main" id="{582C15F7-189E-4BC0-AB1E-3656BC2F6002}"/>
-              </a:ext>
-            </a:extLst>
-          </p:cNvPr>
-          <p:cNvSpPr>
-            <a:spLocks noGrp="1"/>
+            <a:endParaRPr lang="en-US" dirty="0"/>
+          </a:p>
+        </p:txBody>
+      </p:sp>
+      <p:sp>
+        <p:nvSpPr>
+          <p:cNvPr id="3" name="Picture Placeholder 2"/>
+          <p:cNvSpPr>
+            <a:spLocks noGrp="1" noChangeAspect="1"/>
           </p:cNvSpPr>
           <p:nvPr>
             <p:ph type="pic" idx="1"/>
@@ -2520,118 +4984,132 @@
         </p:nvSpPr>
         <p:spPr>
           <a:xfrm>
-            <a:off x="5183188" y="987425"/>
-            <a:ext cx="6172200" cy="4873625"/>
+            <a:off x="6949546" y="1143000"/>
+            <a:ext cx="3200400" cy="4572000"/>
           </a:xfrm>
+          <a:prstGeom prst="roundRect">
+            <a:avLst>
+              <a:gd name="adj" fmla="val 1858"/>
+            </a:avLst>
+          </a:prstGeom>
+          <a:effectLst>
+            <a:outerShdw blurRad="50800" dist="50800" dir="5400000" algn="tl" rotWithShape="0">
+              <a:srgbClr val="000000">
+                <a:alpha val="43000"/>
+              </a:srgbClr>
+            </a:outerShdw>
+          </a:effectLst>
         </p:spPr>
         <p:txBody>
-          <a:bodyPr/>
+          <a:bodyPr anchor="t">
+            <a:normAutofit/>
+          </a:bodyPr>
           <a:lstStyle>
-            <a:lvl1pPr marL="0" indent="0">
-              <a:buNone/>
-              <a:defRPr sz="3200"/>
-            </a:lvl1pPr>
-            <a:lvl2pPr marL="457200" indent="0">
-              <a:buNone/>
-              <a:defRPr sz="2800"/>
-            </a:lvl2pPr>
-            <a:lvl3pPr marL="914400" indent="0">
-              <a:buNone/>
-              <a:defRPr sz="2400"/>
-            </a:lvl3pPr>
-            <a:lvl4pPr marL="1371600" indent="0">
-              <a:buNone/>
-              <a:defRPr sz="2000"/>
-            </a:lvl4pPr>
-            <a:lvl5pPr marL="1828800" indent="0">
-              <a:buNone/>
-              <a:defRPr sz="2000"/>
-            </a:lvl5pPr>
-            <a:lvl6pPr marL="2286000" indent="0">
-              <a:buNone/>
-              <a:defRPr sz="2000"/>
-            </a:lvl6pPr>
-            <a:lvl7pPr marL="2743200" indent="0">
-              <a:buNone/>
-              <a:defRPr sz="2000"/>
-            </a:lvl7pPr>
-            <a:lvl8pPr marL="3200400" indent="0">
-              <a:buNone/>
-              <a:defRPr sz="2000"/>
-            </a:lvl8pPr>
-            <a:lvl9pPr marL="3657600" indent="0">
-              <a:buNone/>
-              <a:defRPr sz="2000"/>
-            </a:lvl9pPr>
-          </a:lstStyle>
-          <a:p>
-            <a:endParaRPr lang="hu-HU"/>
-          </a:p>
-        </p:txBody>
-      </p:sp>
-      <p:sp>
-        <p:nvSpPr>
-          <p:cNvPr id="4" name="Szöveg helye 3">
-            <a:extLst>
-              <a:ext uri="{FF2B5EF4-FFF2-40B4-BE49-F238E27FC236}">
-                <a16:creationId xmlns:a16="http://schemas.microsoft.com/office/drawing/2014/main" id="{9D50AD3E-BF35-471E-BD59-1D012B247030}"/>
-              </a:ext>
-            </a:extLst>
-          </p:cNvPr>
-          <p:cNvSpPr>
-            <a:spLocks noGrp="1"/>
-          </p:cNvSpPr>
-          <p:nvPr>
-            <p:ph type="body" sz="half" idx="2"/>
-          </p:nvPr>
-        </p:nvSpPr>
-        <p:spPr>
-          <a:xfrm>
-            <a:off x="839788" y="2057400"/>
-            <a:ext cx="3932237" cy="3811588"/>
-          </a:xfrm>
-        </p:spPr>
-        <p:txBody>
-          <a:bodyPr/>
-          <a:lstStyle>
-            <a:lvl1pPr marL="0" indent="0">
+            <a:lvl1pPr marL="0" indent="0" algn="ctr">
               <a:buNone/>
               <a:defRPr sz="1600"/>
             </a:lvl1pPr>
             <a:lvl2pPr marL="457200" indent="0">
               <a:buNone/>
-              <a:defRPr sz="1400"/>
+              <a:defRPr sz="1600"/>
             </a:lvl2pPr>
             <a:lvl3pPr marL="914400" indent="0">
               <a:buNone/>
-              <a:defRPr sz="1200"/>
+              <a:defRPr sz="1600"/>
             </a:lvl3pPr>
             <a:lvl4pPr marL="1371600" indent="0">
               <a:buNone/>
-              <a:defRPr sz="1000"/>
+              <a:defRPr sz="1600"/>
             </a:lvl4pPr>
             <a:lvl5pPr marL="1828800" indent="0">
               <a:buNone/>
-              <a:defRPr sz="1000"/>
+              <a:defRPr sz="1600"/>
             </a:lvl5pPr>
             <a:lvl6pPr marL="2286000" indent="0">
               <a:buNone/>
-              <a:defRPr sz="1000"/>
+              <a:defRPr sz="1600"/>
             </a:lvl6pPr>
             <a:lvl7pPr marL="2743200" indent="0">
               <a:buNone/>
-              <a:defRPr sz="1000"/>
+              <a:defRPr sz="1600"/>
             </a:lvl7pPr>
             <a:lvl8pPr marL="3200400" indent="0">
               <a:buNone/>
-              <a:defRPr sz="1000"/>
+              <a:defRPr sz="1600"/>
             </a:lvl8pPr>
             <a:lvl9pPr marL="3657600" indent="0">
               <a:buNone/>
-              <a:defRPr sz="1000"/>
+              <a:defRPr sz="1600"/>
             </a:lvl9pPr>
           </a:lstStyle>
           <a:p>
+            <a:r>
+              <a:rPr lang="hu-HU"/>
+              <a:t>Kép beszúrásához kattintson az ikonra</a:t>
+            </a:r>
+            <a:endParaRPr lang="en-US" dirty="0"/>
+          </a:p>
+        </p:txBody>
+      </p:sp>
+      <p:sp>
+        <p:nvSpPr>
+          <p:cNvPr id="4" name="Text Placeholder 3"/>
+          <p:cNvSpPr>
+            <a:spLocks noGrp="1"/>
+          </p:cNvSpPr>
+          <p:nvPr>
+            <p:ph type="body" sz="half" idx="2"/>
+          </p:nvPr>
+        </p:nvSpPr>
+        <p:spPr>
+          <a:xfrm>
+            <a:off x="1154954" y="3657600"/>
+            <a:ext cx="5084979" cy="1371600"/>
+          </a:xfrm>
+        </p:spPr>
+        <p:txBody>
+          <a:bodyPr>
+            <a:normAutofit/>
+          </a:bodyPr>
+          <a:lstStyle>
+            <a:lvl1pPr marL="0" indent="0">
+              <a:buNone/>
+              <a:defRPr sz="1400"/>
+            </a:lvl1pPr>
+            <a:lvl2pPr marL="457200" indent="0">
+              <a:buNone/>
+              <a:defRPr sz="1200"/>
+            </a:lvl2pPr>
+            <a:lvl3pPr marL="914400" indent="0">
+              <a:buNone/>
+              <a:defRPr sz="1000"/>
+            </a:lvl3pPr>
+            <a:lvl4pPr marL="1371600" indent="0">
+              <a:buNone/>
+              <a:defRPr sz="900"/>
+            </a:lvl4pPr>
+            <a:lvl5pPr marL="1828800" indent="0">
+              <a:buNone/>
+              <a:defRPr sz="900"/>
+            </a:lvl5pPr>
+            <a:lvl6pPr marL="2286000" indent="0">
+              <a:buNone/>
+              <a:defRPr sz="900"/>
+            </a:lvl6pPr>
+            <a:lvl7pPr marL="2743200" indent="0">
+              <a:buNone/>
+              <a:defRPr sz="900"/>
+            </a:lvl7pPr>
+            <a:lvl8pPr marL="3200400" indent="0">
+              <a:buNone/>
+              <a:defRPr sz="900"/>
+            </a:lvl8pPr>
+            <a:lvl9pPr marL="3657600" indent="0">
+              <a:buNone/>
+              <a:defRPr sz="900"/>
+            </a:lvl9pPr>
+          </a:lstStyle>
+          <a:p>
             <a:pPr lvl="0"/>
             <a:r>
               <a:rPr lang="hu-HU"/>
@@ -2642,13 +5120,7 @@
       </p:sp>
       <p:sp>
         <p:nvSpPr>
-          <p:cNvPr id="5" name="Dátum helye 4">
-            <a:extLst>
-              <a:ext uri="{FF2B5EF4-FFF2-40B4-BE49-F238E27FC236}">
-                <a16:creationId xmlns:a16="http://schemas.microsoft.com/office/drawing/2014/main" id="{508545D0-F357-493E-B5BA-55CEAA1F66C3}"/>
-              </a:ext>
-            </a:extLst>
-          </p:cNvPr>
+          <p:cNvPr id="5" name="Date Placeholder 4"/>
           <p:cNvSpPr>
             <a:spLocks noGrp="1"/>
           </p:cNvSpPr>
@@ -2671,13 +5143,7 @@
       </p:sp>
       <p:sp>
         <p:nvSpPr>
-          <p:cNvPr id="6" name="Élőláb helye 5">
-            <a:extLst>
-              <a:ext uri="{FF2B5EF4-FFF2-40B4-BE49-F238E27FC236}">
-                <a16:creationId xmlns:a16="http://schemas.microsoft.com/office/drawing/2014/main" id="{568BFDE6-8F46-4435-ADCF-C81EB7B65C25}"/>
-              </a:ext>
-            </a:extLst>
-          </p:cNvPr>
+          <p:cNvPr id="6" name="Footer Placeholder 5"/>
           <p:cNvSpPr>
             <a:spLocks noGrp="1"/>
           </p:cNvSpPr>
@@ -2696,13 +5162,7 @@
       </p:sp>
       <p:sp>
         <p:nvSpPr>
-          <p:cNvPr id="7" name="Dia számának helye 6">
-            <a:extLst>
-              <a:ext uri="{FF2B5EF4-FFF2-40B4-BE49-F238E27FC236}">
-                <a16:creationId xmlns:a16="http://schemas.microsoft.com/office/drawing/2014/main" id="{B0D66784-C932-4A32-B097-65227BFC2871}"/>
-              </a:ext>
-            </a:extLst>
-          </p:cNvPr>
+          <p:cNvPr id="7" name="Slide Number Placeholder 6"/>
           <p:cNvSpPr>
             <a:spLocks noGrp="1"/>
           </p:cNvSpPr>
@@ -2726,7 +5186,7 @@
     </p:spTree>
     <p:extLst>
       <p:ext uri="{BB962C8B-B14F-4D97-AF65-F5344CB8AC3E}">
-        <p14:creationId xmlns:p14="http://schemas.microsoft.com/office/powerpoint/2010/main" val="3551364626"/>
+        <p14:creationId xmlns:p14="http://schemas.microsoft.com/office/powerpoint/2010/main" val="2624387635"/>
       </p:ext>
     </p:extLst>
   </p:cSld>
@@ -2740,8 +5200,8 @@
 <p:sldMaster xmlns:a="http://schemas.openxmlformats.org/drawingml/2006/main" xmlns:r="http://schemas.openxmlformats.org/officeDocument/2006/relationships" xmlns:p="http://schemas.openxmlformats.org/presentationml/2006/main">
   <p:cSld>
     <p:bg>
-      <p:bgRef idx="1001">
-        <a:schemeClr val="bg1"/>
+      <p:bgRef idx="1003">
+        <a:schemeClr val="bg2"/>
       </p:bgRef>
     </p:bg>
     <p:spTree>
@@ -2758,144 +5218,344 @@
           <a:chExt cx="0" cy="0"/>
         </a:xfrm>
       </p:grpSpPr>
-      <p:sp>
-        <p:nvSpPr>
-          <p:cNvPr id="2" name="Cím helye 1">
+      <p:pic>
+        <p:nvPicPr>
+          <p:cNvPr id="8" name="Picture 7"/>
+          <p:cNvPicPr>
+            <a:picLocks noChangeAspect="1"/>
+          </p:cNvPicPr>
+          <p:nvPr/>
+        </p:nvPicPr>
+        <p:blipFill rotWithShape="1">
+          <a:blip r:embed="rId19">
             <a:extLst>
-              <a:ext uri="{FF2B5EF4-FFF2-40B4-BE49-F238E27FC236}">
-                <a16:creationId xmlns:a16="http://schemas.microsoft.com/office/drawing/2014/main" id="{51BD6845-7D16-49E3-86CD-69A9DD497AD6}"/>
+              <a:ext uri="{28A0092B-C50C-407E-A947-70E740481C1C}">
+                <a14:useLocalDpi xmlns:a14="http://schemas.microsoft.com/office/drawing/2010/main" val="0"/>
               </a:ext>
             </a:extLst>
-          </p:cNvPr>
-          <p:cNvSpPr>
-            <a:spLocks noGrp="1"/>
-          </p:cNvSpPr>
-          <p:nvPr>
-            <p:ph type="title"/>
-          </p:nvPr>
-        </p:nvSpPr>
+          </a:blip>
+          <a:srcRect l="3613"/>
+          <a:stretch/>
+        </p:blipFill>
         <p:spPr>
           <a:xfrm>
-            <a:off x="838200" y="365125"/>
-            <a:ext cx="10515600" cy="1325563"/>
+            <a:off x="0" y="2669685"/>
+            <a:ext cx="4037012" cy="4188315"/>
           </a:xfrm>
           <a:prstGeom prst="rect">
             <a:avLst/>
           </a:prstGeom>
         </p:spPr>
-        <p:txBody>
-          <a:bodyPr vert="horz" lIns="91440" tIns="45720" rIns="91440" bIns="45720" rtlCol="0" anchor="ctr">
-            <a:normAutofit/>
-          </a:bodyPr>
-          <a:lstStyle/>
-          <a:p>
-            <a:r>
-              <a:rPr lang="hu-HU"/>
-              <a:t>Mintacím szerkesztése</a:t>
-            </a:r>
-          </a:p>
-        </p:txBody>
-      </p:sp>
-      <p:sp>
-        <p:nvSpPr>
-          <p:cNvPr id="3" name="Szöveg helye 2">
+      </p:pic>
+      <p:pic>
+        <p:nvPicPr>
+          <p:cNvPr id="7" name="Picture 6"/>
+          <p:cNvPicPr>
+            <a:picLocks noChangeAspect="1"/>
+          </p:cNvPicPr>
+          <p:nvPr/>
+        </p:nvPicPr>
+        <p:blipFill rotWithShape="1">
+          <a:blip r:embed="rId20">
             <a:extLst>
-              <a:ext uri="{FF2B5EF4-FFF2-40B4-BE49-F238E27FC236}">
-                <a16:creationId xmlns:a16="http://schemas.microsoft.com/office/drawing/2014/main" id="{A9C7AA57-C1A6-43F2-8EDA-496E3989BE8B}"/>
+              <a:ext uri="{28A0092B-C50C-407E-A947-70E740481C1C}">
+                <a14:useLocalDpi xmlns:a14="http://schemas.microsoft.com/office/drawing/2010/main" val="0"/>
               </a:ext>
             </a:extLst>
-          </p:cNvPr>
-          <p:cNvSpPr>
-            <a:spLocks noGrp="1"/>
-          </p:cNvSpPr>
-          <p:nvPr>
-            <p:ph type="body" idx="1"/>
-          </p:nvPr>
-        </p:nvSpPr>
+          </a:blip>
+          <a:srcRect l="35640"/>
+          <a:stretch/>
+        </p:blipFill>
         <p:spPr>
           <a:xfrm>
-            <a:off x="838200" y="1825625"/>
-            <a:ext cx="10515600" cy="4351338"/>
+            <a:off x="0" y="2892347"/>
+            <a:ext cx="1522412" cy="2365453"/>
           </a:xfrm>
           <a:prstGeom prst="rect">
             <a:avLst/>
           </a:prstGeom>
         </p:spPr>
-        <p:txBody>
-          <a:bodyPr vert="horz" lIns="91440" tIns="45720" rIns="91440" bIns="45720" rtlCol="0">
-            <a:normAutofit/>
-          </a:bodyPr>
-          <a:lstStyle/>
-          <a:p>
-            <a:pPr lvl="0"/>
-            <a:r>
-              <a:rPr lang="hu-HU"/>
-              <a:t>Mintaszöveg szerkesztése</a:t>
-            </a:r>
-          </a:p>
-          <a:p>
-            <a:pPr lvl="1"/>
-            <a:r>
-              <a:rPr lang="hu-HU"/>
-              <a:t>Második szint</a:t>
-            </a:r>
-          </a:p>
-          <a:p>
-            <a:pPr lvl="2"/>
-            <a:r>
-              <a:rPr lang="hu-HU"/>
-              <a:t>Harmadik szint</a:t>
-            </a:r>
-          </a:p>
-          <a:p>
-            <a:pPr lvl="3"/>
-            <a:r>
-              <a:rPr lang="hu-HU"/>
-              <a:t>Negyedik szint</a:t>
-            </a:r>
-          </a:p>
-          <a:p>
-            <a:pPr lvl="4"/>
-            <a:r>
-              <a:rPr lang="hu-HU"/>
-              <a:t>Ötödik szint</a:t>
-            </a:r>
-          </a:p>
-        </p:txBody>
-      </p:sp>
-      <p:sp>
-        <p:nvSpPr>
-          <p:cNvPr id="4" name="Dátum helye 3">
+      </p:pic>
+      <p:sp>
+        <p:nvSpPr>
+          <p:cNvPr id="16" name="Oval 15"/>
+          <p:cNvSpPr/>
+          <p:nvPr/>
+        </p:nvSpPr>
+        <p:spPr>
+          <a:xfrm>
+            <a:off x="8609012" y="1676400"/>
+            <a:ext cx="2819400" cy="2819400"/>
+          </a:xfrm>
+          <a:prstGeom prst="ellipse">
+            <a:avLst/>
+          </a:prstGeom>
+          <a:gradFill flip="none" rotWithShape="1">
+            <a:gsLst>
+              <a:gs pos="0">
+                <a:schemeClr val="bg2">
+                  <a:lumMod val="60000"/>
+                  <a:lumOff val="40000"/>
+                  <a:alpha val="7000"/>
+                </a:schemeClr>
+              </a:gs>
+              <a:gs pos="69000">
+                <a:schemeClr val="bg2">
+                  <a:lumMod val="60000"/>
+                  <a:lumOff val="40000"/>
+                  <a:alpha val="0"/>
+                </a:schemeClr>
+              </a:gs>
+              <a:gs pos="36000">
+                <a:schemeClr val="bg2">
+                  <a:lumMod val="60000"/>
+                  <a:lumOff val="40000"/>
+                  <a:alpha val="6000"/>
+                </a:schemeClr>
+              </a:gs>
+            </a:gsLst>
+            <a:path path="circle">
+              <a:fillToRect l="50000" t="50000" r="50000" b="50000"/>
+            </a:path>
+            <a:tileRect/>
+          </a:gradFill>
+          <a:ln>
+            <a:noFill/>
+          </a:ln>
+          <a:effectLst/>
+        </p:spPr>
+        <p:style>
+          <a:lnRef idx="1">
+            <a:schemeClr val="accent1"/>
+          </a:lnRef>
+          <a:fillRef idx="3">
+            <a:schemeClr val="accent1"/>
+          </a:fillRef>
+          <a:effectRef idx="2">
+            <a:schemeClr val="accent1"/>
+          </a:effectRef>
+          <a:fontRef idx="minor">
+            <a:schemeClr val="lt1"/>
+          </a:fontRef>
+        </p:style>
+      </p:sp>
+      <p:pic>
+        <p:nvPicPr>
+          <p:cNvPr id="9" name="Picture 8"/>
+          <p:cNvPicPr>
+            <a:picLocks noChangeAspect="1"/>
+          </p:cNvPicPr>
+          <p:nvPr/>
+        </p:nvPicPr>
+        <p:blipFill rotWithShape="1">
+          <a:blip r:embed="rId21">
             <a:extLst>
-              <a:ext uri="{FF2B5EF4-FFF2-40B4-BE49-F238E27FC236}">
-                <a16:creationId xmlns:a16="http://schemas.microsoft.com/office/drawing/2014/main" id="{BF09578C-47CF-433B-808B-2FEA8A4848AF}"/>
+              <a:ext uri="{28A0092B-C50C-407E-A947-70E740481C1C}">
+                <a14:useLocalDpi xmlns:a14="http://schemas.microsoft.com/office/drawing/2010/main" val="0"/>
               </a:ext>
             </a:extLst>
-          </p:cNvPr>
-          <p:cNvSpPr>
-            <a:spLocks noGrp="1"/>
-          </p:cNvSpPr>
-          <p:nvPr>
-            <p:ph type="dt" sz="half" idx="2"/>
-          </p:nvPr>
-        </p:nvSpPr>
+          </a:blip>
+          <a:srcRect t="28813"/>
+          <a:stretch/>
+        </p:blipFill>
         <p:spPr>
           <a:xfrm>
-            <a:off x="838200" y="6356350"/>
-            <a:ext cx="2743200" cy="365125"/>
+            <a:off x="7999412" y="0"/>
+            <a:ext cx="1603387" cy="1141407"/>
           </a:xfrm>
           <a:prstGeom prst="rect">
             <a:avLst/>
           </a:prstGeom>
         </p:spPr>
-        <p:txBody>
-          <a:bodyPr vert="horz" lIns="91440" tIns="45720" rIns="91440" bIns="45720" rtlCol="0" anchor="ctr"/>
+      </p:pic>
+      <p:pic>
+        <p:nvPicPr>
+          <p:cNvPr id="10" name="Picture 9"/>
+          <p:cNvPicPr>
+            <a:picLocks noChangeAspect="1"/>
+          </p:cNvPicPr>
+          <p:nvPr/>
+        </p:nvPicPr>
+        <p:blipFill rotWithShape="1">
+          <a:blip r:embed="rId22">
+            <a:extLst>
+              <a:ext uri="{28A0092B-C50C-407E-A947-70E740481C1C}">
+                <a14:useLocalDpi xmlns:a14="http://schemas.microsoft.com/office/drawing/2010/main" val="0"/>
+              </a:ext>
+            </a:extLst>
+          </a:blip>
+          <a:srcRect b="23320"/>
+          <a:stretch/>
+        </p:blipFill>
+        <p:spPr>
+          <a:xfrm>
+            <a:off x="8605878" y="6096000"/>
+            <a:ext cx="993734" cy="762000"/>
+          </a:xfrm>
+          <a:prstGeom prst="rect">
+            <a:avLst/>
+          </a:prstGeom>
+        </p:spPr>
+      </p:pic>
+      <p:sp>
+        <p:nvSpPr>
+          <p:cNvPr id="14" name="Rectangle 13"/>
+          <p:cNvSpPr/>
+          <p:nvPr/>
+        </p:nvSpPr>
+        <p:spPr>
+          <a:xfrm>
+            <a:off x="10437812" y="0"/>
+            <a:ext cx="685800" cy="1143000"/>
+          </a:xfrm>
+          <a:prstGeom prst="rect">
+            <a:avLst/>
+          </a:prstGeom>
+          <a:solidFill>
+            <a:schemeClr val="accent1"/>
+          </a:solidFill>
+          <a:ln>
+            <a:noFill/>
+          </a:ln>
+        </p:spPr>
+        <p:style>
+          <a:lnRef idx="1">
+            <a:schemeClr val="accent1"/>
+          </a:lnRef>
+          <a:fillRef idx="3">
+            <a:schemeClr val="accent1"/>
+          </a:fillRef>
+          <a:effectRef idx="2">
+            <a:schemeClr val="accent1"/>
+          </a:effectRef>
+          <a:fontRef idx="minor">
+            <a:schemeClr val="lt1"/>
+          </a:fontRef>
+        </p:style>
+      </p:sp>
+      <p:sp>
+        <p:nvSpPr>
+          <p:cNvPr id="2" name="Title Placeholder 1"/>
+          <p:cNvSpPr>
+            <a:spLocks noGrp="1"/>
+          </p:cNvSpPr>
+          <p:nvPr>
+            <p:ph type="title"/>
+          </p:nvPr>
+        </p:nvSpPr>
+        <p:spPr>
+          <a:xfrm>
+            <a:off x="646111" y="452718"/>
+            <a:ext cx="9404723" cy="1400530"/>
+          </a:xfrm>
+          <a:prstGeom prst="rect">
+            <a:avLst/>
+          </a:prstGeom>
+        </p:spPr>
+        <p:txBody>
+          <a:bodyPr vert="horz" lIns="91440" tIns="45720" rIns="91440" bIns="45720" rtlCol="0" anchor="t">
+            <a:noAutofit/>
+          </a:bodyPr>
+          <a:lstStyle/>
+          <a:p>
+            <a:r>
+              <a:rPr lang="hu-HU"/>
+              <a:t>Mintacím szerkesztése</a:t>
+            </a:r>
+            <a:endParaRPr lang="en-US" dirty="0"/>
+          </a:p>
+        </p:txBody>
+      </p:sp>
+      <p:sp>
+        <p:nvSpPr>
+          <p:cNvPr id="3" name="Text Placeholder 2"/>
+          <p:cNvSpPr>
+            <a:spLocks noGrp="1"/>
+          </p:cNvSpPr>
+          <p:nvPr>
+            <p:ph type="body" idx="1"/>
+          </p:nvPr>
+        </p:nvSpPr>
+        <p:spPr>
+          <a:xfrm>
+            <a:off x="1103312" y="2052918"/>
+            <a:ext cx="8946541" cy="4195481"/>
+          </a:xfrm>
+          <a:prstGeom prst="rect">
+            <a:avLst/>
+          </a:prstGeom>
+        </p:spPr>
+        <p:txBody>
+          <a:bodyPr vert="horz" lIns="91440" tIns="45720" rIns="91440" bIns="45720" rtlCol="0">
+            <a:normAutofit/>
+          </a:bodyPr>
+          <a:lstStyle/>
+          <a:p>
+            <a:pPr lvl="0"/>
+            <a:r>
+              <a:rPr lang="hu-HU"/>
+              <a:t>Mintaszöveg szerkesztése</a:t>
+            </a:r>
+          </a:p>
+          <a:p>
+            <a:pPr lvl="1"/>
+            <a:r>
+              <a:rPr lang="hu-HU"/>
+              <a:t>Második szint</a:t>
+            </a:r>
+          </a:p>
+          <a:p>
+            <a:pPr lvl="2"/>
+            <a:r>
+              <a:rPr lang="hu-HU"/>
+              <a:t>Harmadik szint</a:t>
+            </a:r>
+          </a:p>
+          <a:p>
+            <a:pPr lvl="3"/>
+            <a:r>
+              <a:rPr lang="hu-HU"/>
+              <a:t>Negyedik szint</a:t>
+            </a:r>
+          </a:p>
+          <a:p>
+            <a:pPr lvl="4"/>
+            <a:r>
+              <a:rPr lang="hu-HU"/>
+              <a:t>Ötödik szint</a:t>
+            </a:r>
+            <a:endParaRPr lang="en-US" dirty="0"/>
+          </a:p>
+        </p:txBody>
+      </p:sp>
+      <p:sp>
+        <p:nvSpPr>
+          <p:cNvPr id="4" name="Date Placeholder 3"/>
+          <p:cNvSpPr>
+            <a:spLocks noGrp="1"/>
+          </p:cNvSpPr>
+          <p:nvPr>
+            <p:ph type="dt" sz="half" idx="2"/>
+          </p:nvPr>
+        </p:nvSpPr>
+        <p:spPr>
+          <a:xfrm rot="5400000">
+            <a:off x="10155639" y="1790701"/>
+            <a:ext cx="990599" cy="304799"/>
+          </a:xfrm>
+          <a:prstGeom prst="rect">
+            <a:avLst/>
+          </a:prstGeom>
+        </p:spPr>
+        <p:txBody>
+          <a:bodyPr vert="horz" lIns="91440" tIns="45720" rIns="91440" bIns="45720" rtlCol="0" anchor="t"/>
           <a:lstStyle>
             <a:lvl1pPr algn="l">
-              <a:defRPr sz="1200">
+              <a:defRPr sz="1100" b="0" i="0">
                 <a:solidFill>
                   <a:schemeClr val="tx1">
                     <a:tint val="75000"/>
+                    <a:alpha val="60000"/>
                   </a:schemeClr>
                 </a:solidFill>
               </a:defRPr>
@@ -2912,13 +5572,7 @@
       </p:sp>
       <p:sp>
         <p:nvSpPr>
-          <p:cNvPr id="5" name="Élőláb helye 4">
-            <a:extLst>
-              <a:ext uri="{FF2B5EF4-FFF2-40B4-BE49-F238E27FC236}">
-                <a16:creationId xmlns:a16="http://schemas.microsoft.com/office/drawing/2014/main" id="{D2BD0269-5D93-4F42-8D8D-FBFA227999CE}"/>
-              </a:ext>
-            </a:extLst>
-          </p:cNvPr>
+          <p:cNvPr id="5" name="Footer Placeholder 4"/>
           <p:cNvSpPr>
             <a:spLocks noGrp="1"/>
           </p:cNvSpPr>
@@ -2927,22 +5581,23 @@
           </p:nvPr>
         </p:nvSpPr>
         <p:spPr>
-          <a:xfrm>
-            <a:off x="4038600" y="6356350"/>
-            <a:ext cx="4114800" cy="365125"/>
+          <a:xfrm rot="5400000">
+            <a:off x="8951573" y="3225297"/>
+            <a:ext cx="3859795" cy="304801"/>
           </a:xfrm>
           <a:prstGeom prst="rect">
             <a:avLst/>
           </a:prstGeom>
         </p:spPr>
         <p:txBody>
-          <a:bodyPr vert="horz" lIns="91440" tIns="45720" rIns="91440" bIns="45720" rtlCol="0" anchor="ctr"/>
+          <a:bodyPr vert="horz" lIns="91440" tIns="45720" rIns="91440" bIns="45720" rtlCol="0" anchor="b"/>
           <a:lstStyle>
-            <a:lvl1pPr algn="ctr">
-              <a:defRPr sz="1200">
+            <a:lvl1pPr algn="l">
+              <a:defRPr sz="1100" b="0" i="0">
                 <a:solidFill>
                   <a:schemeClr val="tx1">
                     <a:tint val="75000"/>
+                    <a:alpha val="60000"/>
                   </a:schemeClr>
                 </a:solidFill>
               </a:defRPr>
@@ -2955,13 +5610,7 @@
       </p:sp>
       <p:sp>
         <p:nvSpPr>
-          <p:cNvPr id="6" name="Dia számának helye 5">
-            <a:extLst>
-              <a:ext uri="{FF2B5EF4-FFF2-40B4-BE49-F238E27FC236}">
-                <a16:creationId xmlns:a16="http://schemas.microsoft.com/office/drawing/2014/main" id="{D43AB876-A80E-4B98-90C5-EA4B553BAD79}"/>
-              </a:ext>
-            </a:extLst>
-          </p:cNvPr>
+          <p:cNvPr id="6" name="Slide Number Placeholder 5"/>
           <p:cNvSpPr>
             <a:spLocks noGrp="1"/>
           </p:cNvSpPr>
@@ -2969,20 +5618,20 @@
             <p:ph type="sldNum" sz="quarter" idx="4"/>
           </p:nvPr>
         </p:nvSpPr>
-        <p:spPr>
+        <p:spPr bwMode="gray">
           <a:xfrm>
-            <a:off x="8610600" y="6356350"/>
-            <a:ext cx="2743200" cy="365125"/>
+            <a:off x="10352540" y="295729"/>
+            <a:ext cx="838199" cy="767687"/>
           </a:xfrm>
           <a:prstGeom prst="rect">
             <a:avLst/>
           </a:prstGeom>
         </p:spPr>
         <p:txBody>
-          <a:bodyPr vert="horz" lIns="91440" tIns="45720" rIns="91440" bIns="45720" rtlCol="0" anchor="ctr"/>
+          <a:bodyPr vert="horz" lIns="91440" tIns="45720" rIns="91440" bIns="45720" rtlCol="0" anchor="b"/>
           <a:lstStyle>
-            <a:lvl1pPr algn="r">
-              <a:defRPr sz="1200">
+            <a:lvl1pPr algn="ctr">
+              <a:defRPr sz="2800" b="0" i="0">
                 <a:solidFill>
                   <a:schemeClr val="tx1">
                     <a:tint val="75000"/>
@@ -3003,35 +5652,121 @@
     </p:spTree>
     <p:extLst>
       <p:ext uri="{BB962C8B-B14F-4D97-AF65-F5344CB8AC3E}">
-        <p14:creationId xmlns:p14="http://schemas.microsoft.com/office/powerpoint/2010/main" val="185323813"/>
+        <p14:creationId xmlns:p14="http://schemas.microsoft.com/office/powerpoint/2010/main" val="306584873"/>
       </p:ext>
     </p:extLst>
   </p:cSld>
-  <p:clrMap bg1="lt1" tx1="dk1" bg2="lt2" tx2="dk2" accent1="accent1" accent2="accent2" accent3="accent3" accent4="accent4" accent5="accent5" accent6="accent6" hlink="hlink" folHlink="folHlink"/>
+  <p:clrMap bg1="dk1" tx1="lt1" bg2="dk2" tx2="lt2" accent1="accent1" accent2="accent2" accent3="accent3" accent4="accent4" accent5="accent5" accent6="accent6" hlink="hlink" folHlink="folHlink"/>
   <p:sldLayoutIdLst>
-    <p:sldLayoutId id="2147483649" r:id="rId1"/>
-    <p:sldLayoutId id="2147483650" r:id="rId2"/>
-    <p:sldLayoutId id="2147483651" r:id="rId3"/>
-    <p:sldLayoutId id="2147483652" r:id="rId4"/>
-    <p:sldLayoutId id="2147483653" r:id="rId5"/>
-    <p:sldLayoutId id="2147483654" r:id="rId6"/>
-    <p:sldLayoutId id="2147483655" r:id="rId7"/>
-    <p:sldLayoutId id="2147483656" r:id="rId8"/>
-    <p:sldLayoutId id="2147483657" r:id="rId9"/>
-    <p:sldLayoutId id="2147483658" r:id="rId10"/>
-    <p:sldLayoutId id="2147483659" r:id="rId11"/>
+    <p:sldLayoutId id="2147483733" r:id="rId1"/>
+    <p:sldLayoutId id="2147483734" r:id="rId2"/>
+    <p:sldLayoutId id="2147483735" r:id="rId3"/>
+    <p:sldLayoutId id="2147483736" r:id="rId4"/>
+    <p:sldLayoutId id="2147483737" r:id="rId5"/>
+    <p:sldLayoutId id="2147483738" r:id="rId6"/>
+    <p:sldLayoutId id="2147483739" r:id="rId7"/>
+    <p:sldLayoutId id="2147483740" r:id="rId8"/>
+    <p:sldLayoutId id="2147483741" r:id="rId9"/>
+    <p:sldLayoutId id="2147483742" r:id="rId10"/>
+    <p:sldLayoutId id="2147483743" r:id="rId11"/>
+    <p:sldLayoutId id="2147483744" r:id="rId12"/>
+    <p:sldLayoutId id="2147483745" r:id="rId13"/>
+    <p:sldLayoutId id="2147483746" r:id="rId14"/>
+    <p:sldLayoutId id="2147483747" r:id="rId15"/>
+    <p:sldLayoutId id="2147483748" r:id="rId16"/>
+    <p:sldLayoutId id="2147483749" r:id="rId17"/>
   </p:sldLayoutIdLst>
   <p:txStyles>
     <p:titleStyle>
-      <a:lvl1pPr algn="l" defTabSz="914400" rtl="0" eaLnBrk="1" latinLnBrk="0" hangingPunct="1">
-        <a:lnSpc>
-          <a:spcPct val="90000"/>
-        </a:lnSpc>
+      <a:lvl1pPr algn="l" defTabSz="457200" rtl="0" eaLnBrk="1" latinLnBrk="0" hangingPunct="1">
         <a:spcBef>
           <a:spcPct val="0"/>
         </a:spcBef>
         <a:buNone/>
-        <a:defRPr sz="4400" kern="1200">
+        <a:defRPr sz="4200" b="0" i="0" kern="1200">
+          <a:solidFill>
+            <a:schemeClr val="tx2"/>
+          </a:solidFill>
+          <a:latin typeface="+mj-lt"/>
+          <a:ea typeface="+mj-ea"/>
+          <a:cs typeface="+mj-cs"/>
+        </a:defRPr>
+      </a:lvl1pPr>
+      <a:lvl2pPr eaLnBrk="1" hangingPunct="1">
+        <a:defRPr>
+          <a:solidFill>
+            <a:schemeClr val="tx2"/>
+          </a:solidFill>
+        </a:defRPr>
+      </a:lvl2pPr>
+      <a:lvl3pPr eaLnBrk="1" hangingPunct="1">
+        <a:defRPr>
+          <a:solidFill>
+            <a:schemeClr val="tx2"/>
+          </a:solidFill>
+        </a:defRPr>
+      </a:lvl3pPr>
+      <a:lvl4pPr eaLnBrk="1" hangingPunct="1">
+        <a:defRPr>
+          <a:solidFill>
+            <a:schemeClr val="tx2"/>
+          </a:solidFill>
+        </a:defRPr>
+      </a:lvl4pPr>
+      <a:lvl5pPr eaLnBrk="1" hangingPunct="1">
+        <a:defRPr>
+          <a:solidFill>
+            <a:schemeClr val="tx2"/>
+          </a:solidFill>
+        </a:defRPr>
+      </a:lvl5pPr>
+      <a:lvl6pPr eaLnBrk="1" hangingPunct="1">
+        <a:defRPr>
+          <a:solidFill>
+            <a:schemeClr val="tx2"/>
+          </a:solidFill>
+        </a:defRPr>
+      </a:lvl6pPr>
+      <a:lvl7pPr eaLnBrk="1" hangingPunct="1">
+        <a:defRPr>
+          <a:solidFill>
+            <a:schemeClr val="tx2"/>
+          </a:solidFill>
+        </a:defRPr>
+      </a:lvl7pPr>
+      <a:lvl8pPr eaLnBrk="1" hangingPunct="1">
+        <a:defRPr>
+          <a:solidFill>
+            <a:schemeClr val="tx2"/>
+          </a:solidFill>
+        </a:defRPr>
+      </a:lvl8pPr>
+      <a:lvl9pPr eaLnBrk="1" hangingPunct="1">
+        <a:defRPr>
+          <a:solidFill>
+            <a:schemeClr val="tx2"/>
+          </a:solidFill>
+        </a:defRPr>
+      </a:lvl9pPr>
+    </p:titleStyle>
+    <p:bodyStyle>
+      <a:lvl1pPr marL="342900" indent="-342900" algn="l" defTabSz="457200" rtl="0" eaLnBrk="1" latinLnBrk="0" hangingPunct="1">
+        <a:spcBef>
+          <a:spcPts val="1000"/>
+        </a:spcBef>
+        <a:spcAft>
+          <a:spcPts val="0"/>
+        </a:spcAft>
+        <a:buClr>
+          <a:schemeClr val="bg2">
+            <a:lumMod val="40000"/>
+            <a:lumOff val="60000"/>
+          </a:schemeClr>
+        </a:buClr>
+        <a:buSzPct val="80000"/>
+        <a:buFont typeface="Wingdings 3" charset="2"/>
+        <a:buChar char=""/>
+        <a:defRPr sz="2000" b="0" i="0" kern="1200">
           <a:solidFill>
             <a:schemeClr val="tx1"/>
           </a:solidFill>
@@ -3040,18 +5775,213 @@
           <a:cs typeface="+mj-cs"/>
         </a:defRPr>
       </a:lvl1pPr>
-    </p:titleStyle>
-    <p:bodyStyle>
-      <a:lvl1pPr marL="228600" indent="-228600" algn="l" defTabSz="914400" rtl="0" eaLnBrk="1" latinLnBrk="0" hangingPunct="1">
-        <a:lnSpc>
-          <a:spcPct val="90000"/>
-        </a:lnSpc>
+      <a:lvl2pPr marL="742950" indent="-285750" algn="l" defTabSz="457200" rtl="0" eaLnBrk="1" latinLnBrk="0" hangingPunct="1">
         <a:spcBef>
           <a:spcPts val="1000"/>
         </a:spcBef>
-        <a:buFont typeface="Arial" panose="020B0604020202020204" pitchFamily="34" charset="0"/>
-        <a:buChar char="•"/>
-        <a:defRPr sz="2800" kern="1200">
+        <a:spcAft>
+          <a:spcPts val="0"/>
+        </a:spcAft>
+        <a:buClr>
+          <a:schemeClr val="bg2">
+            <a:lumMod val="40000"/>
+            <a:lumOff val="60000"/>
+          </a:schemeClr>
+        </a:buClr>
+        <a:buSzPct val="80000"/>
+        <a:buFont typeface="Wingdings 3" charset="2"/>
+        <a:buChar char=""/>
+        <a:defRPr sz="1800" b="0" i="0" kern="1200">
+          <a:solidFill>
+            <a:schemeClr val="tx1"/>
+          </a:solidFill>
+          <a:latin typeface="+mj-lt"/>
+          <a:ea typeface="+mj-ea"/>
+          <a:cs typeface="+mj-cs"/>
+        </a:defRPr>
+      </a:lvl2pPr>
+      <a:lvl3pPr marL="1143000" indent="-228600" algn="l" defTabSz="457200" rtl="0" eaLnBrk="1" latinLnBrk="0" hangingPunct="1">
+        <a:spcBef>
+          <a:spcPts val="1000"/>
+        </a:spcBef>
+        <a:spcAft>
+          <a:spcPts val="0"/>
+        </a:spcAft>
+        <a:buClr>
+          <a:schemeClr val="bg2">
+            <a:lumMod val="40000"/>
+            <a:lumOff val="60000"/>
+          </a:schemeClr>
+        </a:buClr>
+        <a:buSzPct val="80000"/>
+        <a:buFont typeface="Wingdings 3" charset="2"/>
+        <a:buChar char=""/>
+        <a:defRPr sz="1600" b="0" i="0" kern="1200">
+          <a:solidFill>
+            <a:schemeClr val="tx1"/>
+          </a:solidFill>
+          <a:latin typeface="+mj-lt"/>
+          <a:ea typeface="+mj-ea"/>
+          <a:cs typeface="+mj-cs"/>
+        </a:defRPr>
+      </a:lvl3pPr>
+      <a:lvl4pPr marL="1600200" indent="-228600" algn="l" defTabSz="457200" rtl="0" eaLnBrk="1" latinLnBrk="0" hangingPunct="1">
+        <a:spcBef>
+          <a:spcPts val="1000"/>
+        </a:spcBef>
+        <a:spcAft>
+          <a:spcPts val="0"/>
+        </a:spcAft>
+        <a:buClr>
+          <a:schemeClr val="bg2">
+            <a:lumMod val="40000"/>
+            <a:lumOff val="60000"/>
+          </a:schemeClr>
+        </a:buClr>
+        <a:buSzPct val="80000"/>
+        <a:buFont typeface="Wingdings 3" charset="2"/>
+        <a:buChar char=""/>
+        <a:defRPr sz="1400" b="0" i="0" kern="1200">
+          <a:solidFill>
+            <a:schemeClr val="tx1"/>
+          </a:solidFill>
+          <a:latin typeface="+mj-lt"/>
+          <a:ea typeface="+mj-ea"/>
+          <a:cs typeface="+mj-cs"/>
+        </a:defRPr>
+      </a:lvl4pPr>
+      <a:lvl5pPr marL="2057400" indent="-228600" algn="l" defTabSz="457200" rtl="0" eaLnBrk="1" latinLnBrk="0" hangingPunct="1">
+        <a:spcBef>
+          <a:spcPts val="1000"/>
+        </a:spcBef>
+        <a:spcAft>
+          <a:spcPts val="0"/>
+        </a:spcAft>
+        <a:buClr>
+          <a:schemeClr val="bg2">
+            <a:lumMod val="40000"/>
+            <a:lumOff val="60000"/>
+          </a:schemeClr>
+        </a:buClr>
+        <a:buSzPct val="80000"/>
+        <a:buFont typeface="Wingdings 3" charset="2"/>
+        <a:buChar char=""/>
+        <a:defRPr sz="1400" b="0" i="0" kern="1200">
+          <a:solidFill>
+            <a:schemeClr val="tx1"/>
+          </a:solidFill>
+          <a:latin typeface="+mj-lt"/>
+          <a:ea typeface="+mj-ea"/>
+          <a:cs typeface="+mj-cs"/>
+        </a:defRPr>
+      </a:lvl5pPr>
+      <a:lvl6pPr marL="2506000" indent="-228600" algn="l" defTabSz="457200" rtl="0" eaLnBrk="1" latinLnBrk="0" hangingPunct="1">
+        <a:spcBef>
+          <a:spcPts val="1000"/>
+        </a:spcBef>
+        <a:spcAft>
+          <a:spcPts val="0"/>
+        </a:spcAft>
+        <a:buClr>
+          <a:schemeClr val="bg2">
+            <a:lumMod val="40000"/>
+            <a:lumOff val="60000"/>
+          </a:schemeClr>
+        </a:buClr>
+        <a:buSzPct val="80000"/>
+        <a:buFont typeface="Wingdings 3" charset="2"/>
+        <a:buChar char=""/>
+        <a:defRPr sz="1400" b="0" i="0" kern="1200">
+          <a:solidFill>
+            <a:schemeClr val="tx1"/>
+          </a:solidFill>
+          <a:latin typeface="+mj-lt"/>
+          <a:ea typeface="+mj-ea"/>
+          <a:cs typeface="+mj-cs"/>
+        </a:defRPr>
+      </a:lvl6pPr>
+      <a:lvl7pPr marL="2971800" indent="-228600" algn="l" defTabSz="457200" rtl="0" eaLnBrk="1" latinLnBrk="0" hangingPunct="1">
+        <a:spcBef>
+          <a:spcPts val="1000"/>
+        </a:spcBef>
+        <a:spcAft>
+          <a:spcPts val="0"/>
+        </a:spcAft>
+        <a:buClr>
+          <a:schemeClr val="bg2">
+            <a:lumMod val="40000"/>
+            <a:lumOff val="60000"/>
+          </a:schemeClr>
+        </a:buClr>
+        <a:buSzPct val="80000"/>
+        <a:buFont typeface="Wingdings 3" charset="2"/>
+        <a:buChar char=""/>
+        <a:defRPr sz="1400" b="0" i="0" kern="1200">
+          <a:solidFill>
+            <a:schemeClr val="tx1"/>
+          </a:solidFill>
+          <a:latin typeface="+mj-lt"/>
+          <a:ea typeface="+mj-ea"/>
+          <a:cs typeface="+mj-cs"/>
+        </a:defRPr>
+      </a:lvl7pPr>
+      <a:lvl8pPr marL="3429000" indent="-228600" algn="l" defTabSz="457200" rtl="0" eaLnBrk="1" latinLnBrk="0" hangingPunct="1">
+        <a:spcBef>
+          <a:spcPts val="1000"/>
+        </a:spcBef>
+        <a:spcAft>
+          <a:spcPts val="0"/>
+        </a:spcAft>
+        <a:buClr>
+          <a:schemeClr val="bg2">
+            <a:lumMod val="40000"/>
+            <a:lumOff val="60000"/>
+          </a:schemeClr>
+        </a:buClr>
+        <a:buSzPct val="80000"/>
+        <a:buFont typeface="Wingdings 3" charset="2"/>
+        <a:buChar char=""/>
+        <a:defRPr sz="1400" b="0" i="0" kern="1200">
+          <a:solidFill>
+            <a:schemeClr val="tx1"/>
+          </a:solidFill>
+          <a:latin typeface="+mj-lt"/>
+          <a:ea typeface="+mj-ea"/>
+          <a:cs typeface="+mj-cs"/>
+        </a:defRPr>
+      </a:lvl8pPr>
+      <a:lvl9pPr marL="3886200" indent="-228600" algn="l" defTabSz="457200" rtl="0" eaLnBrk="1" latinLnBrk="0" hangingPunct="1">
+        <a:spcBef>
+          <a:spcPts val="1000"/>
+        </a:spcBef>
+        <a:spcAft>
+          <a:spcPts val="0"/>
+        </a:spcAft>
+        <a:buClr>
+          <a:schemeClr val="bg2">
+            <a:lumMod val="40000"/>
+            <a:lumOff val="60000"/>
+          </a:schemeClr>
+        </a:buClr>
+        <a:buSzPct val="80000"/>
+        <a:buFont typeface="Wingdings 3" charset="2"/>
+        <a:buChar char=""/>
+        <a:defRPr sz="1400" b="0" i="0" kern="1200">
+          <a:solidFill>
+            <a:schemeClr val="tx1"/>
+          </a:solidFill>
+          <a:latin typeface="+mj-lt"/>
+          <a:ea typeface="+mj-ea"/>
+          <a:cs typeface="+mj-cs"/>
+        </a:defRPr>
+      </a:lvl9pPr>
+    </p:bodyStyle>
+    <p:otherStyle>
+      <a:defPPr>
+        <a:defRPr lang="en-US"/>
+      </a:defPPr>
+      <a:lvl1pPr marL="0" algn="l" defTabSz="457200" rtl="0" eaLnBrk="1" latinLnBrk="0" hangingPunct="1">
+        <a:defRPr sz="1800" kern="1200">
           <a:solidFill>
             <a:schemeClr val="tx1"/>
           </a:solidFill>
@@ -3060,16 +5990,8 @@
           <a:cs typeface="+mn-cs"/>
         </a:defRPr>
       </a:lvl1pPr>
-      <a:lvl2pPr marL="685800" indent="-228600" algn="l" defTabSz="914400" rtl="0" eaLnBrk="1" latinLnBrk="0" hangingPunct="1">
-        <a:lnSpc>
-          <a:spcPct val="90000"/>
-        </a:lnSpc>
-        <a:spcBef>
-          <a:spcPts val="500"/>
-        </a:spcBef>
-        <a:buFont typeface="Arial" panose="020B0604020202020204" pitchFamily="34" charset="0"/>
-        <a:buChar char="•"/>
-        <a:defRPr sz="2400" kern="1200">
+      <a:lvl2pPr marL="457200" algn="l" defTabSz="457200" rtl="0" eaLnBrk="1" latinLnBrk="0" hangingPunct="1">
+        <a:defRPr sz="1800" kern="1200">
           <a:solidFill>
             <a:schemeClr val="tx1"/>
           </a:solidFill>
@@ -3078,16 +6000,8 @@
           <a:cs typeface="+mn-cs"/>
         </a:defRPr>
       </a:lvl2pPr>
-      <a:lvl3pPr marL="1143000" indent="-228600" algn="l" defTabSz="914400" rtl="0" eaLnBrk="1" latinLnBrk="0" hangingPunct="1">
-        <a:lnSpc>
-          <a:spcPct val="90000"/>
-        </a:lnSpc>
-        <a:spcBef>
-          <a:spcPts val="500"/>
-        </a:spcBef>
-        <a:buFont typeface="Arial" panose="020B0604020202020204" pitchFamily="34" charset="0"/>
-        <a:buChar char="•"/>
-        <a:defRPr sz="2000" kern="1200">
+      <a:lvl3pPr marL="914400" algn="l" defTabSz="457200" rtl="0" eaLnBrk="1" latinLnBrk="0" hangingPunct="1">
+        <a:defRPr sz="1800" kern="1200">
           <a:solidFill>
             <a:schemeClr val="tx1"/>
           </a:solidFill>
@@ -3096,15 +6010,7 @@
           <a:cs typeface="+mn-cs"/>
         </a:defRPr>
       </a:lvl3pPr>
-      <a:lvl4pPr marL="1600200" indent="-228600" algn="l" defTabSz="914400" rtl="0" eaLnBrk="1" latinLnBrk="0" hangingPunct="1">
-        <a:lnSpc>
-          <a:spcPct val="90000"/>
-        </a:lnSpc>
-        <a:spcBef>
-          <a:spcPts val="500"/>
-        </a:spcBef>
-        <a:buFont typeface="Arial" panose="020B0604020202020204" pitchFamily="34" charset="0"/>
-        <a:buChar char="•"/>
+      <a:lvl4pPr marL="1371600" algn="l" defTabSz="457200" rtl="0" eaLnBrk="1" latinLnBrk="0" hangingPunct="1">
         <a:defRPr sz="1800" kern="1200">
           <a:solidFill>
             <a:schemeClr val="tx1"/>
@@ -3114,15 +6020,7 @@
           <a:cs typeface="+mn-cs"/>
         </a:defRPr>
       </a:lvl4pPr>
-      <a:lvl5pPr marL="2057400" indent="-228600" algn="l" defTabSz="914400" rtl="0" eaLnBrk="1" latinLnBrk="0" hangingPunct="1">
-        <a:lnSpc>
-          <a:spcPct val="90000"/>
-        </a:lnSpc>
-        <a:spcBef>
-          <a:spcPts val="500"/>
-        </a:spcBef>
-        <a:buFont typeface="Arial" panose="020B0604020202020204" pitchFamily="34" charset="0"/>
-        <a:buChar char="•"/>
+      <a:lvl5pPr marL="1828800" algn="l" defTabSz="457200" rtl="0" eaLnBrk="1" latinLnBrk="0" hangingPunct="1">
         <a:defRPr sz="1800" kern="1200">
           <a:solidFill>
             <a:schemeClr val="tx1"/>
@@ -3132,15 +6030,7 @@
           <a:cs typeface="+mn-cs"/>
         </a:defRPr>
       </a:lvl5pPr>
-      <a:lvl6pPr marL="2514600" indent="-228600" algn="l" defTabSz="914400" rtl="0" eaLnBrk="1" latinLnBrk="0" hangingPunct="1">
-        <a:lnSpc>
-          <a:spcPct val="90000"/>
-        </a:lnSpc>
-        <a:spcBef>
-          <a:spcPts val="500"/>
-        </a:spcBef>
-        <a:buFont typeface="Arial" panose="020B0604020202020204" pitchFamily="34" charset="0"/>
-        <a:buChar char="•"/>
+      <a:lvl6pPr marL="2286000" algn="l" defTabSz="457200" rtl="0" eaLnBrk="1" latinLnBrk="0" hangingPunct="1">
         <a:defRPr sz="1800" kern="1200">
           <a:solidFill>
             <a:schemeClr val="tx1"/>
@@ -3150,15 +6040,7 @@
           <a:cs typeface="+mn-cs"/>
         </a:defRPr>
       </a:lvl6pPr>
-      <a:lvl7pPr marL="2971800" indent="-228600" algn="l" defTabSz="914400" rtl="0" eaLnBrk="1" latinLnBrk="0" hangingPunct="1">
-        <a:lnSpc>
-          <a:spcPct val="90000"/>
-        </a:lnSpc>
-        <a:spcBef>
-          <a:spcPts val="500"/>
-        </a:spcBef>
-        <a:buFont typeface="Arial" panose="020B0604020202020204" pitchFamily="34" charset="0"/>
-        <a:buChar char="•"/>
+      <a:lvl7pPr marL="2743200" algn="l" defTabSz="457200" rtl="0" eaLnBrk="1" latinLnBrk="0" hangingPunct="1">
         <a:defRPr sz="1800" kern="1200">
           <a:solidFill>
             <a:schemeClr val="tx1"/>
@@ -3168,15 +6050,7 @@
           <a:cs typeface="+mn-cs"/>
         </a:defRPr>
       </a:lvl7pPr>
-      <a:lvl8pPr marL="3429000" indent="-228600" algn="l" defTabSz="914400" rtl="0" eaLnBrk="1" latinLnBrk="0" hangingPunct="1">
-        <a:lnSpc>
-          <a:spcPct val="90000"/>
-        </a:lnSpc>
-        <a:spcBef>
-          <a:spcPts val="500"/>
-        </a:spcBef>
-        <a:buFont typeface="Arial" panose="020B0604020202020204" pitchFamily="34" charset="0"/>
-        <a:buChar char="•"/>
+      <a:lvl8pPr marL="3200400" algn="l" defTabSz="457200" rtl="0" eaLnBrk="1" latinLnBrk="0" hangingPunct="1">
         <a:defRPr sz="1800" kern="1200">
           <a:solidFill>
             <a:schemeClr val="tx1"/>
@@ -3186,110 +6060,7 @@
           <a:cs typeface="+mn-cs"/>
         </a:defRPr>
       </a:lvl8pPr>
-      <a:lvl9pPr marL="3886200" indent="-228600" algn="l" defTabSz="914400" rtl="0" eaLnBrk="1" latinLnBrk="0" hangingPunct="1">
-        <a:lnSpc>
-          <a:spcPct val="90000"/>
-        </a:lnSpc>
-        <a:spcBef>
-          <a:spcPts val="500"/>
-        </a:spcBef>
-        <a:buFont typeface="Arial" panose="020B0604020202020204" pitchFamily="34" charset="0"/>
-        <a:buChar char="•"/>
-        <a:defRPr sz="1800" kern="1200">
-          <a:solidFill>
-            <a:schemeClr val="tx1"/>
-          </a:solidFill>
-          <a:latin typeface="+mn-lt"/>
-          <a:ea typeface="+mn-ea"/>
-          <a:cs typeface="+mn-cs"/>
-        </a:defRPr>
-      </a:lvl9pPr>
-    </p:bodyStyle>
-    <p:otherStyle>
-      <a:defPPr>
-        <a:defRPr lang="hu-HU"/>
-      </a:defPPr>
-      <a:lvl1pPr marL="0" algn="l" defTabSz="914400" rtl="0" eaLnBrk="1" latinLnBrk="0" hangingPunct="1">
-        <a:defRPr sz="1800" kern="1200">
-          <a:solidFill>
-            <a:schemeClr val="tx1"/>
-          </a:solidFill>
-          <a:latin typeface="+mn-lt"/>
-          <a:ea typeface="+mn-ea"/>
-          <a:cs typeface="+mn-cs"/>
-        </a:defRPr>
-      </a:lvl1pPr>
-      <a:lvl2pPr marL="457200" algn="l" defTabSz="914400" rtl="0" eaLnBrk="1" latinLnBrk="0" hangingPunct="1">
-        <a:defRPr sz="1800" kern="1200">
-          <a:solidFill>
-            <a:schemeClr val="tx1"/>
-          </a:solidFill>
-          <a:latin typeface="+mn-lt"/>
-          <a:ea typeface="+mn-ea"/>
-          <a:cs typeface="+mn-cs"/>
-        </a:defRPr>
-      </a:lvl2pPr>
-      <a:lvl3pPr marL="914400" algn="l" defTabSz="914400" rtl="0" eaLnBrk="1" latinLnBrk="0" hangingPunct="1">
-        <a:defRPr sz="1800" kern="1200">
-          <a:solidFill>
-            <a:schemeClr val="tx1"/>
-          </a:solidFill>
-          <a:latin typeface="+mn-lt"/>
-          <a:ea typeface="+mn-ea"/>
-          <a:cs typeface="+mn-cs"/>
-        </a:defRPr>
-      </a:lvl3pPr>
-      <a:lvl4pPr marL="1371600" algn="l" defTabSz="914400" rtl="0" eaLnBrk="1" latinLnBrk="0" hangingPunct="1">
-        <a:defRPr sz="1800" kern="1200">
-          <a:solidFill>
-            <a:schemeClr val="tx1"/>
-          </a:solidFill>
-          <a:latin typeface="+mn-lt"/>
-          <a:ea typeface="+mn-ea"/>
-          <a:cs typeface="+mn-cs"/>
-        </a:defRPr>
-      </a:lvl4pPr>
-      <a:lvl5pPr marL="1828800" algn="l" defTabSz="914400" rtl="0" eaLnBrk="1" latinLnBrk="0" hangingPunct="1">
-        <a:defRPr sz="1800" kern="1200">
-          <a:solidFill>
-            <a:schemeClr val="tx1"/>
-          </a:solidFill>
-          <a:latin typeface="+mn-lt"/>
-          <a:ea typeface="+mn-ea"/>
-          <a:cs typeface="+mn-cs"/>
-        </a:defRPr>
-      </a:lvl5pPr>
-      <a:lvl6pPr marL="2286000" algn="l" defTabSz="914400" rtl="0" eaLnBrk="1" latinLnBrk="0" hangingPunct="1">
-        <a:defRPr sz="1800" kern="1200">
-          <a:solidFill>
-            <a:schemeClr val="tx1"/>
-          </a:solidFill>
-          <a:latin typeface="+mn-lt"/>
-          <a:ea typeface="+mn-ea"/>
-          <a:cs typeface="+mn-cs"/>
-        </a:defRPr>
-      </a:lvl6pPr>
-      <a:lvl7pPr marL="2743200" algn="l" defTabSz="914400" rtl="0" eaLnBrk="1" latinLnBrk="0" hangingPunct="1">
-        <a:defRPr sz="1800" kern="1200">
-          <a:solidFill>
-            <a:schemeClr val="tx1"/>
-          </a:solidFill>
-          <a:latin typeface="+mn-lt"/>
-          <a:ea typeface="+mn-ea"/>
-          <a:cs typeface="+mn-cs"/>
-        </a:defRPr>
-      </a:lvl7pPr>
-      <a:lvl8pPr marL="3200400" algn="l" defTabSz="914400" rtl="0" eaLnBrk="1" latinLnBrk="0" hangingPunct="1">
-        <a:defRPr sz="1800" kern="1200">
-          <a:solidFill>
-            <a:schemeClr val="tx1"/>
-          </a:solidFill>
-          <a:latin typeface="+mn-lt"/>
-          <a:ea typeface="+mn-ea"/>
-          <a:cs typeface="+mn-cs"/>
-        </a:defRPr>
-      </a:lvl8pPr>
-      <a:lvl9pPr marL="3657600" algn="l" defTabSz="914400" rtl="0" eaLnBrk="1" latinLnBrk="0" hangingPunct="1">
+      <a:lvl9pPr marL="3657600" algn="l" defTabSz="457200" rtl="0" eaLnBrk="1" latinLnBrk="0" hangingPunct="1">
         <a:defRPr sz="1800" kern="1200">
           <a:solidFill>
             <a:schemeClr val="tx1"/>
@@ -3307,6 +6078,40 @@
 <file path=ppt/slides/slide1.xml><?xml version="1.0" encoding="utf-8"?>
 <p:sld xmlns:a="http://schemas.openxmlformats.org/drawingml/2006/main" xmlns:r="http://schemas.openxmlformats.org/officeDocument/2006/relationships" xmlns:p="http://schemas.openxmlformats.org/presentationml/2006/main">
   <p:cSld>
+    <p:bg>
+      <p:bgPr>
+        <a:gradFill>
+          <a:gsLst>
+            <a:gs pos="0">
+              <a:schemeClr val="bg1">
+                <a:lumMod val="65000"/>
+                <a:lumOff val="35000"/>
+              </a:schemeClr>
+            </a:gs>
+            <a:gs pos="74000">
+              <a:schemeClr val="bg1">
+                <a:lumMod val="75000"/>
+                <a:lumOff val="25000"/>
+              </a:schemeClr>
+            </a:gs>
+            <a:gs pos="83000">
+              <a:schemeClr val="bg1">
+                <a:lumMod val="85000"/>
+                <a:lumOff val="15000"/>
+              </a:schemeClr>
+            </a:gs>
+            <a:gs pos="100000">
+              <a:schemeClr val="bg1">
+                <a:lumMod val="95000"/>
+                <a:lumOff val="5000"/>
+              </a:schemeClr>
+            </a:gs>
+          </a:gsLst>
+          <a:lin ang="5400000" scaled="1"/>
+        </a:gradFill>
+        <a:effectLst/>
+      </p:bgPr>
+    </p:bg>
     <p:spTree>
       <p:nvGrpSpPr>
         <p:cNvPr id="1" name=""/>
@@ -3337,37 +6142,352 @@
             <p:ph type="ctrTitle"/>
           </p:nvPr>
         </p:nvSpPr>
-        <p:spPr/>
-        <p:txBody>
-          <a:bodyPr/>
+        <p:spPr>
+          <a:xfrm>
+            <a:off x="139971" y="64009"/>
+            <a:ext cx="6626590" cy="676656"/>
+          </a:xfrm>
+        </p:spPr>
+        <p:txBody>
+          <a:bodyPr>
+            <a:normAutofit fontScale="90000"/>
+          </a:bodyPr>
           <a:lstStyle/>
           <a:p>
-            <a:endParaRPr lang="hu-HU"/>
-          </a:p>
-        </p:txBody>
-      </p:sp>
-      <p:sp>
-        <p:nvSpPr>
-          <p:cNvPr id="3" name="Alcím 2">
+            <a:r>
+              <a:rPr lang="hu-HU" sz="2000" dirty="0">
+                <a:latin typeface="Arial Black" panose="020B0A04020102020204" pitchFamily="34" charset="0"/>
+              </a:rPr>
+              <a:t>Mechwart András Gépipari és Informatikai Technikum és Szakképzési Centrum</a:t>
+            </a:r>
+          </a:p>
+        </p:txBody>
+      </p:sp>
+      <p:sp>
+        <p:nvSpPr>
+          <p:cNvPr id="4" name="Cím 1">
             <a:extLst>
               <a:ext uri="{FF2B5EF4-FFF2-40B4-BE49-F238E27FC236}">
-                <a16:creationId xmlns:a16="http://schemas.microsoft.com/office/drawing/2014/main" id="{D91C3302-50D4-4188-9F1F-6D5443A1E8B4}"/>
+                <a16:creationId xmlns:a16="http://schemas.microsoft.com/office/drawing/2014/main" id="{A0BD0CBC-76E2-4277-A542-7015310A4C0A}"/>
               </a:ext>
             </a:extLst>
           </p:cNvPr>
-          <p:cNvSpPr>
-            <a:spLocks noGrp="1"/>
-          </p:cNvSpPr>
-          <p:nvPr>
-            <p:ph type="subTitle" idx="1"/>
-          </p:nvPr>
-        </p:nvSpPr>
-        <p:spPr/>
-        <p:txBody>
-          <a:bodyPr/>
-          <a:lstStyle/>
-          <a:p>
-            <a:endParaRPr lang="hu-HU"/>
+          <p:cNvSpPr txBox="1">
+            <a:spLocks/>
+          </p:cNvSpPr>
+          <p:nvPr/>
+        </p:nvSpPr>
+        <p:spPr>
+          <a:xfrm>
+            <a:off x="139970" y="1076885"/>
+            <a:ext cx="8235933" cy="284629"/>
+          </a:xfrm>
+          <a:prstGeom prst="rect">
+            <a:avLst/>
+          </a:prstGeom>
+        </p:spPr>
+        <p:txBody>
+          <a:bodyPr vert="horz" lIns="91440" tIns="45720" rIns="91440" bIns="45720" rtlCol="0" anchor="b">
+            <a:noAutofit/>
+          </a:bodyPr>
+          <a:lstStyle>
+            <a:lvl1pPr algn="l" defTabSz="457200" rtl="0" eaLnBrk="1" latinLnBrk="0" hangingPunct="1">
+              <a:spcBef>
+                <a:spcPct val="0"/>
+              </a:spcBef>
+              <a:buNone/>
+              <a:defRPr sz="7200" b="0" i="0" kern="1200">
+                <a:solidFill>
+                  <a:schemeClr val="tx2"/>
+                </a:solidFill>
+                <a:latin typeface="+mj-lt"/>
+                <a:ea typeface="+mj-ea"/>
+                <a:cs typeface="+mj-cs"/>
+              </a:defRPr>
+            </a:lvl1pPr>
+            <a:lvl2pPr eaLnBrk="1" hangingPunct="1">
+              <a:defRPr>
+                <a:solidFill>
+                  <a:schemeClr val="tx2"/>
+                </a:solidFill>
+              </a:defRPr>
+            </a:lvl2pPr>
+            <a:lvl3pPr eaLnBrk="1" hangingPunct="1">
+              <a:defRPr>
+                <a:solidFill>
+                  <a:schemeClr val="tx2"/>
+                </a:solidFill>
+              </a:defRPr>
+            </a:lvl3pPr>
+            <a:lvl4pPr eaLnBrk="1" hangingPunct="1">
+              <a:defRPr>
+                <a:solidFill>
+                  <a:schemeClr val="tx2"/>
+                </a:solidFill>
+              </a:defRPr>
+            </a:lvl4pPr>
+            <a:lvl5pPr eaLnBrk="1" hangingPunct="1">
+              <a:defRPr>
+                <a:solidFill>
+                  <a:schemeClr val="tx2"/>
+                </a:solidFill>
+              </a:defRPr>
+            </a:lvl5pPr>
+            <a:lvl6pPr eaLnBrk="1" hangingPunct="1">
+              <a:defRPr>
+                <a:solidFill>
+                  <a:schemeClr val="tx2"/>
+                </a:solidFill>
+              </a:defRPr>
+            </a:lvl6pPr>
+            <a:lvl7pPr eaLnBrk="1" hangingPunct="1">
+              <a:defRPr>
+                <a:solidFill>
+                  <a:schemeClr val="tx2"/>
+                </a:solidFill>
+              </a:defRPr>
+            </a:lvl7pPr>
+            <a:lvl8pPr eaLnBrk="1" hangingPunct="1">
+              <a:defRPr>
+                <a:solidFill>
+                  <a:schemeClr val="tx2"/>
+                </a:solidFill>
+              </a:defRPr>
+            </a:lvl8pPr>
+            <a:lvl9pPr eaLnBrk="1" hangingPunct="1">
+              <a:defRPr>
+                <a:solidFill>
+                  <a:schemeClr val="tx2"/>
+                </a:solidFill>
+              </a:defRPr>
+            </a:lvl9pPr>
+          </a:lstStyle>
+          <a:p>
+            <a:endParaRPr lang="hu-HU" sz="1600" b="1" dirty="0">
+              <a:latin typeface="Arial" panose="020B0604020202020204" pitchFamily="34" charset="0"/>
+              <a:cs typeface="Arial" panose="020B0604020202020204" pitchFamily="34" charset="0"/>
+            </a:endParaRPr>
+          </a:p>
+        </p:txBody>
+      </p:sp>
+      <p:sp>
+        <p:nvSpPr>
+          <p:cNvPr id="5" name="Cím 1">
+            <a:extLst>
+              <a:ext uri="{FF2B5EF4-FFF2-40B4-BE49-F238E27FC236}">
+                <a16:creationId xmlns:a16="http://schemas.microsoft.com/office/drawing/2014/main" id="{04348EA9-6FEE-4602-9E65-5D8DC2C0BDFE}"/>
+              </a:ext>
+            </a:extLst>
+          </p:cNvPr>
+          <p:cNvSpPr txBox="1">
+            <a:spLocks/>
+          </p:cNvSpPr>
+          <p:nvPr/>
+        </p:nvSpPr>
+        <p:spPr>
+          <a:xfrm>
+            <a:off x="139970" y="708078"/>
+            <a:ext cx="8235933" cy="368807"/>
+          </a:xfrm>
+          <a:prstGeom prst="rect">
+            <a:avLst/>
+          </a:prstGeom>
+        </p:spPr>
+        <p:txBody>
+          <a:bodyPr vert="horz" lIns="91440" tIns="45720" rIns="91440" bIns="45720" rtlCol="0" anchor="b">
+            <a:noAutofit/>
+          </a:bodyPr>
+          <a:lstStyle>
+            <a:lvl1pPr algn="l" defTabSz="457200" rtl="0" eaLnBrk="1" latinLnBrk="0" hangingPunct="1">
+              <a:spcBef>
+                <a:spcPct val="0"/>
+              </a:spcBef>
+              <a:buNone/>
+              <a:defRPr sz="7200" b="0" i="0" kern="1200">
+                <a:solidFill>
+                  <a:schemeClr val="tx2"/>
+                </a:solidFill>
+                <a:latin typeface="+mj-lt"/>
+                <a:ea typeface="+mj-ea"/>
+                <a:cs typeface="+mj-cs"/>
+              </a:defRPr>
+            </a:lvl1pPr>
+            <a:lvl2pPr eaLnBrk="1" hangingPunct="1">
+              <a:defRPr>
+                <a:solidFill>
+                  <a:schemeClr val="tx2"/>
+                </a:solidFill>
+              </a:defRPr>
+            </a:lvl2pPr>
+            <a:lvl3pPr eaLnBrk="1" hangingPunct="1">
+              <a:defRPr>
+                <a:solidFill>
+                  <a:schemeClr val="tx2"/>
+                </a:solidFill>
+              </a:defRPr>
+            </a:lvl3pPr>
+            <a:lvl4pPr eaLnBrk="1" hangingPunct="1">
+              <a:defRPr>
+                <a:solidFill>
+                  <a:schemeClr val="tx2"/>
+                </a:solidFill>
+              </a:defRPr>
+            </a:lvl4pPr>
+            <a:lvl5pPr eaLnBrk="1" hangingPunct="1">
+              <a:defRPr>
+                <a:solidFill>
+                  <a:schemeClr val="tx2"/>
+                </a:solidFill>
+              </a:defRPr>
+            </a:lvl5pPr>
+            <a:lvl6pPr eaLnBrk="1" hangingPunct="1">
+              <a:defRPr>
+                <a:solidFill>
+                  <a:schemeClr val="tx2"/>
+                </a:solidFill>
+              </a:defRPr>
+            </a:lvl6pPr>
+            <a:lvl7pPr eaLnBrk="1" hangingPunct="1">
+              <a:defRPr>
+                <a:solidFill>
+                  <a:schemeClr val="tx2"/>
+                </a:solidFill>
+              </a:defRPr>
+            </a:lvl7pPr>
+            <a:lvl8pPr eaLnBrk="1" hangingPunct="1">
+              <a:defRPr>
+                <a:solidFill>
+                  <a:schemeClr val="tx2"/>
+                </a:solidFill>
+              </a:defRPr>
+            </a:lvl8pPr>
+            <a:lvl9pPr eaLnBrk="1" hangingPunct="1">
+              <a:defRPr>
+                <a:solidFill>
+                  <a:schemeClr val="tx2"/>
+                </a:solidFill>
+              </a:defRPr>
+            </a:lvl9pPr>
+          </a:lstStyle>
+          <a:p>
+            <a:r>
+              <a:rPr lang="hu-HU" sz="1800" b="1" dirty="0">
+                <a:latin typeface="Arial" panose="020B0604020202020204" pitchFamily="34" charset="0"/>
+                <a:cs typeface="Arial" panose="020B0604020202020204" pitchFamily="34" charset="0"/>
+              </a:rPr>
+              <a:t>IKT Projektmunka</a:t>
+            </a:r>
+          </a:p>
+        </p:txBody>
+      </p:sp>
+      <p:sp>
+        <p:nvSpPr>
+          <p:cNvPr id="8" name="Cím 1">
+            <a:extLst>
+              <a:ext uri="{FF2B5EF4-FFF2-40B4-BE49-F238E27FC236}">
+                <a16:creationId xmlns:a16="http://schemas.microsoft.com/office/drawing/2014/main" id="{13EB7383-1E0A-429B-A65C-1148F579D8FA}"/>
+              </a:ext>
+            </a:extLst>
+          </p:cNvPr>
+          <p:cNvSpPr txBox="1">
+            <a:spLocks/>
+          </p:cNvSpPr>
+          <p:nvPr/>
+        </p:nvSpPr>
+        <p:spPr>
+          <a:xfrm>
+            <a:off x="1978033" y="2871216"/>
+            <a:ext cx="8235933" cy="1115568"/>
+          </a:xfrm>
+          <a:prstGeom prst="rect">
+            <a:avLst/>
+          </a:prstGeom>
+        </p:spPr>
+        <p:txBody>
+          <a:bodyPr vert="horz" lIns="91440" tIns="45720" rIns="91440" bIns="45720" rtlCol="0" anchor="b">
+            <a:noAutofit/>
+          </a:bodyPr>
+          <a:lstStyle>
+            <a:lvl1pPr algn="l" defTabSz="457200" rtl="0" eaLnBrk="1" latinLnBrk="0" hangingPunct="1">
+              <a:spcBef>
+                <a:spcPct val="0"/>
+              </a:spcBef>
+              <a:buNone/>
+              <a:defRPr sz="7200" b="0" i="0" kern="1200">
+                <a:solidFill>
+                  <a:schemeClr val="tx2"/>
+                </a:solidFill>
+                <a:latin typeface="+mj-lt"/>
+                <a:ea typeface="+mj-ea"/>
+                <a:cs typeface="+mj-cs"/>
+              </a:defRPr>
+            </a:lvl1pPr>
+            <a:lvl2pPr eaLnBrk="1" hangingPunct="1">
+              <a:defRPr>
+                <a:solidFill>
+                  <a:schemeClr val="tx2"/>
+                </a:solidFill>
+              </a:defRPr>
+            </a:lvl2pPr>
+            <a:lvl3pPr eaLnBrk="1" hangingPunct="1">
+              <a:defRPr>
+                <a:solidFill>
+                  <a:schemeClr val="tx2"/>
+                </a:solidFill>
+              </a:defRPr>
+            </a:lvl3pPr>
+            <a:lvl4pPr eaLnBrk="1" hangingPunct="1">
+              <a:defRPr>
+                <a:solidFill>
+                  <a:schemeClr val="tx2"/>
+                </a:solidFill>
+              </a:defRPr>
+            </a:lvl4pPr>
+            <a:lvl5pPr eaLnBrk="1" hangingPunct="1">
+              <a:defRPr>
+                <a:solidFill>
+                  <a:schemeClr val="tx2"/>
+                </a:solidFill>
+              </a:defRPr>
+            </a:lvl5pPr>
+            <a:lvl6pPr eaLnBrk="1" hangingPunct="1">
+              <a:defRPr>
+                <a:solidFill>
+                  <a:schemeClr val="tx2"/>
+                </a:solidFill>
+              </a:defRPr>
+            </a:lvl6pPr>
+            <a:lvl7pPr eaLnBrk="1" hangingPunct="1">
+              <a:defRPr>
+                <a:solidFill>
+                  <a:schemeClr val="tx2"/>
+                </a:solidFill>
+              </a:defRPr>
+            </a:lvl7pPr>
+            <a:lvl8pPr eaLnBrk="1" hangingPunct="1">
+              <a:defRPr>
+                <a:solidFill>
+                  <a:schemeClr val="tx2"/>
+                </a:solidFill>
+              </a:defRPr>
+            </a:lvl8pPr>
+            <a:lvl9pPr eaLnBrk="1" hangingPunct="1">
+              <a:defRPr>
+                <a:solidFill>
+                  <a:schemeClr val="tx2"/>
+                </a:solidFill>
+              </a:defRPr>
+            </a:lvl9pPr>
+          </a:lstStyle>
+          <a:p>
+            <a:pPr algn="ctr"/>
+            <a:r>
+              <a:rPr lang="hu-HU" sz="5400" b="1" dirty="0">
+                <a:latin typeface="Arial" panose="020B0604020202020204" pitchFamily="34" charset="0"/>
+                <a:cs typeface="Arial" panose="020B0604020202020204" pitchFamily="34" charset="0"/>
+              </a:rPr>
+              <a:t>GitHub a csapatmunkában</a:t>
+            </a:r>
           </a:p>
         </p:txBody>
       </p:sp>
@@ -3384,10 +6504,221 @@
 </p:sld>
 </file>
 
+<file path=ppt/slides/slide2.xml><?xml version="1.0" encoding="utf-8"?>
+<p:sld xmlns:a="http://schemas.openxmlformats.org/drawingml/2006/main" xmlns:r="http://schemas.openxmlformats.org/officeDocument/2006/relationships" xmlns:p="http://schemas.openxmlformats.org/presentationml/2006/main">
+  <p:cSld>
+    <p:bg>
+      <p:bgPr>
+        <a:gradFill>
+          <a:gsLst>
+            <a:gs pos="0">
+              <a:schemeClr val="bg1">
+                <a:lumMod val="65000"/>
+                <a:lumOff val="35000"/>
+              </a:schemeClr>
+            </a:gs>
+            <a:gs pos="74000">
+              <a:schemeClr val="bg1">
+                <a:lumMod val="75000"/>
+                <a:lumOff val="25000"/>
+              </a:schemeClr>
+            </a:gs>
+            <a:gs pos="83000">
+              <a:schemeClr val="bg1">
+                <a:lumMod val="85000"/>
+                <a:lumOff val="15000"/>
+              </a:schemeClr>
+            </a:gs>
+            <a:gs pos="100000">
+              <a:schemeClr val="bg1">
+                <a:lumMod val="95000"/>
+                <a:lumOff val="5000"/>
+              </a:schemeClr>
+            </a:gs>
+          </a:gsLst>
+          <a:lin ang="5400000" scaled="1"/>
+        </a:gradFill>
+        <a:effectLst/>
+      </p:bgPr>
+    </p:bg>
+    <p:spTree>
+      <p:nvGrpSpPr>
+        <p:cNvPr id="1" name=""/>
+        <p:cNvGrpSpPr/>
+        <p:nvPr/>
+      </p:nvGrpSpPr>
+      <p:grpSpPr>
+        <a:xfrm>
+          <a:off x="0" y="0"/>
+          <a:ext cx="0" cy="0"/>
+          <a:chOff x="0" y="0"/>
+          <a:chExt cx="0" cy="0"/>
+        </a:xfrm>
+      </p:grpSpPr>
+      <p:sp>
+        <p:nvSpPr>
+          <p:cNvPr id="2" name="Cím 1">
+            <a:extLst>
+              <a:ext uri="{FF2B5EF4-FFF2-40B4-BE49-F238E27FC236}">
+                <a16:creationId xmlns:a16="http://schemas.microsoft.com/office/drawing/2014/main" id="{316EBC0C-0451-47C5-B24B-48CEC0EF245A}"/>
+              </a:ext>
+            </a:extLst>
+          </p:cNvPr>
+          <p:cNvSpPr>
+            <a:spLocks noGrp="1"/>
+          </p:cNvSpPr>
+          <p:nvPr>
+            <p:ph type="ctrTitle"/>
+          </p:nvPr>
+        </p:nvSpPr>
+        <p:spPr>
+          <a:xfrm>
+            <a:off x="139970" y="192025"/>
+            <a:ext cx="6626590" cy="676656"/>
+          </a:xfrm>
+        </p:spPr>
+        <p:txBody>
+          <a:bodyPr>
+            <a:normAutofit/>
+          </a:bodyPr>
+          <a:lstStyle/>
+          <a:p>
+            <a:r>
+              <a:rPr lang="hu-HU" sz="2000">
+                <a:latin typeface="Arial Black" panose="020B0A04020102020204" pitchFamily="34" charset="0"/>
+              </a:rPr>
+              <a:t>Csapattagok:</a:t>
+            </a:r>
+            <a:endParaRPr lang="hu-HU" sz="2000" dirty="0">
+              <a:latin typeface="Arial Black" panose="020B0A04020102020204" pitchFamily="34" charset="0"/>
+            </a:endParaRPr>
+          </a:p>
+        </p:txBody>
+      </p:sp>
+      <p:sp>
+        <p:nvSpPr>
+          <p:cNvPr id="4" name="Cím 1">
+            <a:extLst>
+              <a:ext uri="{FF2B5EF4-FFF2-40B4-BE49-F238E27FC236}">
+                <a16:creationId xmlns:a16="http://schemas.microsoft.com/office/drawing/2014/main" id="{A0BD0CBC-76E2-4277-A542-7015310A4C0A}"/>
+              </a:ext>
+            </a:extLst>
+          </p:cNvPr>
+          <p:cNvSpPr txBox="1">
+            <a:spLocks/>
+          </p:cNvSpPr>
+          <p:nvPr/>
+        </p:nvSpPr>
+        <p:spPr>
+          <a:xfrm>
+            <a:off x="139970" y="1076885"/>
+            <a:ext cx="8235933" cy="284629"/>
+          </a:xfrm>
+          <a:prstGeom prst="rect">
+            <a:avLst/>
+          </a:prstGeom>
+        </p:spPr>
+        <p:txBody>
+          <a:bodyPr vert="horz" lIns="91440" tIns="45720" rIns="91440" bIns="45720" rtlCol="0" anchor="b">
+            <a:noAutofit/>
+          </a:bodyPr>
+          <a:lstStyle>
+            <a:lvl1pPr algn="l" defTabSz="457200" rtl="0" eaLnBrk="1" latinLnBrk="0" hangingPunct="1">
+              <a:spcBef>
+                <a:spcPct val="0"/>
+              </a:spcBef>
+              <a:buNone/>
+              <a:defRPr sz="7200" b="0" i="0" kern="1200">
+                <a:solidFill>
+                  <a:schemeClr val="tx2"/>
+                </a:solidFill>
+                <a:latin typeface="+mj-lt"/>
+                <a:ea typeface="+mj-ea"/>
+                <a:cs typeface="+mj-cs"/>
+              </a:defRPr>
+            </a:lvl1pPr>
+            <a:lvl2pPr eaLnBrk="1" hangingPunct="1">
+              <a:defRPr>
+                <a:solidFill>
+                  <a:schemeClr val="tx2"/>
+                </a:solidFill>
+              </a:defRPr>
+            </a:lvl2pPr>
+            <a:lvl3pPr eaLnBrk="1" hangingPunct="1">
+              <a:defRPr>
+                <a:solidFill>
+                  <a:schemeClr val="tx2"/>
+                </a:solidFill>
+              </a:defRPr>
+            </a:lvl3pPr>
+            <a:lvl4pPr eaLnBrk="1" hangingPunct="1">
+              <a:defRPr>
+                <a:solidFill>
+                  <a:schemeClr val="tx2"/>
+                </a:solidFill>
+              </a:defRPr>
+            </a:lvl4pPr>
+            <a:lvl5pPr eaLnBrk="1" hangingPunct="1">
+              <a:defRPr>
+                <a:solidFill>
+                  <a:schemeClr val="tx2"/>
+                </a:solidFill>
+              </a:defRPr>
+            </a:lvl5pPr>
+            <a:lvl6pPr eaLnBrk="1" hangingPunct="1">
+              <a:defRPr>
+                <a:solidFill>
+                  <a:schemeClr val="tx2"/>
+                </a:solidFill>
+              </a:defRPr>
+            </a:lvl6pPr>
+            <a:lvl7pPr eaLnBrk="1" hangingPunct="1">
+              <a:defRPr>
+                <a:solidFill>
+                  <a:schemeClr val="tx2"/>
+                </a:solidFill>
+              </a:defRPr>
+            </a:lvl7pPr>
+            <a:lvl8pPr eaLnBrk="1" hangingPunct="1">
+              <a:defRPr>
+                <a:solidFill>
+                  <a:schemeClr val="tx2"/>
+                </a:solidFill>
+              </a:defRPr>
+            </a:lvl8pPr>
+            <a:lvl9pPr eaLnBrk="1" hangingPunct="1">
+              <a:defRPr>
+                <a:solidFill>
+                  <a:schemeClr val="tx2"/>
+                </a:solidFill>
+              </a:defRPr>
+            </a:lvl9pPr>
+          </a:lstStyle>
+          <a:p>
+            <a:endParaRPr lang="hu-HU" sz="1600" b="1" dirty="0">
+              <a:latin typeface="Arial" panose="020B0604020202020204" pitchFamily="34" charset="0"/>
+              <a:cs typeface="Arial" panose="020B0604020202020204" pitchFamily="34" charset="0"/>
+            </a:endParaRPr>
+          </a:p>
+        </p:txBody>
+      </p:sp>
+    </p:spTree>
+    <p:extLst>
+      <p:ext uri="{BB962C8B-B14F-4D97-AF65-F5344CB8AC3E}">
+        <p14:creationId xmlns:p14="http://schemas.microsoft.com/office/powerpoint/2010/main" val="3104572828"/>
+      </p:ext>
+    </p:extLst>
+  </p:cSld>
+  <p:clrMapOvr>
+    <a:masterClrMapping/>
+  </p:clrMapOvr>
+</p:sld>
+</file>
+
 <file path=ppt/theme/theme1.xml><?xml version="1.0" encoding="utf-8"?>
-<a:theme xmlns:a="http://schemas.openxmlformats.org/drawingml/2006/main" name="Office-téma">
+<a:theme xmlns:a="http://schemas.openxmlformats.org/drawingml/2006/main" name="Ion">
   <a:themeElements>
-    <a:clrScheme name="Office">
+    <a:clrScheme name="Ion">
       <a:dk1>
         <a:sysClr val="windowText" lastClr="000000"/>
       </a:dk1>
@@ -3395,44 +6726,44 @@
         <a:sysClr val="window" lastClr="FFFFFF"/>
       </a:lt1>
       <a:dk2>
-        <a:srgbClr val="44546A"/>
+        <a:srgbClr val="1E5155"/>
       </a:dk2>
       <a:lt2>
-        <a:srgbClr val="E7E6E6"/>
+        <a:srgbClr val="EBEBEB"/>
       </a:lt2>
       <a:accent1>
-        <a:srgbClr val="4472C4"/>
+        <a:srgbClr val="B01513"/>
       </a:accent1>
       <a:accent2>
-        <a:srgbClr val="ED7D31"/>
+        <a:srgbClr val="EA6312"/>
       </a:accent2>
       <a:accent3>
-        <a:srgbClr val="A5A5A5"/>
+        <a:srgbClr val="E6B729"/>
       </a:accent3>
       <a:accent4>
-        <a:srgbClr val="FFC000"/>
+        <a:srgbClr val="6AAC90"/>
       </a:accent4>
       <a:accent5>
-        <a:srgbClr val="5B9BD5"/>
+        <a:srgbClr val="54849A"/>
       </a:accent5>
       <a:accent6>
-        <a:srgbClr val="70AD47"/>
+        <a:srgbClr val="9E5E9B"/>
       </a:accent6>
       <a:hlink>
-        <a:srgbClr val="0563C1"/>
+        <a:srgbClr val="58C1BA"/>
       </a:hlink>
       <a:folHlink>
-        <a:srgbClr val="954F72"/>
+        <a:srgbClr val="9DFFCB"/>
       </a:folHlink>
     </a:clrScheme>
-    <a:fontScheme name="Office">
+    <a:fontScheme name="Ion">
       <a:majorFont>
-        <a:latin typeface="Calibri Light" panose="020F0302020204030204"/>
+        <a:latin typeface="Century Gothic" panose="020B0502020202020204"/>
         <a:ea typeface=""/>
         <a:cs typeface=""/>
-        <a:font script="Jpan" typeface="游ゴシック Light"/>
+        <a:font script="Jpan" typeface="メイリオ"/>
         <a:font script="Hang" typeface="맑은 고딕"/>
-        <a:font script="Hans" typeface="等线 Light"/>
+        <a:font script="Hans" typeface="宋体"/>
         <a:font script="Hant" typeface="新細明體"/>
         <a:font script="Arab" typeface="Times New Roman"/>
         <a:font script="Hebr" typeface="Times New Roman"/>
@@ -3460,31 +6791,14 @@
         <a:font script="Viet" typeface="Times New Roman"/>
         <a:font script="Uigh" typeface="Microsoft Uighur"/>
         <a:font script="Geor" typeface="Sylfaen"/>
-        <a:font script="Armn" typeface="Arial"/>
-        <a:font script="Bugi" typeface="Leelawadee UI"/>
-        <a:font script="Bopo" typeface="Microsoft JhengHei"/>
-        <a:font script="Java" typeface="Javanese Text"/>
-        <a:font script="Lisu" typeface="Segoe UI"/>
-        <a:font script="Mymr" typeface="Myanmar Text"/>
-        <a:font script="Nkoo" typeface="Ebrima"/>
-        <a:font script="Olck" typeface="Nirmala UI"/>
-        <a:font script="Osma" typeface="Ebrima"/>
-        <a:font script="Phag" typeface="Phagspa"/>
-        <a:font script="Syrn" typeface="Estrangelo Edessa"/>
-        <a:font script="Syrj" typeface="Estrangelo Edessa"/>
-        <a:font script="Syre" typeface="Estrangelo Edessa"/>
-        <a:font script="Sora" typeface="Nirmala UI"/>
-        <a:font script="Tale" typeface="Microsoft Tai Le"/>
-        <a:font script="Talu" typeface="Microsoft New Tai Lue"/>
-        <a:font script="Tfng" typeface="Ebrima"/>
       </a:majorFont>
       <a:minorFont>
-        <a:latin typeface="Calibri" panose="020F0502020204030204"/>
+        <a:latin typeface="Century Gothic" panose="020B0502020202020204"/>
         <a:ea typeface=""/>
         <a:cs typeface=""/>
-        <a:font script="Jpan" typeface="游ゴシック"/>
+        <a:font script="Jpan" typeface="メイリオ"/>
         <a:font script="Hang" typeface="맑은 고딕"/>
-        <a:font script="Hans" typeface="等线"/>
+        <a:font script="Hans" typeface="宋体"/>
         <a:font script="Hant" typeface="新細明體"/>
         <a:font script="Arab" typeface="Arial"/>
         <a:font script="Hebr" typeface="Arial"/>
@@ -3512,26 +6826,9 @@
         <a:font script="Viet" typeface="Arial"/>
         <a:font script="Uigh" typeface="Microsoft Uighur"/>
         <a:font script="Geor" typeface="Sylfaen"/>
-        <a:font script="Armn" typeface="Arial"/>
-        <a:font script="Bugi" typeface="Leelawadee UI"/>
-        <a:font script="Bopo" typeface="Microsoft JhengHei"/>
-        <a:font script="Java" typeface="Javanese Text"/>
-        <a:font script="Lisu" typeface="Segoe UI"/>
-        <a:font script="Mymr" typeface="Myanmar Text"/>
-        <a:font script="Nkoo" typeface="Ebrima"/>
-        <a:font script="Olck" typeface="Nirmala UI"/>
-        <a:font script="Osma" typeface="Ebrima"/>
-        <a:font script="Phag" typeface="Phagspa"/>
-        <a:font script="Syrn" typeface="Estrangelo Edessa"/>
-        <a:font script="Syrj" typeface="Estrangelo Edessa"/>
-        <a:font script="Syre" typeface="Estrangelo Edessa"/>
-        <a:font script="Sora" typeface="Nirmala UI"/>
-        <a:font script="Tale" typeface="Microsoft Tai Le"/>
-        <a:font script="Talu" typeface="Microsoft New Tai Lue"/>
-        <a:font script="Tfng" typeface="Ebrima"/>
       </a:minorFont>
     </a:fontScheme>
-    <a:fmtScheme name="Office">
+    <a:fmtScheme name="Ion">
       <a:fillStyleLst>
         <a:solidFill>
           <a:schemeClr val="phClr"/>
@@ -3540,23 +6837,15 @@
           <a:gsLst>
             <a:gs pos="0">
               <a:schemeClr val="phClr">
-                <a:lumMod val="110000"/>
-                <a:satMod val="105000"/>
-                <a:tint val="67000"/>
-              </a:schemeClr>
-            </a:gs>
-            <a:gs pos="50000">
-              <a:schemeClr val="phClr">
-                <a:lumMod val="105000"/>
-                <a:satMod val="103000"/>
-                <a:tint val="73000"/>
+                <a:tint val="64000"/>
+                <a:lumMod val="118000"/>
               </a:schemeClr>
             </a:gs>
             <a:gs pos="100000">
               <a:schemeClr val="phClr">
-                <a:lumMod val="105000"/>
-                <a:satMod val="109000"/>
-                <a:tint val="81000"/>
+                <a:tint val="92000"/>
+                <a:alpha val="100000"/>
+                <a:lumMod val="110000"/>
               </a:schemeClr>
             </a:gs>
           </a:gsLst>
@@ -3566,23 +6855,14 @@
           <a:gsLst>
             <a:gs pos="0">
               <a:schemeClr val="phClr">
-                <a:satMod val="103000"/>
-                <a:lumMod val="102000"/>
-                <a:tint val="94000"/>
-              </a:schemeClr>
-            </a:gs>
-            <a:gs pos="50000">
-              <a:schemeClr val="phClr">
-                <a:satMod val="110000"/>
-                <a:lumMod val="100000"/>
-                <a:shade val="100000"/>
+                <a:tint val="98000"/>
+                <a:lumMod val="114000"/>
               </a:schemeClr>
             </a:gs>
             <a:gs pos="100000">
               <a:schemeClr val="phClr">
-                <a:lumMod val="99000"/>
-                <a:satMod val="120000"/>
-                <a:shade val="78000"/>
+                <a:shade val="90000"/>
+                <a:lumMod val="84000"/>
               </a:schemeClr>
             </a:gs>
           </a:gsLst>
@@ -3590,26 +6870,23 @@
         </a:gradFill>
       </a:fillStyleLst>
       <a:lnStyleLst>
-        <a:ln w="6350" cap="flat" cmpd="sng" algn="ctr">
+        <a:ln w="9525" cap="rnd" cmpd="sng" algn="ctr">
           <a:solidFill>
             <a:schemeClr val="phClr"/>
           </a:solidFill>
           <a:prstDash val="solid"/>
-          <a:miter lim="800000"/>
         </a:ln>
-        <a:ln w="12700" cap="flat" cmpd="sng" algn="ctr">
+        <a:ln w="19050" cap="rnd" cmpd="sng" algn="ctr">
           <a:solidFill>
             <a:schemeClr val="phClr"/>
           </a:solidFill>
           <a:prstDash val="solid"/>
-          <a:miter lim="800000"/>
         </a:ln>
-        <a:ln w="19050" cap="flat" cmpd="sng" algn="ctr">
+        <a:ln w="28575" cap="rnd" cmpd="sng" algn="ctr">
           <a:solidFill>
             <a:schemeClr val="phClr"/>
           </a:solidFill>
           <a:prstDash val="solid"/>
-          <a:miter lim="800000"/>
         </a:ln>
       </a:lnStyleLst>
       <a:effectStyleLst>
@@ -3617,55 +6894,80 @@
           <a:effectLst/>
         </a:effectStyle>
         <a:effectStyle>
-          <a:effectLst/>
+          <a:effectLst>
+            <a:outerShdw blurRad="38100" dist="25400" dir="5400000" rotWithShape="0">
+              <a:srgbClr val="000000">
+                <a:alpha val="45000"/>
+              </a:srgbClr>
+            </a:outerShdw>
+          </a:effectLst>
         </a:effectStyle>
         <a:effectStyle>
           <a:effectLst>
-            <a:outerShdw blurRad="57150" dist="19050" dir="5400000" algn="ctr" rotWithShape="0">
+            <a:outerShdw blurRad="63500" dist="38100" dir="5400000" rotWithShape="0">
               <a:srgbClr val="000000">
-                <a:alpha val="63000"/>
+                <a:alpha val="60000"/>
               </a:srgbClr>
             </a:outerShdw>
           </a:effectLst>
+          <a:scene3d>
+            <a:camera prst="orthographicFront">
+              <a:rot lat="0" lon="0" rev="0"/>
+            </a:camera>
+            <a:lightRig rig="threePt" dir="tl"/>
+          </a:scene3d>
+          <a:sp3d prstMaterial="plastic">
+            <a:bevelT w="0" h="0"/>
+          </a:sp3d>
         </a:effectStyle>
       </a:effectStyleLst>
       <a:bgFillStyleLst>
         <a:solidFill>
           <a:schemeClr val="phClr"/>
         </a:solidFill>
-        <a:solidFill>
-          <a:schemeClr val="phClr">
-            <a:tint val="95000"/>
-            <a:satMod val="170000"/>
-          </a:schemeClr>
-        </a:solidFill>
         <a:gradFill rotWithShape="1">
           <a:gsLst>
             <a:gs pos="0">
               <a:schemeClr val="phClr">
-                <a:tint val="93000"/>
-                <a:satMod val="150000"/>
-                <a:shade val="98000"/>
-                <a:lumMod val="102000"/>
-              </a:schemeClr>
-            </a:gs>
-            <a:gs pos="50000">
-              <a:schemeClr val="phClr">
-                <a:tint val="98000"/>
+                <a:tint val="97000"/>
+                <a:hueMod val="88000"/>
                 <a:satMod val="130000"/>
-                <a:shade val="90000"/>
-                <a:lumMod val="103000"/>
+                <a:lumMod val="124000"/>
               </a:schemeClr>
             </a:gs>
             <a:gs pos="100000">
               <a:schemeClr val="phClr">
-                <a:shade val="63000"/>
-                <a:satMod val="120000"/>
+                <a:tint val="96000"/>
+                <a:shade val="88000"/>
+                <a:hueMod val="108000"/>
+                <a:satMod val="164000"/>
+                <a:lumMod val="76000"/>
               </a:schemeClr>
             </a:gs>
           </a:gsLst>
-          <a:lin ang="5400000" scaled="0"/>
+          <a:path path="circle">
+            <a:fillToRect l="45000" t="65000" r="125000" b="100000"/>
+          </a:path>
         </a:gradFill>
+        <a:blipFill rotWithShape="1">
+          <a:blip xmlns:r="http://schemas.openxmlformats.org/officeDocument/2006/relationships" r:embed="rId1">
+            <a:duotone>
+              <a:schemeClr val="phClr">
+                <a:shade val="69000"/>
+                <a:hueMod val="108000"/>
+                <a:satMod val="164000"/>
+                <a:lumMod val="74000"/>
+              </a:schemeClr>
+              <a:schemeClr val="phClr">
+                <a:tint val="96000"/>
+                <a:hueMod val="88000"/>
+                <a:satMod val="140000"/>
+                <a:lumMod val="132000"/>
+              </a:schemeClr>
+            </a:duotone>
+          </a:blip>
+          <a:stretch/>
+        </a:blipFill>
       </a:bgFillStyleLst>
     </a:fmtScheme>
   </a:themeElements>
@@ -3673,7 +6975,7 @@
   <a:extraClrSchemeLst/>
   <a:extLst>
     <a:ext uri="{05A4C25C-085E-4340-85A3-A5531E510DB2}">
-      <thm15:themeFamily xmlns:thm15="http://schemas.microsoft.com/office/thememl/2012/main" name="Office Theme" id="{62F939B6-93AF-4DB8-9C6B-D6C7DFDC589F}" vid="{4A3C46E8-61CC-4603-A589-7422A47A8E4A}"/>
+      <thm15:themeFamily xmlns:thm15="http://schemas.microsoft.com/office/thememl/2012/main" name="Ion" id="{B8441ADB-2E43-4AF7-B97A-BD870242C6A8}" vid="{292E63A9-BB86-4E3D-B92A-7223C6510D2E}"/>
     </a:ext>
   </a:extLst>
 </a:theme>
